--- a/Group 14.pptx
+++ b/Group 14.pptx
@@ -110,6 +110,11 @@
       </a:defRPr>
     </a:lvl9pPr>
   </p:defaultTextStyle>
+  <p:extLst>
+    <p:ext uri="{EFAFB233-063F-42B5-8137-9DF3F51BA10A}">
+      <p15:sldGuideLst xmlns:p15="http://schemas.microsoft.com/office/powerpoint/2012/main"/>
+    </p:ext>
+  </p:extLst>
 </p:presentation>
 </file>
 
@@ -691,7 +696,7 @@
           </a:lstStyle>
           <a:p>
             <a:r>
-              <a:rPr lang="en-US" smtClean="0"/>
+              <a:rPr lang="en-US"/>
               <a:t>Click to edit Master title style</a:t>
             </a:r>
             <a:endParaRPr lang="en-US" dirty="0"/>
@@ -811,7 +816,7 @@
           </a:lstStyle>
           <a:p>
             <a:r>
-              <a:rPr lang="en-US" smtClean="0"/>
+              <a:rPr lang="en-US"/>
               <a:t>Click to edit Master subtitle style</a:t>
             </a:r>
             <a:endParaRPr lang="en-US" dirty="0"/>
@@ -940,7 +945,7 @@
           </a:lstStyle>
           <a:p>
             <a:r>
-              <a:rPr lang="en-US" smtClean="0"/>
+              <a:rPr lang="en-US"/>
               <a:t>Click to edit Master title style</a:t>
             </a:r>
             <a:endParaRPr lang="en-US" dirty="0"/>
@@ -1063,7 +1068,7 @@
           <a:p>
             <a:pPr lvl="0"/>
             <a:r>
-              <a:rPr lang="en-US" smtClean="0"/>
+              <a:rPr lang="en-US"/>
               <a:t>Click to edit Master text styles</a:t>
             </a:r>
           </a:p>
@@ -1191,7 +1196,7 @@
           </a:lstStyle>
           <a:p>
             <a:r>
-              <a:rPr lang="en-US" smtClean="0"/>
+              <a:rPr lang="en-US"/>
               <a:t>Click to edit Master title style</a:t>
             </a:r>
             <a:endParaRPr lang="en-US" dirty="0"/>
@@ -1255,7 +1260,7 @@
           <a:p>
             <a:pPr lvl="0"/>
             <a:r>
-              <a:rPr lang="en-US" smtClean="0"/>
+              <a:rPr lang="en-US"/>
               <a:t>Click to edit Master text styles</a:t>
             </a:r>
           </a:p>
@@ -1377,7 +1382,7 @@
           <a:p>
             <a:pPr lvl="0"/>
             <a:r>
-              <a:rPr lang="en-US" smtClean="0"/>
+              <a:rPr lang="en-US"/>
               <a:t>Click to edit Master text styles</a:t>
             </a:r>
           </a:p>
@@ -1595,7 +1600,7 @@
           </a:lstStyle>
           <a:p>
             <a:r>
-              <a:rPr lang="en-US" smtClean="0"/>
+              <a:rPr lang="en-US"/>
               <a:t>Click to edit Master title style</a:t>
             </a:r>
             <a:endParaRPr lang="en-US" dirty="0"/>
@@ -1718,7 +1723,7 @@
           <a:p>
             <a:pPr lvl="0"/>
             <a:r>
-              <a:rPr lang="en-US" smtClean="0"/>
+              <a:rPr lang="en-US"/>
               <a:t>Click to edit Master text styles</a:t>
             </a:r>
           </a:p>
@@ -1846,7 +1851,7 @@
           </a:lstStyle>
           <a:p>
             <a:r>
-              <a:rPr lang="en-US" smtClean="0"/>
+              <a:rPr lang="en-US"/>
               <a:t>Click to edit Master title style</a:t>
             </a:r>
             <a:endParaRPr lang="en-US" dirty="0"/>
@@ -1910,7 +1915,7 @@
           <a:p>
             <a:pPr lvl="0"/>
             <a:r>
-              <a:rPr lang="en-US" smtClean="0"/>
+              <a:rPr lang="en-US"/>
               <a:t>Click to edit Master text styles</a:t>
             </a:r>
           </a:p>
@@ -2032,7 +2037,7 @@
           <a:p>
             <a:pPr lvl="0"/>
             <a:r>
-              <a:rPr lang="en-US" smtClean="0"/>
+              <a:rPr lang="en-US"/>
               <a:t>Click to edit Master text styles</a:t>
             </a:r>
           </a:p>
@@ -2242,7 +2247,7 @@
           </a:lstStyle>
           <a:p>
             <a:r>
-              <a:rPr lang="en-US" smtClean="0"/>
+              <a:rPr lang="en-US"/>
               <a:t>Click to edit Master title style</a:t>
             </a:r>
             <a:endParaRPr lang="en-US" dirty="0"/>
@@ -2303,7 +2308,7 @@
           <a:p>
             <a:pPr lvl="0"/>
             <a:r>
-              <a:rPr lang="en-US" smtClean="0"/>
+              <a:rPr lang="en-US"/>
               <a:t>Click to edit Master text styles</a:t>
             </a:r>
           </a:p>
@@ -2425,7 +2430,7 @@
           <a:p>
             <a:pPr lvl="0"/>
             <a:r>
-              <a:rPr lang="en-US" smtClean="0"/>
+              <a:rPr lang="en-US"/>
               <a:t>Click to edit Master text styles</a:t>
             </a:r>
           </a:p>
@@ -2542,7 +2547,7 @@
           <a:lstStyle/>
           <a:p>
             <a:r>
-              <a:rPr lang="en-US" smtClean="0"/>
+              <a:rPr lang="en-US"/>
               <a:t>Click to edit Master title style</a:t>
             </a:r>
             <a:endParaRPr lang="en-US" dirty="0"/>
@@ -2566,35 +2571,35 @@
           <a:p>
             <a:pPr lvl="0"/>
             <a:r>
-              <a:rPr lang="en-US" smtClean="0"/>
+              <a:rPr lang="en-US"/>
               <a:t>Click to edit Master text styles</a:t>
             </a:r>
           </a:p>
           <a:p>
             <a:pPr lvl="1"/>
             <a:r>
-              <a:rPr lang="en-US" smtClean="0"/>
+              <a:rPr lang="en-US"/>
               <a:t>Second level</a:t>
             </a:r>
           </a:p>
           <a:p>
             <a:pPr lvl="2"/>
             <a:r>
-              <a:rPr lang="en-US" smtClean="0"/>
+              <a:rPr lang="en-US"/>
               <a:t>Third level</a:t>
             </a:r>
           </a:p>
           <a:p>
             <a:pPr lvl="3"/>
             <a:r>
-              <a:rPr lang="en-US" smtClean="0"/>
+              <a:rPr lang="en-US"/>
               <a:t>Fourth level</a:t>
             </a:r>
           </a:p>
           <a:p>
             <a:pPr lvl="4"/>
             <a:r>
-              <a:rPr lang="en-US" smtClean="0"/>
+              <a:rPr lang="en-US"/>
               <a:t>Fifth level</a:t>
             </a:r>
             <a:endParaRPr lang="en-US" dirty="0"/>
@@ -2717,7 +2722,7 @@
           <a:lstStyle/>
           <a:p>
             <a:r>
-              <a:rPr lang="en-US" smtClean="0"/>
+              <a:rPr lang="en-US"/>
               <a:t>Click to edit Master title style</a:t>
             </a:r>
             <a:endParaRPr lang="en-US" dirty="0"/>
@@ -2746,35 +2751,35 @@
           <a:p>
             <a:pPr lvl="0"/>
             <a:r>
-              <a:rPr lang="en-US" smtClean="0"/>
+              <a:rPr lang="en-US"/>
               <a:t>Click to edit Master text styles</a:t>
             </a:r>
           </a:p>
           <a:p>
             <a:pPr lvl="1"/>
             <a:r>
-              <a:rPr lang="en-US" smtClean="0"/>
+              <a:rPr lang="en-US"/>
               <a:t>Second level</a:t>
             </a:r>
           </a:p>
           <a:p>
             <a:pPr lvl="2"/>
             <a:r>
-              <a:rPr lang="en-US" smtClean="0"/>
+              <a:rPr lang="en-US"/>
               <a:t>Third level</a:t>
             </a:r>
           </a:p>
           <a:p>
             <a:pPr lvl="3"/>
             <a:r>
-              <a:rPr lang="en-US" smtClean="0"/>
+              <a:rPr lang="en-US"/>
               <a:t>Fourth level</a:t>
             </a:r>
           </a:p>
           <a:p>
             <a:pPr lvl="4"/>
             <a:r>
-              <a:rPr lang="en-US" smtClean="0"/>
+              <a:rPr lang="en-US"/>
               <a:t>Fifth level</a:t>
             </a:r>
             <a:endParaRPr lang="en-US" dirty="0"/>
@@ -2898,7 +2903,7 @@
           </a:lstStyle>
           <a:p>
             <a:r>
-              <a:rPr lang="en-US" smtClean="0"/>
+              <a:rPr lang="en-US"/>
               <a:t>Click to edit Master title style</a:t>
             </a:r>
             <a:endParaRPr lang="en-US" dirty="0"/>
@@ -2922,35 +2927,35 @@
           <a:p>
             <a:pPr lvl="0"/>
             <a:r>
-              <a:rPr lang="en-US" smtClean="0"/>
+              <a:rPr lang="en-US"/>
               <a:t>Click to edit Master text styles</a:t>
             </a:r>
           </a:p>
           <a:p>
             <a:pPr lvl="1"/>
             <a:r>
-              <a:rPr lang="en-US" smtClean="0"/>
+              <a:rPr lang="en-US"/>
               <a:t>Second level</a:t>
             </a:r>
           </a:p>
           <a:p>
             <a:pPr lvl="2"/>
             <a:r>
-              <a:rPr lang="en-US" smtClean="0"/>
+              <a:rPr lang="en-US"/>
               <a:t>Third level</a:t>
             </a:r>
           </a:p>
           <a:p>
             <a:pPr lvl="3"/>
             <a:r>
-              <a:rPr lang="en-US" smtClean="0"/>
+              <a:rPr lang="en-US"/>
               <a:t>Fourth level</a:t>
             </a:r>
           </a:p>
           <a:p>
             <a:pPr lvl="4"/>
             <a:r>
-              <a:rPr lang="en-US" smtClean="0"/>
+              <a:rPr lang="en-US"/>
               <a:t>Fifth level</a:t>
             </a:r>
             <a:endParaRPr lang="en-US" dirty="0"/>
@@ -3077,7 +3082,7 @@
           </a:lstStyle>
           <a:p>
             <a:r>
-              <a:rPr lang="en-US" smtClean="0"/>
+              <a:rPr lang="en-US"/>
               <a:t>Click to edit Master title style</a:t>
             </a:r>
             <a:endParaRPr lang="en-US" dirty="0"/>
@@ -3198,7 +3203,7 @@
           <a:p>
             <a:pPr lvl="0"/>
             <a:r>
-              <a:rPr lang="en-US" smtClean="0"/>
+              <a:rPr lang="en-US"/>
               <a:t>Click to edit Master text styles</a:t>
             </a:r>
           </a:p>
@@ -3315,7 +3320,7 @@
           <a:lstStyle/>
           <a:p>
             <a:r>
-              <a:rPr lang="en-US" smtClean="0"/>
+              <a:rPr lang="en-US"/>
               <a:t>Click to edit Master title style</a:t>
             </a:r>
             <a:endParaRPr lang="en-US" dirty="0"/>
@@ -3344,35 +3349,35 @@
           <a:p>
             <a:pPr lvl="0"/>
             <a:r>
-              <a:rPr lang="en-US" smtClean="0"/>
+              <a:rPr lang="en-US"/>
               <a:t>Click to edit Master text styles</a:t>
             </a:r>
           </a:p>
           <a:p>
             <a:pPr lvl="1"/>
             <a:r>
-              <a:rPr lang="en-US" smtClean="0"/>
+              <a:rPr lang="en-US"/>
               <a:t>Second level</a:t>
             </a:r>
           </a:p>
           <a:p>
             <a:pPr lvl="2"/>
             <a:r>
-              <a:rPr lang="en-US" smtClean="0"/>
+              <a:rPr lang="en-US"/>
               <a:t>Third level</a:t>
             </a:r>
           </a:p>
           <a:p>
             <a:pPr lvl="3"/>
             <a:r>
-              <a:rPr lang="en-US" smtClean="0"/>
+              <a:rPr lang="en-US"/>
               <a:t>Fourth level</a:t>
             </a:r>
           </a:p>
           <a:p>
             <a:pPr lvl="4"/>
             <a:r>
-              <a:rPr lang="en-US" smtClean="0"/>
+              <a:rPr lang="en-US"/>
               <a:t>Fifth level</a:t>
             </a:r>
             <a:endParaRPr lang="en-US" dirty="0"/>
@@ -3401,35 +3406,35 @@
           <a:p>
             <a:pPr lvl="0"/>
             <a:r>
-              <a:rPr lang="en-US" smtClean="0"/>
+              <a:rPr lang="en-US"/>
               <a:t>Click to edit Master text styles</a:t>
             </a:r>
           </a:p>
           <a:p>
             <a:pPr lvl="1"/>
             <a:r>
-              <a:rPr lang="en-US" smtClean="0"/>
+              <a:rPr lang="en-US"/>
               <a:t>Second level</a:t>
             </a:r>
           </a:p>
           <a:p>
             <a:pPr lvl="2"/>
             <a:r>
-              <a:rPr lang="en-US" smtClean="0"/>
+              <a:rPr lang="en-US"/>
               <a:t>Third level</a:t>
             </a:r>
           </a:p>
           <a:p>
             <a:pPr lvl="3"/>
             <a:r>
-              <a:rPr lang="en-US" smtClean="0"/>
+              <a:rPr lang="en-US"/>
               <a:t>Fourth level</a:t>
             </a:r>
           </a:p>
           <a:p>
             <a:pPr lvl="4"/>
             <a:r>
-              <a:rPr lang="en-US" smtClean="0"/>
+              <a:rPr lang="en-US"/>
               <a:t>Fifth level</a:t>
             </a:r>
             <a:endParaRPr lang="en-US" dirty="0"/>
@@ -3551,7 +3556,7 @@
           </a:lstStyle>
           <a:p>
             <a:r>
-              <a:rPr lang="en-US" smtClean="0"/>
+              <a:rPr lang="en-US"/>
               <a:t>Click to edit Master title style</a:t>
             </a:r>
             <a:endParaRPr lang="en-US" dirty="0"/>
@@ -3619,7 +3624,7 @@
           <a:p>
             <a:pPr lvl="0"/>
             <a:r>
-              <a:rPr lang="en-US" smtClean="0"/>
+              <a:rPr lang="en-US"/>
               <a:t>Click to edit Master text styles</a:t>
             </a:r>
           </a:p>
@@ -3649,35 +3654,35 @@
           <a:p>
             <a:pPr lvl="0"/>
             <a:r>
-              <a:rPr lang="en-US" smtClean="0"/>
+              <a:rPr lang="en-US"/>
               <a:t>Click to edit Master text styles</a:t>
             </a:r>
           </a:p>
           <a:p>
             <a:pPr lvl="1"/>
             <a:r>
-              <a:rPr lang="en-US" smtClean="0"/>
+              <a:rPr lang="en-US"/>
               <a:t>Second level</a:t>
             </a:r>
           </a:p>
           <a:p>
             <a:pPr lvl="2"/>
             <a:r>
-              <a:rPr lang="en-US" smtClean="0"/>
+              <a:rPr lang="en-US"/>
               <a:t>Third level</a:t>
             </a:r>
           </a:p>
           <a:p>
             <a:pPr lvl="3"/>
             <a:r>
-              <a:rPr lang="en-US" smtClean="0"/>
+              <a:rPr lang="en-US"/>
               <a:t>Fourth level</a:t>
             </a:r>
           </a:p>
           <a:p>
             <a:pPr lvl="4"/>
             <a:r>
-              <a:rPr lang="en-US" smtClean="0"/>
+              <a:rPr lang="en-US"/>
               <a:t>Fifth level</a:t>
             </a:r>
             <a:endParaRPr lang="en-US" dirty="0"/>
@@ -3745,7 +3750,7 @@
           <a:p>
             <a:pPr lvl="0"/>
             <a:r>
-              <a:rPr lang="en-US" smtClean="0"/>
+              <a:rPr lang="en-US"/>
               <a:t>Click to edit Master text styles</a:t>
             </a:r>
           </a:p>
@@ -3775,35 +3780,35 @@
           <a:p>
             <a:pPr lvl="0"/>
             <a:r>
-              <a:rPr lang="en-US" smtClean="0"/>
+              <a:rPr lang="en-US"/>
               <a:t>Click to edit Master text styles</a:t>
             </a:r>
           </a:p>
           <a:p>
             <a:pPr lvl="1"/>
             <a:r>
-              <a:rPr lang="en-US" smtClean="0"/>
+              <a:rPr lang="en-US"/>
               <a:t>Second level</a:t>
             </a:r>
           </a:p>
           <a:p>
             <a:pPr lvl="2"/>
             <a:r>
-              <a:rPr lang="en-US" smtClean="0"/>
+              <a:rPr lang="en-US"/>
               <a:t>Third level</a:t>
             </a:r>
           </a:p>
           <a:p>
             <a:pPr lvl="3"/>
             <a:r>
-              <a:rPr lang="en-US" smtClean="0"/>
+              <a:rPr lang="en-US"/>
               <a:t>Fourth level</a:t>
             </a:r>
           </a:p>
           <a:p>
             <a:pPr lvl="4"/>
             <a:r>
-              <a:rPr lang="en-US" smtClean="0"/>
+              <a:rPr lang="en-US"/>
               <a:t>Fifth level</a:t>
             </a:r>
             <a:endParaRPr lang="en-US" dirty="0"/>
@@ -3926,7 +3931,7 @@
           <a:lstStyle/>
           <a:p>
             <a:r>
-              <a:rPr lang="en-US" smtClean="0"/>
+              <a:rPr lang="en-US"/>
               <a:t>Click to edit Master title style</a:t>
             </a:r>
             <a:endParaRPr lang="en-US" dirty="0"/>
@@ -4150,7 +4155,7 @@
           </a:lstStyle>
           <a:p>
             <a:r>
-              <a:rPr lang="en-US" smtClean="0"/>
+              <a:rPr lang="en-US"/>
               <a:t>Click to edit Master title style</a:t>
             </a:r>
             <a:endParaRPr lang="en-US" dirty="0"/>
@@ -4181,35 +4186,35 @@
           <a:p>
             <a:pPr lvl="0"/>
             <a:r>
-              <a:rPr lang="en-US" smtClean="0"/>
+              <a:rPr lang="en-US"/>
               <a:t>Click to edit Master text styles</a:t>
             </a:r>
           </a:p>
           <a:p>
             <a:pPr lvl="1"/>
             <a:r>
-              <a:rPr lang="en-US" smtClean="0"/>
+              <a:rPr lang="en-US"/>
               <a:t>Second level</a:t>
             </a:r>
           </a:p>
           <a:p>
             <a:pPr lvl="2"/>
             <a:r>
-              <a:rPr lang="en-US" smtClean="0"/>
+              <a:rPr lang="en-US"/>
               <a:t>Third level</a:t>
             </a:r>
           </a:p>
           <a:p>
             <a:pPr lvl="3"/>
             <a:r>
-              <a:rPr lang="en-US" smtClean="0"/>
+              <a:rPr lang="en-US"/>
               <a:t>Fourth level</a:t>
             </a:r>
           </a:p>
           <a:p>
             <a:pPr lvl="4"/>
             <a:r>
-              <a:rPr lang="en-US" smtClean="0"/>
+              <a:rPr lang="en-US"/>
               <a:t>Fifth level</a:t>
             </a:r>
             <a:endParaRPr lang="en-US" dirty="0"/>
@@ -4277,7 +4282,7 @@
           <a:p>
             <a:pPr lvl="0"/>
             <a:r>
-              <a:rPr lang="en-US" smtClean="0"/>
+              <a:rPr lang="en-US"/>
               <a:t>Click to edit Master text styles</a:t>
             </a:r>
           </a:p>
@@ -4405,7 +4410,7 @@
           </a:lstStyle>
           <a:p>
             <a:r>
-              <a:rPr lang="en-US" smtClean="0"/>
+              <a:rPr lang="en-US"/>
               <a:t>Click to edit Master title style</a:t>
             </a:r>
             <a:endParaRPr lang="en-US" dirty="0"/>
@@ -4472,7 +4477,7 @@
           </a:lstStyle>
           <a:p>
             <a:r>
-              <a:rPr lang="en-US" smtClean="0"/>
+              <a:rPr lang="en-US"/>
               <a:t>Click icon to add picture</a:t>
             </a:r>
             <a:endParaRPr lang="en-US" dirty="0"/>
@@ -4540,7 +4545,7 @@
           <a:p>
             <a:pPr lvl="0"/>
             <a:r>
-              <a:rPr lang="en-US" smtClean="0"/>
+              <a:rPr lang="en-US"/>
               <a:t>Click to edit Master text styles</a:t>
             </a:r>
           </a:p>
@@ -5202,7 +5207,7 @@
           <a:lstStyle/>
           <a:p>
             <a:r>
-              <a:rPr lang="en-US" smtClean="0"/>
+              <a:rPr lang="en-US"/>
               <a:t>Click to edit Master title style</a:t>
             </a:r>
             <a:endParaRPr lang="en-US" dirty="0"/>
@@ -5236,35 +5241,35 @@
           <a:p>
             <a:pPr lvl="0"/>
             <a:r>
-              <a:rPr lang="en-US" smtClean="0"/>
+              <a:rPr lang="en-US"/>
               <a:t>Click to edit Master text styles</a:t>
             </a:r>
           </a:p>
           <a:p>
             <a:pPr lvl="1"/>
             <a:r>
-              <a:rPr lang="en-US" smtClean="0"/>
+              <a:rPr lang="en-US"/>
               <a:t>Second level</a:t>
             </a:r>
           </a:p>
           <a:p>
             <a:pPr lvl="2"/>
             <a:r>
-              <a:rPr lang="en-US" smtClean="0"/>
+              <a:rPr lang="en-US"/>
               <a:t>Third level</a:t>
             </a:r>
           </a:p>
           <a:p>
             <a:pPr lvl="3"/>
             <a:r>
-              <a:rPr lang="en-US" smtClean="0"/>
+              <a:rPr lang="en-US"/>
               <a:t>Fourth level</a:t>
             </a:r>
           </a:p>
           <a:p>
             <a:pPr lvl="4"/>
             <a:r>
-              <a:rPr lang="en-US" smtClean="0"/>
+              <a:rPr lang="en-US"/>
               <a:t>Fifth level</a:t>
             </a:r>
             <a:endParaRPr lang="en-US" dirty="0"/>
@@ -5846,10 +5851,9 @@
           <a:lstStyle/>
           <a:p>
             <a:r>
-              <a:rPr lang="en-GB" dirty="0" smtClean="0"/>
+              <a:rPr lang="en-GB" dirty="0"/>
               <a:t>Group 14</a:t>
             </a:r>
-            <a:endParaRPr lang="en-GB" dirty="0"/>
           </a:p>
         </p:txBody>
       </p:sp>
@@ -5869,35 +5873,35 @@
           <a:lstStyle/>
           <a:p>
             <a:r>
-              <a:rPr lang="en-GB" dirty="0" smtClean="0"/>
+              <a:rPr lang="en-GB" dirty="0"/>
               <a:t>Alex </a:t>
             </a:r>
             <a:r>
-              <a:rPr lang="en-GB" dirty="0" err="1" smtClean="0"/>
+              <a:rPr lang="en-GB" dirty="0" err="1"/>
               <a:t>Polley</a:t>
             </a:r>
             <a:r>
-              <a:rPr lang="en-GB" dirty="0" smtClean="0"/>
+              <a:rPr lang="en-GB" dirty="0"/>
               <a:t>, Ryan </a:t>
             </a:r>
             <a:r>
-              <a:rPr lang="en-GB" dirty="0" err="1" smtClean="0"/>
+              <a:rPr lang="en-GB" dirty="0" err="1"/>
               <a:t>Manthorp</a:t>
             </a:r>
             <a:r>
-              <a:rPr lang="en-GB" dirty="0" smtClean="0"/>
+              <a:rPr lang="en-GB" dirty="0"/>
               <a:t>, Daniel </a:t>
             </a:r>
             <a:r>
-              <a:rPr lang="en-GB" dirty="0" err="1" smtClean="0"/>
+              <a:rPr lang="en-GB" dirty="0" err="1"/>
               <a:t>Pokladek</a:t>
             </a:r>
             <a:r>
-              <a:rPr lang="en-GB" dirty="0" smtClean="0"/>
+              <a:rPr lang="en-GB" dirty="0"/>
               <a:t>, Tom </a:t>
             </a:r>
             <a:r>
-              <a:rPr lang="en-GB" dirty="0" err="1" smtClean="0"/>
+              <a:rPr lang="en-GB" dirty="0" err="1"/>
               <a:t>Mclaren</a:t>
             </a:r>
             <a:endParaRPr lang="en-GB" dirty="0"/>
@@ -5950,10 +5954,9 @@
           <a:lstStyle/>
           <a:p>
             <a:r>
-              <a:rPr lang="en-GB" dirty="0" smtClean="0"/>
+              <a:rPr lang="en-GB" dirty="0"/>
               <a:t>Logline</a:t>
             </a:r>
-            <a:endParaRPr lang="en-GB" dirty="0"/>
           </a:p>
         </p:txBody>
       </p:sp>
@@ -5973,10 +5976,9 @@
           <a:lstStyle/>
           <a:p>
             <a:r>
-              <a:rPr lang="en-GB" dirty="0" smtClean="0"/>
+              <a:rPr lang="en-GB" dirty="0"/>
               <a:t>A librarian, a bookshop in space, alien bookworms trying to destroy history, Kill worms to save earth</a:t>
             </a:r>
-            <a:endParaRPr lang="en-GB" dirty="0"/>
           </a:p>
         </p:txBody>
       </p:sp>
@@ -6026,31 +6028,46 @@
           <a:lstStyle/>
           <a:p>
             <a:r>
-              <a:rPr lang="en-GB" dirty="0" smtClean="0"/>
+              <a:rPr lang="en-GB" dirty="0"/>
               <a:t>Emotions/ Introduction</a:t>
             </a:r>
+          </a:p>
+        </p:txBody>
+      </p:sp>
+      <p:sp>
+        <p:nvSpPr>
+          <p:cNvPr id="3" name="Content Placeholder 2"/>
+          <p:cNvSpPr>
+            <a:spLocks noGrp="1"/>
+          </p:cNvSpPr>
+          <p:nvPr>
+            <p:ph idx="1"/>
+          </p:nvPr>
+        </p:nvSpPr>
+        <p:spPr/>
+        <p:txBody>
+          <a:bodyPr/>
+          <a:lstStyle/>
+          <a:p>
+            <a:r>
+              <a:rPr lang="en-GB" dirty="0" err="1"/>
+              <a:t>Monachopsis</a:t>
+            </a:r>
             <a:endParaRPr lang="en-GB" dirty="0"/>
           </a:p>
-        </p:txBody>
-      </p:sp>
-      <p:sp>
-        <p:nvSpPr>
-          <p:cNvPr id="3" name="Content Placeholder 2"/>
-          <p:cNvSpPr>
-            <a:spLocks noGrp="1"/>
-          </p:cNvSpPr>
-          <p:nvPr>
-            <p:ph idx="1"/>
-          </p:nvPr>
-        </p:nvSpPr>
-        <p:spPr/>
-        <p:txBody>
-          <a:bodyPr/>
-          <a:lstStyle/>
-          <a:p>
-            <a:r>
-              <a:rPr lang="en-GB" dirty="0" err="1" smtClean="0"/>
-              <a:t>Monachopsis</a:t>
+          <a:p>
+            <a:pPr marL="0" indent="0">
+              <a:buNone/>
+            </a:pPr>
+            <a:r>
+              <a:rPr lang="en-GB" dirty="0"/>
+              <a:t>Achieved by having subtle hints that this bookshop is out of place</a:t>
+            </a:r>
+          </a:p>
+          <a:p>
+            <a:r>
+              <a:rPr lang="en-GB" dirty="0" err="1"/>
+              <a:t>Vellichor</a:t>
             </a:r>
             <a:endParaRPr lang="en-GB" dirty="0"/>
           </a:p>
@@ -6059,30 +6076,9 @@
               <a:buNone/>
             </a:pPr>
             <a:r>
-              <a:rPr lang="en-GB" dirty="0" smtClean="0"/>
-              <a:t>Achieved by having subtle hints that this bookshop is out of place</a:t>
-            </a:r>
-          </a:p>
-          <a:p>
-            <a:r>
-              <a:rPr lang="en-GB" dirty="0" err="1" smtClean="0"/>
-              <a:t>Vellichor</a:t>
-            </a:r>
-            <a:endParaRPr lang="en-GB" dirty="0" smtClean="0"/>
-          </a:p>
-          <a:p>
-            <a:pPr marL="0" indent="0">
-              <a:buNone/>
-            </a:pPr>
-            <a:r>
-              <a:rPr lang="en-GB" dirty="0" smtClean="0"/>
-              <a:t>Achieved by showing vintage décor and artwork </a:t>
-            </a:r>
-            <a:r>
-              <a:rPr lang="en-GB" smtClean="0"/>
-              <a:t>of bookshop</a:t>
-            </a:r>
-            <a:endParaRPr lang="en-GB" dirty="0"/>
+              <a:rPr lang="en-GB" dirty="0"/>
+              <a:t>Achieved by showing vintage décor and artwork of bookshop</a:t>
+            </a:r>
           </a:p>
         </p:txBody>
       </p:sp>
@@ -6132,10 +6128,9 @@
           <a:lstStyle/>
           <a:p>
             <a:r>
-              <a:rPr lang="en-GB" dirty="0" smtClean="0"/>
+              <a:rPr lang="en-GB" dirty="0"/>
               <a:t>What does the player do?</a:t>
             </a:r>
-            <a:endParaRPr lang="en-GB" dirty="0"/>
           </a:p>
         </p:txBody>
       </p:sp>
@@ -6155,21 +6150,23 @@
           <a:lstStyle/>
           <a:p>
             <a:r>
-              <a:rPr lang="en-GB" dirty="0" smtClean="0"/>
+              <a:rPr lang="en-GB" dirty="0"/>
               <a:t>The player will be moving books with the mouse</a:t>
             </a:r>
           </a:p>
           <a:p>
             <a:r>
-              <a:rPr lang="en-GB" dirty="0" smtClean="0"/>
+              <a:rPr lang="en-GB" dirty="0"/>
               <a:t>Player will sort books in chronological order and size</a:t>
             </a:r>
           </a:p>
           <a:p>
             <a:r>
-              <a:rPr lang="en-GB" dirty="0" smtClean="0"/>
+              <a:rPr lang="en-GB" dirty="0"/>
               <a:t>The player will also shoot enemies/ worms with lasers</a:t>
             </a:r>
+          </a:p>
+          <a:p>
             <a:endParaRPr lang="en-GB" dirty="0"/>
           </a:p>
         </p:txBody>
@@ -6220,7 +6217,7 @@
           <a:lstStyle/>
           <a:p>
             <a:r>
-              <a:rPr lang="en-GB" dirty="0" err="1" smtClean="0"/>
+              <a:rPr lang="en-GB" dirty="0" err="1"/>
               <a:t>Moodboards</a:t>
             </a:r>
             <a:endParaRPr lang="en-GB" dirty="0"/>
@@ -6292,10 +6289,9 @@
           <a:lstStyle/>
           <a:p>
             <a:r>
-              <a:rPr lang="en-GB" dirty="0" smtClean="0"/>
+              <a:rPr lang="en-GB" dirty="0"/>
               <a:t>Mechanics</a:t>
             </a:r>
-            <a:endParaRPr lang="en-GB" dirty="0"/>
           </a:p>
         </p:txBody>
       </p:sp>
@@ -6364,29 +6360,40 @@
           <a:lstStyle/>
           <a:p>
             <a:r>
-              <a:rPr lang="en-GB" dirty="0" smtClean="0"/>
+              <a:rPr lang="en-GB" dirty="0"/>
               <a:t>Art Style</a:t>
             </a:r>
+          </a:p>
+        </p:txBody>
+      </p:sp>
+      <p:sp>
+        <p:nvSpPr>
+          <p:cNvPr id="3" name="Content Placeholder 2"/>
+          <p:cNvSpPr>
+            <a:spLocks noGrp="1"/>
+          </p:cNvSpPr>
+          <p:nvPr>
+            <p:ph idx="1"/>
+          </p:nvPr>
+        </p:nvSpPr>
+        <p:spPr/>
+        <p:txBody>
+          <a:bodyPr/>
+          <a:lstStyle/>
+          <a:p>
+            <a:r>
+              <a:rPr lang="en-GB" dirty="0"/>
+              <a:t>The art style is still yet to be decided</a:t>
+            </a:r>
+          </a:p>
+          <a:p>
+            <a:r>
+              <a:rPr lang="en-GB" dirty="0"/>
+              <a:t>The style will however be consistent in various assets throughout the game</a:t>
+            </a:r>
+          </a:p>
+          <a:p>
             <a:endParaRPr lang="en-GB" dirty="0"/>
-          </a:p>
-        </p:txBody>
-      </p:sp>
-      <p:sp>
-        <p:nvSpPr>
-          <p:cNvPr id="3" name="Content Placeholder 2"/>
-          <p:cNvSpPr>
-            <a:spLocks noGrp="1"/>
-          </p:cNvSpPr>
-          <p:nvPr>
-            <p:ph idx="1"/>
-          </p:nvPr>
-        </p:nvSpPr>
-        <p:spPr/>
-        <p:txBody>
-          <a:bodyPr/>
-          <a:lstStyle/>
-          <a:p>
-            <a:endParaRPr lang="en-GB"/>
           </a:p>
         </p:txBody>
       </p:sp>

--- a/Group 14.pptx
+++ b/Group 14.pptx
@@ -7,10 +7,10 @@
   <p:sldIdLst>
     <p:sldId id="256" r:id="rId2"/>
     <p:sldId id="257" r:id="rId3"/>
-    <p:sldId id="262" r:id="rId4"/>
-    <p:sldId id="261" r:id="rId5"/>
-    <p:sldId id="258" r:id="rId6"/>
-    <p:sldId id="259" r:id="rId7"/>
+    <p:sldId id="263" r:id="rId4"/>
+    <p:sldId id="262" r:id="rId5"/>
+    <p:sldId id="261" r:id="rId6"/>
+    <p:sldId id="258" r:id="rId7"/>
     <p:sldId id="260" r:id="rId8"/>
   </p:sldIdLst>
   <p:sldSz cx="12192000" cy="6858000"/>
@@ -112,7 +112,7 @@
   </p:defaultTextStyle>
   <p:extLst>
     <p:ext uri="{EFAFB233-063F-42B5-8137-9DF3F51BA10A}">
-      <p15:sldGuideLst xmlns:p15="http://schemas.microsoft.com/office/powerpoint/2012/main"/>
+      <p15:sldGuideLst xmlns="" xmlns:p15="http://schemas.microsoft.com/office/powerpoint/2012/main"/>
     </p:ext>
   </p:extLst>
 </p:presentation>
@@ -840,7 +840,8 @@
           <a:p>
             <a:fld id="{4CDA0734-6088-4A11-8A2B-97B609E3D287}" type="datetimeFigureOut">
               <a:rPr lang="en-GB" smtClean="0"/>
-              <a:t>12/10/2016</a:t>
+              <a:pPr/>
+              <a:t>17/10/2016</a:t>
             </a:fld>
             <a:endParaRPr lang="en-GB"/>
           </a:p>
@@ -882,6 +883,7 @@
           <a:p>
             <a:fld id="{CB631B2B-0E36-4450-9E41-ACED1F865E25}" type="slidenum">
               <a:rPr lang="en-GB" smtClean="0"/>
+              <a:pPr/>
               <a:t>‹#›</a:t>
             </a:fld>
             <a:endParaRPr lang="en-GB"/>
@@ -891,7 +893,7 @@
     </p:spTree>
     <p:extLst>
       <p:ext uri="{BB962C8B-B14F-4D97-AF65-F5344CB8AC3E}">
-        <p14:creationId xmlns:p14="http://schemas.microsoft.com/office/powerpoint/2010/main" val="1416213336"/>
+        <p14:creationId xmlns="" xmlns:p14="http://schemas.microsoft.com/office/powerpoint/2010/main" val="1416213336"/>
       </p:ext>
     </p:extLst>
   </p:cSld>
@@ -1091,7 +1093,8 @@
           <a:p>
             <a:fld id="{4CDA0734-6088-4A11-8A2B-97B609E3D287}" type="datetimeFigureOut">
               <a:rPr lang="en-GB" smtClean="0"/>
-              <a:t>12/10/2016</a:t>
+              <a:pPr/>
+              <a:t>17/10/2016</a:t>
             </a:fld>
             <a:endParaRPr lang="en-GB"/>
           </a:p>
@@ -1133,6 +1136,7 @@
           <a:p>
             <a:fld id="{CB631B2B-0E36-4450-9E41-ACED1F865E25}" type="slidenum">
               <a:rPr lang="en-GB" smtClean="0"/>
+              <a:pPr/>
               <a:t>‹#›</a:t>
             </a:fld>
             <a:endParaRPr lang="en-GB"/>
@@ -1142,7 +1146,7 @@
     </p:spTree>
     <p:extLst>
       <p:ext uri="{BB962C8B-B14F-4D97-AF65-F5344CB8AC3E}">
-        <p14:creationId xmlns:p14="http://schemas.microsoft.com/office/powerpoint/2010/main" val="2996688164"/>
+        <p14:creationId xmlns="" xmlns:p14="http://schemas.microsoft.com/office/powerpoint/2010/main" val="2996688164"/>
       </p:ext>
     </p:extLst>
   </p:cSld>
@@ -1405,7 +1409,8 @@
           <a:p>
             <a:fld id="{4CDA0734-6088-4A11-8A2B-97B609E3D287}" type="datetimeFigureOut">
               <a:rPr lang="en-GB" smtClean="0"/>
-              <a:t>12/10/2016</a:t>
+              <a:pPr/>
+              <a:t>17/10/2016</a:t>
             </a:fld>
             <a:endParaRPr lang="en-GB"/>
           </a:p>
@@ -1447,6 +1452,7 @@
           <a:p>
             <a:fld id="{CB631B2B-0E36-4450-9E41-ACED1F865E25}" type="slidenum">
               <a:rPr lang="en-GB" smtClean="0"/>
+              <a:pPr/>
               <a:t>‹#›</a:t>
             </a:fld>
             <a:endParaRPr lang="en-GB"/>
@@ -1546,7 +1552,7 @@
     </p:spTree>
     <p:extLst>
       <p:ext uri="{BB962C8B-B14F-4D97-AF65-F5344CB8AC3E}">
-        <p14:creationId xmlns:p14="http://schemas.microsoft.com/office/powerpoint/2010/main" val="628267690"/>
+        <p14:creationId xmlns="" xmlns:p14="http://schemas.microsoft.com/office/powerpoint/2010/main" val="628267690"/>
       </p:ext>
     </p:extLst>
   </p:cSld>
@@ -1746,7 +1752,8 @@
           <a:p>
             <a:fld id="{4CDA0734-6088-4A11-8A2B-97B609E3D287}" type="datetimeFigureOut">
               <a:rPr lang="en-GB" smtClean="0"/>
-              <a:t>12/10/2016</a:t>
+              <a:pPr/>
+              <a:t>17/10/2016</a:t>
             </a:fld>
             <a:endParaRPr lang="en-GB"/>
           </a:p>
@@ -1788,6 +1795,7 @@
           <a:p>
             <a:fld id="{CB631B2B-0E36-4450-9E41-ACED1F865E25}" type="slidenum">
               <a:rPr lang="en-GB" smtClean="0"/>
+              <a:pPr/>
               <a:t>‹#›</a:t>
             </a:fld>
             <a:endParaRPr lang="en-GB"/>
@@ -1797,7 +1805,7 @@
     </p:spTree>
     <p:extLst>
       <p:ext uri="{BB962C8B-B14F-4D97-AF65-F5344CB8AC3E}">
-        <p14:creationId xmlns:p14="http://schemas.microsoft.com/office/powerpoint/2010/main" val="642880592"/>
+        <p14:creationId xmlns="" xmlns:p14="http://schemas.microsoft.com/office/powerpoint/2010/main" val="642880592"/>
       </p:ext>
     </p:extLst>
   </p:cSld>
@@ -2060,7 +2068,8 @@
           <a:p>
             <a:fld id="{4CDA0734-6088-4A11-8A2B-97B609E3D287}" type="datetimeFigureOut">
               <a:rPr lang="en-GB" smtClean="0"/>
-              <a:t>12/10/2016</a:t>
+              <a:pPr/>
+              <a:t>17/10/2016</a:t>
             </a:fld>
             <a:endParaRPr lang="en-GB"/>
           </a:p>
@@ -2102,6 +2111,7 @@
           <a:p>
             <a:fld id="{CB631B2B-0E36-4450-9E41-ACED1F865E25}" type="slidenum">
               <a:rPr lang="en-GB" smtClean="0"/>
+              <a:pPr/>
               <a:t>‹#›</a:t>
             </a:fld>
             <a:endParaRPr lang="en-GB"/>
@@ -2193,7 +2203,7 @@
     </p:spTree>
     <p:extLst>
       <p:ext uri="{BB962C8B-B14F-4D97-AF65-F5344CB8AC3E}">
-        <p14:creationId xmlns:p14="http://schemas.microsoft.com/office/powerpoint/2010/main" val="1677234499"/>
+        <p14:creationId xmlns="" xmlns:p14="http://schemas.microsoft.com/office/powerpoint/2010/main" val="1677234499"/>
       </p:ext>
     </p:extLst>
   </p:cSld>
@@ -2453,7 +2463,8 @@
           <a:p>
             <a:fld id="{4CDA0734-6088-4A11-8A2B-97B609E3D287}" type="datetimeFigureOut">
               <a:rPr lang="en-GB" smtClean="0"/>
-              <a:t>12/10/2016</a:t>
+              <a:pPr/>
+              <a:t>17/10/2016</a:t>
             </a:fld>
             <a:endParaRPr lang="en-GB"/>
           </a:p>
@@ -2495,6 +2506,7 @@
           <a:p>
             <a:fld id="{CB631B2B-0E36-4450-9E41-ACED1F865E25}" type="slidenum">
               <a:rPr lang="en-GB" smtClean="0"/>
+              <a:pPr/>
               <a:t>‹#›</a:t>
             </a:fld>
             <a:endParaRPr lang="en-GB"/>
@@ -2504,7 +2516,7 @@
     </p:spTree>
     <p:extLst>
       <p:ext uri="{BB962C8B-B14F-4D97-AF65-F5344CB8AC3E}">
-        <p14:creationId xmlns:p14="http://schemas.microsoft.com/office/powerpoint/2010/main" val="1214186571"/>
+        <p14:creationId xmlns="" xmlns:p14="http://schemas.microsoft.com/office/powerpoint/2010/main" val="1214186571"/>
       </p:ext>
     </p:extLst>
   </p:cSld>
@@ -2623,7 +2635,8 @@
           <a:p>
             <a:fld id="{4CDA0734-6088-4A11-8A2B-97B609E3D287}" type="datetimeFigureOut">
               <a:rPr lang="en-GB" smtClean="0"/>
-              <a:t>12/10/2016</a:t>
+              <a:pPr/>
+              <a:t>17/10/2016</a:t>
             </a:fld>
             <a:endParaRPr lang="en-GB"/>
           </a:p>
@@ -2665,6 +2678,7 @@
           <a:p>
             <a:fld id="{CB631B2B-0E36-4450-9E41-ACED1F865E25}" type="slidenum">
               <a:rPr lang="en-GB" smtClean="0"/>
+              <a:pPr/>
               <a:t>‹#›</a:t>
             </a:fld>
             <a:endParaRPr lang="en-GB"/>
@@ -2674,7 +2688,7 @@
     </p:spTree>
     <p:extLst>
       <p:ext uri="{BB962C8B-B14F-4D97-AF65-F5344CB8AC3E}">
-        <p14:creationId xmlns:p14="http://schemas.microsoft.com/office/powerpoint/2010/main" val="333804558"/>
+        <p14:creationId xmlns="" xmlns:p14="http://schemas.microsoft.com/office/powerpoint/2010/main" val="333804558"/>
       </p:ext>
     </p:extLst>
   </p:cSld>
@@ -2803,7 +2817,8 @@
           <a:p>
             <a:fld id="{4CDA0734-6088-4A11-8A2B-97B609E3D287}" type="datetimeFigureOut">
               <a:rPr lang="en-GB" smtClean="0"/>
-              <a:t>12/10/2016</a:t>
+              <a:pPr/>
+              <a:t>17/10/2016</a:t>
             </a:fld>
             <a:endParaRPr lang="en-GB"/>
           </a:p>
@@ -2845,6 +2860,7 @@
           <a:p>
             <a:fld id="{CB631B2B-0E36-4450-9E41-ACED1F865E25}" type="slidenum">
               <a:rPr lang="en-GB" smtClean="0"/>
+              <a:pPr/>
               <a:t>‹#›</a:t>
             </a:fld>
             <a:endParaRPr lang="en-GB"/>
@@ -2854,7 +2870,7 @@
     </p:spTree>
     <p:extLst>
       <p:ext uri="{BB962C8B-B14F-4D97-AF65-F5344CB8AC3E}">
-        <p14:creationId xmlns:p14="http://schemas.microsoft.com/office/powerpoint/2010/main" val="2904802637"/>
+        <p14:creationId xmlns="" xmlns:p14="http://schemas.microsoft.com/office/powerpoint/2010/main" val="2904802637"/>
       </p:ext>
     </p:extLst>
   </p:cSld>
@@ -2979,7 +2995,8 @@
           <a:p>
             <a:fld id="{4CDA0734-6088-4A11-8A2B-97B609E3D287}" type="datetimeFigureOut">
               <a:rPr lang="en-GB" smtClean="0"/>
-              <a:t>12/10/2016</a:t>
+              <a:pPr/>
+              <a:t>17/10/2016</a:t>
             </a:fld>
             <a:endParaRPr lang="en-GB"/>
           </a:p>
@@ -3021,6 +3038,7 @@
           <a:p>
             <a:fld id="{CB631B2B-0E36-4450-9E41-ACED1F865E25}" type="slidenum">
               <a:rPr lang="en-GB" smtClean="0"/>
+              <a:pPr/>
               <a:t>‹#›</a:t>
             </a:fld>
             <a:endParaRPr lang="en-GB"/>
@@ -3030,7 +3048,7 @@
     </p:spTree>
     <p:extLst>
       <p:ext uri="{BB962C8B-B14F-4D97-AF65-F5344CB8AC3E}">
-        <p14:creationId xmlns:p14="http://schemas.microsoft.com/office/powerpoint/2010/main" val="1207658432"/>
+        <p14:creationId xmlns="" xmlns:p14="http://schemas.microsoft.com/office/powerpoint/2010/main" val="1207658432"/>
       </p:ext>
     </p:extLst>
   </p:cSld>
@@ -3226,7 +3244,8 @@
           <a:p>
             <a:fld id="{4CDA0734-6088-4A11-8A2B-97B609E3D287}" type="datetimeFigureOut">
               <a:rPr lang="en-GB" smtClean="0"/>
-              <a:t>12/10/2016</a:t>
+              <a:pPr/>
+              <a:t>17/10/2016</a:t>
             </a:fld>
             <a:endParaRPr lang="en-GB"/>
           </a:p>
@@ -3268,6 +3287,7 @@
           <a:p>
             <a:fld id="{CB631B2B-0E36-4450-9E41-ACED1F865E25}" type="slidenum">
               <a:rPr lang="en-GB" smtClean="0"/>
+              <a:pPr/>
               <a:t>‹#›</a:t>
             </a:fld>
             <a:endParaRPr lang="en-GB"/>
@@ -3277,7 +3297,7 @@
     </p:spTree>
     <p:extLst>
       <p:ext uri="{BB962C8B-B14F-4D97-AF65-F5344CB8AC3E}">
-        <p14:creationId xmlns:p14="http://schemas.microsoft.com/office/powerpoint/2010/main" val="2940899993"/>
+        <p14:creationId xmlns="" xmlns:p14="http://schemas.microsoft.com/office/powerpoint/2010/main" val="2940899993"/>
       </p:ext>
     </p:extLst>
   </p:cSld>
@@ -3458,7 +3478,8 @@
           <a:p>
             <a:fld id="{4CDA0734-6088-4A11-8A2B-97B609E3D287}" type="datetimeFigureOut">
               <a:rPr lang="en-GB" smtClean="0"/>
-              <a:t>12/10/2016</a:t>
+              <a:pPr/>
+              <a:t>17/10/2016</a:t>
             </a:fld>
             <a:endParaRPr lang="en-GB"/>
           </a:p>
@@ -3500,6 +3521,7 @@
           <a:p>
             <a:fld id="{CB631B2B-0E36-4450-9E41-ACED1F865E25}" type="slidenum">
               <a:rPr lang="en-GB" smtClean="0"/>
+              <a:pPr/>
               <a:t>‹#›</a:t>
             </a:fld>
             <a:endParaRPr lang="en-GB"/>
@@ -3509,7 +3531,7 @@
     </p:spTree>
     <p:extLst>
       <p:ext uri="{BB962C8B-B14F-4D97-AF65-F5344CB8AC3E}">
-        <p14:creationId xmlns:p14="http://schemas.microsoft.com/office/powerpoint/2010/main" val="1265992149"/>
+        <p14:creationId xmlns="" xmlns:p14="http://schemas.microsoft.com/office/powerpoint/2010/main" val="1265992149"/>
       </p:ext>
     </p:extLst>
   </p:cSld>
@@ -3832,7 +3854,8 @@
           <a:p>
             <a:fld id="{4CDA0734-6088-4A11-8A2B-97B609E3D287}" type="datetimeFigureOut">
               <a:rPr lang="en-GB" smtClean="0"/>
-              <a:t>12/10/2016</a:t>
+              <a:pPr/>
+              <a:t>17/10/2016</a:t>
             </a:fld>
             <a:endParaRPr lang="en-GB"/>
           </a:p>
@@ -3874,6 +3897,7 @@
           <a:p>
             <a:fld id="{CB631B2B-0E36-4450-9E41-ACED1F865E25}" type="slidenum">
               <a:rPr lang="en-GB" smtClean="0"/>
+              <a:pPr/>
               <a:t>‹#›</a:t>
             </a:fld>
             <a:endParaRPr lang="en-GB"/>
@@ -3883,7 +3907,7 @@
     </p:spTree>
     <p:extLst>
       <p:ext uri="{BB962C8B-B14F-4D97-AF65-F5344CB8AC3E}">
-        <p14:creationId xmlns:p14="http://schemas.microsoft.com/office/powerpoint/2010/main" val="1711537170"/>
+        <p14:creationId xmlns="" xmlns:p14="http://schemas.microsoft.com/office/powerpoint/2010/main" val="1711537170"/>
       </p:ext>
     </p:extLst>
   </p:cSld>
@@ -3955,7 +3979,8 @@
           <a:p>
             <a:fld id="{4CDA0734-6088-4A11-8A2B-97B609E3D287}" type="datetimeFigureOut">
               <a:rPr lang="en-GB" smtClean="0"/>
-              <a:t>12/10/2016</a:t>
+              <a:pPr/>
+              <a:t>17/10/2016</a:t>
             </a:fld>
             <a:endParaRPr lang="en-GB"/>
           </a:p>
@@ -3997,6 +4022,7 @@
           <a:p>
             <a:fld id="{CB631B2B-0E36-4450-9E41-ACED1F865E25}" type="slidenum">
               <a:rPr lang="en-GB" smtClean="0"/>
+              <a:pPr/>
               <a:t>‹#›</a:t>
             </a:fld>
             <a:endParaRPr lang="en-GB"/>
@@ -4006,7 +4032,7 @@
     </p:spTree>
     <p:extLst>
       <p:ext uri="{BB962C8B-B14F-4D97-AF65-F5344CB8AC3E}">
-        <p14:creationId xmlns:p14="http://schemas.microsoft.com/office/powerpoint/2010/main" val="3089190593"/>
+        <p14:creationId xmlns="" xmlns:p14="http://schemas.microsoft.com/office/powerpoint/2010/main" val="3089190593"/>
       </p:ext>
     </p:extLst>
   </p:cSld>
@@ -4050,7 +4076,8 @@
           <a:p>
             <a:fld id="{4CDA0734-6088-4A11-8A2B-97B609E3D287}" type="datetimeFigureOut">
               <a:rPr lang="en-GB" smtClean="0"/>
-              <a:t>12/10/2016</a:t>
+              <a:pPr/>
+              <a:t>17/10/2016</a:t>
             </a:fld>
             <a:endParaRPr lang="en-GB"/>
           </a:p>
@@ -4092,6 +4119,7 @@
           <a:p>
             <a:fld id="{CB631B2B-0E36-4450-9E41-ACED1F865E25}" type="slidenum">
               <a:rPr lang="en-GB" smtClean="0"/>
+              <a:pPr/>
               <a:t>‹#›</a:t>
             </a:fld>
             <a:endParaRPr lang="en-GB"/>
@@ -4101,7 +4129,7 @@
     </p:spTree>
     <p:extLst>
       <p:ext uri="{BB962C8B-B14F-4D97-AF65-F5344CB8AC3E}">
-        <p14:creationId xmlns:p14="http://schemas.microsoft.com/office/powerpoint/2010/main" val="2521303672"/>
+        <p14:creationId xmlns="" xmlns:p14="http://schemas.microsoft.com/office/powerpoint/2010/main" val="2521303672"/>
       </p:ext>
     </p:extLst>
   </p:cSld>
@@ -4305,7 +4333,8 @@
           <a:p>
             <a:fld id="{4CDA0734-6088-4A11-8A2B-97B609E3D287}" type="datetimeFigureOut">
               <a:rPr lang="en-GB" smtClean="0"/>
-              <a:t>12/10/2016</a:t>
+              <a:pPr/>
+              <a:t>17/10/2016</a:t>
             </a:fld>
             <a:endParaRPr lang="en-GB"/>
           </a:p>
@@ -4347,6 +4376,7 @@
           <a:p>
             <a:fld id="{CB631B2B-0E36-4450-9E41-ACED1F865E25}" type="slidenum">
               <a:rPr lang="en-GB" smtClean="0"/>
+              <a:pPr/>
               <a:t>‹#›</a:t>
             </a:fld>
             <a:endParaRPr lang="en-GB"/>
@@ -4356,7 +4386,7 @@
     </p:spTree>
     <p:extLst>
       <p:ext uri="{BB962C8B-B14F-4D97-AF65-F5344CB8AC3E}">
-        <p14:creationId xmlns:p14="http://schemas.microsoft.com/office/powerpoint/2010/main" val="1529297431"/>
+        <p14:creationId xmlns="" xmlns:p14="http://schemas.microsoft.com/office/powerpoint/2010/main" val="1529297431"/>
       </p:ext>
     </p:extLst>
   </p:cSld>
@@ -4568,7 +4598,8 @@
           <a:p>
             <a:fld id="{4CDA0734-6088-4A11-8A2B-97B609E3D287}" type="datetimeFigureOut">
               <a:rPr lang="en-GB" smtClean="0"/>
-              <a:t>12/10/2016</a:t>
+              <a:pPr/>
+              <a:t>17/10/2016</a:t>
             </a:fld>
             <a:endParaRPr lang="en-GB"/>
           </a:p>
@@ -4610,6 +4641,7 @@
           <a:p>
             <a:fld id="{CB631B2B-0E36-4450-9E41-ACED1F865E25}" type="slidenum">
               <a:rPr lang="en-GB" smtClean="0"/>
+              <a:pPr/>
               <a:t>‹#›</a:t>
             </a:fld>
             <a:endParaRPr lang="en-GB"/>
@@ -4619,7 +4651,7 @@
     </p:spTree>
     <p:extLst>
       <p:ext uri="{BB962C8B-B14F-4D97-AF65-F5344CB8AC3E}">
-        <p14:creationId xmlns:p14="http://schemas.microsoft.com/office/powerpoint/2010/main" val="4047318941"/>
+        <p14:creationId xmlns="" xmlns:p14="http://schemas.microsoft.com/office/powerpoint/2010/main" val="4047318941"/>
       </p:ext>
     </p:extLst>
   </p:cSld>
@@ -5311,7 +5343,8 @@
           <a:p>
             <a:fld id="{4CDA0734-6088-4A11-8A2B-97B609E3D287}" type="datetimeFigureOut">
               <a:rPr lang="en-GB" smtClean="0"/>
-              <a:t>12/10/2016</a:t>
+              <a:pPr/>
+              <a:t>17/10/2016</a:t>
             </a:fld>
             <a:endParaRPr lang="en-GB"/>
           </a:p>
@@ -5387,6 +5420,7 @@
           <a:p>
             <a:fld id="{CB631B2B-0E36-4450-9E41-ACED1F865E25}" type="slidenum">
               <a:rPr lang="en-GB" smtClean="0"/>
+              <a:pPr/>
               <a:t>‹#›</a:t>
             </a:fld>
             <a:endParaRPr lang="en-GB"/>
@@ -5396,7 +5430,7 @@
     </p:spTree>
     <p:extLst>
       <p:ext uri="{BB962C8B-B14F-4D97-AF65-F5344CB8AC3E}">
-        <p14:creationId xmlns:p14="http://schemas.microsoft.com/office/powerpoint/2010/main" val="4120066486"/>
+        <p14:creationId xmlns="" xmlns:p14="http://schemas.microsoft.com/office/powerpoint/2010/main" val="4120066486"/>
       </p:ext>
     </p:extLst>
   </p:cSld>
@@ -5911,7 +5945,7 @@
     </p:spTree>
     <p:extLst>
       <p:ext uri="{BB962C8B-B14F-4D97-AF65-F5344CB8AC3E}">
-        <p14:creationId xmlns:p14="http://schemas.microsoft.com/office/powerpoint/2010/main" val="384790399"/>
+        <p14:creationId xmlns="" xmlns:p14="http://schemas.microsoft.com/office/powerpoint/2010/main" val="384790399"/>
       </p:ext>
     </p:extLst>
   </p:cSld>
@@ -5954,9 +5988,10 @@
           <a:lstStyle/>
           <a:p>
             <a:r>
-              <a:rPr lang="en-GB" dirty="0"/>
-              <a:t>Logline</a:t>
-            </a:r>
+              <a:rPr lang="en-GB" dirty="0" smtClean="0"/>
+              <a:t>Logline/ Ryan</a:t>
+            </a:r>
+            <a:endParaRPr lang="en-GB" dirty="0"/>
           </a:p>
         </p:txBody>
       </p:sp>
@@ -5985,7 +6020,7 @@
     </p:spTree>
     <p:extLst>
       <p:ext uri="{BB962C8B-B14F-4D97-AF65-F5344CB8AC3E}">
-        <p14:creationId xmlns:p14="http://schemas.microsoft.com/office/powerpoint/2010/main" val="1925635564"/>
+        <p14:creationId xmlns="" xmlns:p14="http://schemas.microsoft.com/office/powerpoint/2010/main" val="1925635564"/>
       </p:ext>
     </p:extLst>
   </p:cSld>
@@ -6028,9 +6063,10 @@
           <a:lstStyle/>
           <a:p>
             <a:r>
-              <a:rPr lang="en-GB" dirty="0"/>
-              <a:t>Emotions/ Introduction</a:t>
-            </a:r>
+              <a:rPr lang="en-GB" dirty="0" smtClean="0"/>
+              <a:t>Target Audience Daniel</a:t>
+            </a:r>
+            <a:endParaRPr lang="en-GB" dirty="0"/>
           </a:p>
         </p:txBody>
       </p:sp>
@@ -6044,50 +6080,25 @@
             <p:ph idx="1"/>
           </p:nvPr>
         </p:nvSpPr>
-        <p:spPr/>
-        <p:txBody>
-          <a:bodyPr/>
-          <a:lstStyle/>
-          <a:p>
-            <a:r>
-              <a:rPr lang="en-GB" dirty="0" err="1"/>
-              <a:t>Monachopsis</a:t>
+        <p:spPr>
+          <a:xfrm>
+            <a:off x="677334" y="2168753"/>
+            <a:ext cx="8596668" cy="3880773"/>
+          </a:xfrm>
+        </p:spPr>
+        <p:txBody>
+          <a:bodyPr/>
+          <a:lstStyle/>
+          <a:p>
+            <a:r>
+              <a:rPr lang="en-GB" dirty="0" smtClean="0"/>
+              <a:t>Young Adults/Teenagers/Kids</a:t>
             </a:r>
             <a:endParaRPr lang="en-GB" dirty="0"/>
           </a:p>
-          <a:p>
-            <a:pPr marL="0" indent="0">
-              <a:buNone/>
-            </a:pPr>
-            <a:r>
-              <a:rPr lang="en-GB" dirty="0"/>
-              <a:t>Achieved by having subtle hints that this bookshop is out of place</a:t>
-            </a:r>
-          </a:p>
-          <a:p>
-            <a:r>
-              <a:rPr lang="en-GB" dirty="0" err="1"/>
-              <a:t>Vellichor</a:t>
-            </a:r>
-            <a:endParaRPr lang="en-GB" dirty="0"/>
-          </a:p>
-          <a:p>
-            <a:pPr marL="0" indent="0">
-              <a:buNone/>
-            </a:pPr>
-            <a:r>
-              <a:rPr lang="en-GB" dirty="0"/>
-              <a:t>Achieved by showing vintage décor and artwork of bookshop</a:t>
-            </a:r>
-          </a:p>
         </p:txBody>
       </p:sp>
     </p:spTree>
-    <p:extLst>
-      <p:ext uri="{BB962C8B-B14F-4D97-AF65-F5344CB8AC3E}">
-        <p14:creationId xmlns:p14="http://schemas.microsoft.com/office/powerpoint/2010/main" val="2525450431"/>
-      </p:ext>
-    </p:extLst>
   </p:cSld>
   <p:clrMapOvr>
     <a:masterClrMapping/>
@@ -6129,8 +6140,13 @@
           <a:p>
             <a:r>
               <a:rPr lang="en-GB" dirty="0"/>
-              <a:t>What does the player do?</a:t>
-            </a:r>
+              <a:t>Emotions/ </a:t>
+            </a:r>
+            <a:r>
+              <a:rPr lang="en-GB" dirty="0" smtClean="0"/>
+              <a:t>Introduction Alex</a:t>
+            </a:r>
+            <a:endParaRPr lang="en-GB" dirty="0"/>
           </a:p>
         </p:txBody>
       </p:sp>
@@ -6150,31 +6166,42 @@
           <a:lstStyle/>
           <a:p>
             <a:r>
+              <a:rPr lang="en-GB" dirty="0" err="1"/>
+              <a:t>Monachopsis</a:t>
+            </a:r>
+            <a:endParaRPr lang="en-GB" dirty="0"/>
+          </a:p>
+          <a:p>
+            <a:pPr marL="0" indent="0">
+              <a:buNone/>
+            </a:pPr>
+            <a:r>
               <a:rPr lang="en-GB" dirty="0"/>
-              <a:t>The player will be moving books with the mouse</a:t>
-            </a:r>
-          </a:p>
-          <a:p>
+              <a:t>Achieved by having subtle hints that this bookshop is out of place</a:t>
+            </a:r>
+          </a:p>
+          <a:p>
+            <a:r>
+              <a:rPr lang="en-GB" dirty="0" err="1"/>
+              <a:t>Vellichor</a:t>
+            </a:r>
+            <a:endParaRPr lang="en-GB" dirty="0"/>
+          </a:p>
+          <a:p>
+            <a:pPr marL="0" indent="0">
+              <a:buNone/>
+            </a:pPr>
             <a:r>
               <a:rPr lang="en-GB" dirty="0"/>
-              <a:t>Player will sort books in chronological order and size</a:t>
-            </a:r>
-          </a:p>
-          <a:p>
-            <a:r>
-              <a:rPr lang="en-GB" dirty="0"/>
-              <a:t>The player will also shoot enemies/ worms with lasers</a:t>
-            </a:r>
-          </a:p>
-          <a:p>
-            <a:endParaRPr lang="en-GB" dirty="0"/>
+              <a:t>Achieved by showing vintage décor and artwork of bookshop</a:t>
+            </a:r>
           </a:p>
         </p:txBody>
       </p:sp>
     </p:spTree>
     <p:extLst>
       <p:ext uri="{BB962C8B-B14F-4D97-AF65-F5344CB8AC3E}">
-        <p14:creationId xmlns:p14="http://schemas.microsoft.com/office/powerpoint/2010/main" val="3361430429"/>
+        <p14:creationId xmlns="" xmlns:p14="http://schemas.microsoft.com/office/powerpoint/2010/main" val="2525450431"/>
       </p:ext>
     </p:extLst>
   </p:cSld>
@@ -6217,8 +6244,12 @@
           <a:lstStyle/>
           <a:p>
             <a:r>
-              <a:rPr lang="en-GB" dirty="0" err="1"/>
-              <a:t>Moodboards</a:t>
+              <a:rPr lang="en-GB" dirty="0"/>
+              <a:t>What does the player do</a:t>
+            </a:r>
+            <a:r>
+              <a:rPr lang="en-GB" dirty="0" smtClean="0"/>
+              <a:t>?/ Mechanics Ryan</a:t>
             </a:r>
             <a:endParaRPr lang="en-GB" dirty="0"/>
           </a:p>
@@ -6239,14 +6270,32 @@
           <a:bodyPr/>
           <a:lstStyle/>
           <a:p>
-            <a:endParaRPr lang="en-GB"/>
+            <a:r>
+              <a:rPr lang="en-GB" dirty="0"/>
+              <a:t>The player will be moving books with the mouse</a:t>
+            </a:r>
+          </a:p>
+          <a:p>
+            <a:r>
+              <a:rPr lang="en-GB" dirty="0"/>
+              <a:t>Player will sort books in chronological order and size</a:t>
+            </a:r>
+          </a:p>
+          <a:p>
+            <a:r>
+              <a:rPr lang="en-GB" dirty="0"/>
+              <a:t>The player will also shoot enemies/ worms with lasers</a:t>
+            </a:r>
+          </a:p>
+          <a:p>
+            <a:endParaRPr lang="en-GB" dirty="0"/>
           </a:p>
         </p:txBody>
       </p:sp>
     </p:spTree>
     <p:extLst>
       <p:ext uri="{BB962C8B-B14F-4D97-AF65-F5344CB8AC3E}">
-        <p14:creationId xmlns:p14="http://schemas.microsoft.com/office/powerpoint/2010/main" val="2445174280"/>
+        <p14:creationId xmlns="" xmlns:p14="http://schemas.microsoft.com/office/powerpoint/2010/main" val="3361430429"/>
       </p:ext>
     </p:extLst>
   </p:cSld>
@@ -6289,9 +6338,10 @@
           <a:lstStyle/>
           <a:p>
             <a:r>
-              <a:rPr lang="en-GB" dirty="0"/>
-              <a:t>Mechanics</a:t>
-            </a:r>
+              <a:rPr lang="en-GB" dirty="0" smtClean="0"/>
+              <a:t>Moodboards Tom</a:t>
+            </a:r>
+            <a:endParaRPr lang="en-GB" dirty="0"/>
           </a:p>
         </p:txBody>
       </p:sp>
@@ -6317,7 +6367,7 @@
     </p:spTree>
     <p:extLst>
       <p:ext uri="{BB962C8B-B14F-4D97-AF65-F5344CB8AC3E}">
-        <p14:creationId xmlns:p14="http://schemas.microsoft.com/office/powerpoint/2010/main" val="2521686711"/>
+        <p14:creationId xmlns="" xmlns:p14="http://schemas.microsoft.com/office/powerpoint/2010/main" val="2445174280"/>
       </p:ext>
     </p:extLst>
   </p:cSld>
@@ -6361,8 +6411,13 @@
           <a:p>
             <a:r>
               <a:rPr lang="en-GB" dirty="0"/>
-              <a:t>Art Style</a:t>
-            </a:r>
+              <a:t>Art </a:t>
+            </a:r>
+            <a:r>
+              <a:rPr lang="en-GB" dirty="0" smtClean="0"/>
+              <a:t>Style Tom</a:t>
+            </a:r>
+            <a:endParaRPr lang="en-GB" dirty="0"/>
           </a:p>
         </p:txBody>
       </p:sp>
@@ -6400,7 +6455,7 @@
     </p:spTree>
     <p:extLst>
       <p:ext uri="{BB962C8B-B14F-4D97-AF65-F5344CB8AC3E}">
-        <p14:creationId xmlns:p14="http://schemas.microsoft.com/office/powerpoint/2010/main" val="2005683756"/>
+        <p14:creationId xmlns="" xmlns:p14="http://schemas.microsoft.com/office/powerpoint/2010/main" val="2005683756"/>
       </p:ext>
     </p:extLst>
   </p:cSld>
@@ -6453,7 +6508,7 @@
     </a:clrScheme>
     <a:fontScheme name="Facet">
       <a:majorFont>
-        <a:latin typeface="Trebuchet MS" panose="020B0603020202020204"/>
+        <a:latin typeface="Trebuchet MS"/>
         <a:ea typeface=""/>
         <a:cs typeface=""/>
         <a:font script="Jpan" typeface="メイリオ"/>
@@ -6488,7 +6543,7 @@
         <a:font script="Geor" typeface="Sylfaen"/>
       </a:majorFont>
       <a:minorFont>
-        <a:latin typeface="Trebuchet MS" panose="020B0603020202020204"/>
+        <a:latin typeface="Trebuchet MS"/>
         <a:ea typeface=""/>
         <a:cs typeface=""/>
         <a:font script="Jpan" typeface="メイリオ"/>
@@ -6661,7 +6716,7 @@
   <a:extraClrSchemeLst/>
   <a:extLst>
     <a:ext uri="{05A4C25C-085E-4340-85A3-A5531E510DB2}">
-      <thm15:themeFamily xmlns:thm15="http://schemas.microsoft.com/office/thememl/2012/main" name="Facet" id="{C0C680CD-088A-49FC-A102-D699147F32B2}" vid="{CFBC31BA-B70F-4F30-BCAA-4F3011E16C4D}"/>
+      <thm15:themeFamily xmlns="" xmlns:thm15="http://schemas.microsoft.com/office/thememl/2012/main" name="Facet" id="{C0C680CD-088A-49FC-A102-D699147F32B2}" vid="{CFBC31BA-B70F-4F30-BCAA-4F3011E16C4D}"/>
     </a:ext>
   </a:extLst>
 </a:theme>

--- a/Group 14.pptx
+++ b/Group 14.pptx
@@ -112,7 +112,7 @@
   </p:defaultTextStyle>
   <p:extLst>
     <p:ext uri="{EFAFB233-063F-42B5-8137-9DF3F51BA10A}">
-      <p15:sldGuideLst xmlns="" xmlns:p15="http://schemas.microsoft.com/office/powerpoint/2012/main"/>
+      <p15:sldGuideLst xmlns:p15="http://schemas.microsoft.com/office/powerpoint/2012/main" xmlns=""/>
     </p:ext>
   </p:extLst>
 </p:presentation>
@@ -893,7 +893,7 @@
     </p:spTree>
     <p:extLst>
       <p:ext uri="{BB962C8B-B14F-4D97-AF65-F5344CB8AC3E}">
-        <p14:creationId xmlns="" xmlns:p14="http://schemas.microsoft.com/office/powerpoint/2010/main" val="1416213336"/>
+        <p14:creationId xmlns:p14="http://schemas.microsoft.com/office/powerpoint/2010/main" xmlns="" val="1416213336"/>
       </p:ext>
     </p:extLst>
   </p:cSld>
@@ -1146,7 +1146,7 @@
     </p:spTree>
     <p:extLst>
       <p:ext uri="{BB962C8B-B14F-4D97-AF65-F5344CB8AC3E}">
-        <p14:creationId xmlns="" xmlns:p14="http://schemas.microsoft.com/office/powerpoint/2010/main" val="2996688164"/>
+        <p14:creationId xmlns:p14="http://schemas.microsoft.com/office/powerpoint/2010/main" xmlns="" val="2996688164"/>
       </p:ext>
     </p:extLst>
   </p:cSld>
@@ -1552,7 +1552,7 @@
     </p:spTree>
     <p:extLst>
       <p:ext uri="{BB962C8B-B14F-4D97-AF65-F5344CB8AC3E}">
-        <p14:creationId xmlns="" xmlns:p14="http://schemas.microsoft.com/office/powerpoint/2010/main" val="628267690"/>
+        <p14:creationId xmlns:p14="http://schemas.microsoft.com/office/powerpoint/2010/main" xmlns="" val="628267690"/>
       </p:ext>
     </p:extLst>
   </p:cSld>
@@ -1805,7 +1805,7 @@
     </p:spTree>
     <p:extLst>
       <p:ext uri="{BB962C8B-B14F-4D97-AF65-F5344CB8AC3E}">
-        <p14:creationId xmlns="" xmlns:p14="http://schemas.microsoft.com/office/powerpoint/2010/main" val="642880592"/>
+        <p14:creationId xmlns:p14="http://schemas.microsoft.com/office/powerpoint/2010/main" xmlns="" val="642880592"/>
       </p:ext>
     </p:extLst>
   </p:cSld>
@@ -2203,7 +2203,7 @@
     </p:spTree>
     <p:extLst>
       <p:ext uri="{BB962C8B-B14F-4D97-AF65-F5344CB8AC3E}">
-        <p14:creationId xmlns="" xmlns:p14="http://schemas.microsoft.com/office/powerpoint/2010/main" val="1677234499"/>
+        <p14:creationId xmlns:p14="http://schemas.microsoft.com/office/powerpoint/2010/main" xmlns="" val="1677234499"/>
       </p:ext>
     </p:extLst>
   </p:cSld>
@@ -2516,7 +2516,7 @@
     </p:spTree>
     <p:extLst>
       <p:ext uri="{BB962C8B-B14F-4D97-AF65-F5344CB8AC3E}">
-        <p14:creationId xmlns="" xmlns:p14="http://schemas.microsoft.com/office/powerpoint/2010/main" val="1214186571"/>
+        <p14:creationId xmlns:p14="http://schemas.microsoft.com/office/powerpoint/2010/main" xmlns="" val="1214186571"/>
       </p:ext>
     </p:extLst>
   </p:cSld>
@@ -2688,7 +2688,7 @@
     </p:spTree>
     <p:extLst>
       <p:ext uri="{BB962C8B-B14F-4D97-AF65-F5344CB8AC3E}">
-        <p14:creationId xmlns="" xmlns:p14="http://schemas.microsoft.com/office/powerpoint/2010/main" val="333804558"/>
+        <p14:creationId xmlns:p14="http://schemas.microsoft.com/office/powerpoint/2010/main" xmlns="" val="333804558"/>
       </p:ext>
     </p:extLst>
   </p:cSld>
@@ -2870,7 +2870,7 @@
     </p:spTree>
     <p:extLst>
       <p:ext uri="{BB962C8B-B14F-4D97-AF65-F5344CB8AC3E}">
-        <p14:creationId xmlns="" xmlns:p14="http://schemas.microsoft.com/office/powerpoint/2010/main" val="2904802637"/>
+        <p14:creationId xmlns:p14="http://schemas.microsoft.com/office/powerpoint/2010/main" xmlns="" val="2904802637"/>
       </p:ext>
     </p:extLst>
   </p:cSld>
@@ -3048,7 +3048,7 @@
     </p:spTree>
     <p:extLst>
       <p:ext uri="{BB962C8B-B14F-4D97-AF65-F5344CB8AC3E}">
-        <p14:creationId xmlns="" xmlns:p14="http://schemas.microsoft.com/office/powerpoint/2010/main" val="1207658432"/>
+        <p14:creationId xmlns:p14="http://schemas.microsoft.com/office/powerpoint/2010/main" xmlns="" val="1207658432"/>
       </p:ext>
     </p:extLst>
   </p:cSld>
@@ -3297,7 +3297,7 @@
     </p:spTree>
     <p:extLst>
       <p:ext uri="{BB962C8B-B14F-4D97-AF65-F5344CB8AC3E}">
-        <p14:creationId xmlns="" xmlns:p14="http://schemas.microsoft.com/office/powerpoint/2010/main" val="2940899993"/>
+        <p14:creationId xmlns:p14="http://schemas.microsoft.com/office/powerpoint/2010/main" xmlns="" val="2940899993"/>
       </p:ext>
     </p:extLst>
   </p:cSld>
@@ -3531,7 +3531,7 @@
     </p:spTree>
     <p:extLst>
       <p:ext uri="{BB962C8B-B14F-4D97-AF65-F5344CB8AC3E}">
-        <p14:creationId xmlns="" xmlns:p14="http://schemas.microsoft.com/office/powerpoint/2010/main" val="1265992149"/>
+        <p14:creationId xmlns:p14="http://schemas.microsoft.com/office/powerpoint/2010/main" xmlns="" val="1265992149"/>
       </p:ext>
     </p:extLst>
   </p:cSld>
@@ -3907,7 +3907,7 @@
     </p:spTree>
     <p:extLst>
       <p:ext uri="{BB962C8B-B14F-4D97-AF65-F5344CB8AC3E}">
-        <p14:creationId xmlns="" xmlns:p14="http://schemas.microsoft.com/office/powerpoint/2010/main" val="1711537170"/>
+        <p14:creationId xmlns:p14="http://schemas.microsoft.com/office/powerpoint/2010/main" xmlns="" val="1711537170"/>
       </p:ext>
     </p:extLst>
   </p:cSld>
@@ -4032,7 +4032,7 @@
     </p:spTree>
     <p:extLst>
       <p:ext uri="{BB962C8B-B14F-4D97-AF65-F5344CB8AC3E}">
-        <p14:creationId xmlns="" xmlns:p14="http://schemas.microsoft.com/office/powerpoint/2010/main" val="3089190593"/>
+        <p14:creationId xmlns:p14="http://schemas.microsoft.com/office/powerpoint/2010/main" xmlns="" val="3089190593"/>
       </p:ext>
     </p:extLst>
   </p:cSld>
@@ -4129,7 +4129,7 @@
     </p:spTree>
     <p:extLst>
       <p:ext uri="{BB962C8B-B14F-4D97-AF65-F5344CB8AC3E}">
-        <p14:creationId xmlns="" xmlns:p14="http://schemas.microsoft.com/office/powerpoint/2010/main" val="2521303672"/>
+        <p14:creationId xmlns:p14="http://schemas.microsoft.com/office/powerpoint/2010/main" xmlns="" val="2521303672"/>
       </p:ext>
     </p:extLst>
   </p:cSld>
@@ -4386,7 +4386,7 @@
     </p:spTree>
     <p:extLst>
       <p:ext uri="{BB962C8B-B14F-4D97-AF65-F5344CB8AC3E}">
-        <p14:creationId xmlns="" xmlns:p14="http://schemas.microsoft.com/office/powerpoint/2010/main" val="1529297431"/>
+        <p14:creationId xmlns:p14="http://schemas.microsoft.com/office/powerpoint/2010/main" xmlns="" val="1529297431"/>
       </p:ext>
     </p:extLst>
   </p:cSld>
@@ -4651,7 +4651,7 @@
     </p:spTree>
     <p:extLst>
       <p:ext uri="{BB962C8B-B14F-4D97-AF65-F5344CB8AC3E}">
-        <p14:creationId xmlns="" xmlns:p14="http://schemas.microsoft.com/office/powerpoint/2010/main" val="4047318941"/>
+        <p14:creationId xmlns:p14="http://schemas.microsoft.com/office/powerpoint/2010/main" xmlns="" val="4047318941"/>
       </p:ext>
     </p:extLst>
   </p:cSld>
@@ -5430,7 +5430,7 @@
     </p:spTree>
     <p:extLst>
       <p:ext uri="{BB962C8B-B14F-4D97-AF65-F5344CB8AC3E}">
-        <p14:creationId xmlns="" xmlns:p14="http://schemas.microsoft.com/office/powerpoint/2010/main" val="4120066486"/>
+        <p14:creationId xmlns:p14="http://schemas.microsoft.com/office/powerpoint/2010/main" xmlns="" val="4120066486"/>
       </p:ext>
     </p:extLst>
   </p:cSld>
@@ -5945,7 +5945,7 @@
     </p:spTree>
     <p:extLst>
       <p:ext uri="{BB962C8B-B14F-4D97-AF65-F5344CB8AC3E}">
-        <p14:creationId xmlns="" xmlns:p14="http://schemas.microsoft.com/office/powerpoint/2010/main" val="384790399"/>
+        <p14:creationId xmlns:p14="http://schemas.microsoft.com/office/powerpoint/2010/main" xmlns="" val="384790399"/>
       </p:ext>
     </p:extLst>
   </p:cSld>
@@ -6012,15 +6012,24 @@
           <a:p>
             <a:r>
               <a:rPr lang="en-GB" dirty="0"/>
-              <a:t>A librarian, a bookshop in space, alien bookworms trying to destroy history, Kill worms to save earth</a:t>
-            </a:r>
+              <a:t>A librarian, a bookshop in space, alien bookworms trying to destroy history, Kill worms to </a:t>
+            </a:r>
+            <a:r>
+              <a:rPr lang="en-GB"/>
+              <a:t>save </a:t>
+            </a:r>
+            <a:r>
+              <a:rPr lang="en-GB" smtClean="0"/>
+              <a:t>earth.</a:t>
+            </a:r>
+            <a:endParaRPr lang="en-GB" dirty="0"/>
           </a:p>
         </p:txBody>
       </p:sp>
     </p:spTree>
     <p:extLst>
       <p:ext uri="{BB962C8B-B14F-4D97-AF65-F5344CB8AC3E}">
-        <p14:creationId xmlns="" xmlns:p14="http://schemas.microsoft.com/office/powerpoint/2010/main" val="1925635564"/>
+        <p14:creationId xmlns:p14="http://schemas.microsoft.com/office/powerpoint/2010/main" xmlns="" val="1925635564"/>
       </p:ext>
     </p:extLst>
   </p:cSld>
@@ -6201,7 +6210,7 @@
     </p:spTree>
     <p:extLst>
       <p:ext uri="{BB962C8B-B14F-4D97-AF65-F5344CB8AC3E}">
-        <p14:creationId xmlns="" xmlns:p14="http://schemas.microsoft.com/office/powerpoint/2010/main" val="2525450431"/>
+        <p14:creationId xmlns:p14="http://schemas.microsoft.com/office/powerpoint/2010/main" xmlns="" val="2525450431"/>
       </p:ext>
     </p:extLst>
   </p:cSld>
@@ -6295,7 +6304,7 @@
     </p:spTree>
     <p:extLst>
       <p:ext uri="{BB962C8B-B14F-4D97-AF65-F5344CB8AC3E}">
-        <p14:creationId xmlns="" xmlns:p14="http://schemas.microsoft.com/office/powerpoint/2010/main" val="3361430429"/>
+        <p14:creationId xmlns:p14="http://schemas.microsoft.com/office/powerpoint/2010/main" xmlns="" val="3361430429"/>
       </p:ext>
     </p:extLst>
   </p:cSld>
@@ -6367,7 +6376,7 @@
     </p:spTree>
     <p:extLst>
       <p:ext uri="{BB962C8B-B14F-4D97-AF65-F5344CB8AC3E}">
-        <p14:creationId xmlns="" xmlns:p14="http://schemas.microsoft.com/office/powerpoint/2010/main" val="2445174280"/>
+        <p14:creationId xmlns:p14="http://schemas.microsoft.com/office/powerpoint/2010/main" xmlns="" val="2445174280"/>
       </p:ext>
     </p:extLst>
   </p:cSld>
@@ -6455,7 +6464,7 @@
     </p:spTree>
     <p:extLst>
       <p:ext uri="{BB962C8B-B14F-4D97-AF65-F5344CB8AC3E}">
-        <p14:creationId xmlns="" xmlns:p14="http://schemas.microsoft.com/office/powerpoint/2010/main" val="2005683756"/>
+        <p14:creationId xmlns:p14="http://schemas.microsoft.com/office/powerpoint/2010/main" xmlns="" val="2005683756"/>
       </p:ext>
     </p:extLst>
   </p:cSld>
@@ -6716,7 +6725,7 @@
   <a:extraClrSchemeLst/>
   <a:extLst>
     <a:ext uri="{05A4C25C-085E-4340-85A3-A5531E510DB2}">
-      <thm15:themeFamily xmlns="" xmlns:thm15="http://schemas.microsoft.com/office/thememl/2012/main" name="Facet" id="{C0C680CD-088A-49FC-A102-D699147F32B2}" vid="{CFBC31BA-B70F-4F30-BCAA-4F3011E16C4D}"/>
+      <thm15:themeFamily xmlns:thm15="http://schemas.microsoft.com/office/thememl/2012/main" xmlns="" name="Facet" id="{C0C680CD-088A-49FC-A102-D699147F32B2}" vid="{CFBC31BA-B70F-4F30-BCAA-4F3011E16C4D}"/>
     </a:ext>
   </a:extLst>
 </a:theme>

--- a/Group 14.pptx
+++ b/Group 14.pptx
@@ -12,6 +12,7 @@
     <p:sldId id="261" r:id="rId6"/>
     <p:sldId id="258" r:id="rId7"/>
     <p:sldId id="260" r:id="rId8"/>
+    <p:sldId id="265" r:id="rId9"/>
   </p:sldIdLst>
   <p:sldSz cx="12192000" cy="6858000"/>
   <p:notesSz cx="6858000" cy="9144000"/>
@@ -112,7 +113,18 @@
   </p:defaultTextStyle>
   <p:extLst>
     <p:ext uri="{EFAFB233-063F-42B5-8137-9DF3F51BA10A}">
-      <p15:sldGuideLst xmlns:p15="http://schemas.microsoft.com/office/powerpoint/2012/main" xmlns=""/>
+      <p15:sldGuideLst xmlns:p15="http://schemas.microsoft.com/office/powerpoint/2012/main">
+        <p15:guide id="1" orient="horz" pos="2160">
+          <p15:clr>
+            <a:srgbClr val="A4A3A4"/>
+          </p15:clr>
+        </p15:guide>
+        <p15:guide id="2" pos="3840">
+          <p15:clr>
+            <a:srgbClr val="A4A3A4"/>
+          </p15:clr>
+        </p15:guide>
+      </p15:sldGuideLst>
     </p:ext>
   </p:extLst>
 </p:presentation>
@@ -841,7 +853,7 @@
             <a:fld id="{4CDA0734-6088-4A11-8A2B-97B609E3D287}" type="datetimeFigureOut">
               <a:rPr lang="en-GB" smtClean="0"/>
               <a:pPr/>
-              <a:t>17/10/2016</a:t>
+              <a:t>18/10/2016</a:t>
             </a:fld>
             <a:endParaRPr lang="en-GB"/>
           </a:p>
@@ -893,7 +905,7 @@
     </p:spTree>
     <p:extLst>
       <p:ext uri="{BB962C8B-B14F-4D97-AF65-F5344CB8AC3E}">
-        <p14:creationId xmlns:p14="http://schemas.microsoft.com/office/powerpoint/2010/main" xmlns="" val="1416213336"/>
+        <p14:creationId xmlns:p14="http://schemas.microsoft.com/office/powerpoint/2010/main" val="1416213336"/>
       </p:ext>
     </p:extLst>
   </p:cSld>
@@ -1094,7 +1106,7 @@
             <a:fld id="{4CDA0734-6088-4A11-8A2B-97B609E3D287}" type="datetimeFigureOut">
               <a:rPr lang="en-GB" smtClean="0"/>
               <a:pPr/>
-              <a:t>17/10/2016</a:t>
+              <a:t>18/10/2016</a:t>
             </a:fld>
             <a:endParaRPr lang="en-GB"/>
           </a:p>
@@ -1146,7 +1158,7 @@
     </p:spTree>
     <p:extLst>
       <p:ext uri="{BB962C8B-B14F-4D97-AF65-F5344CB8AC3E}">
-        <p14:creationId xmlns:p14="http://schemas.microsoft.com/office/powerpoint/2010/main" xmlns="" val="2996688164"/>
+        <p14:creationId xmlns:p14="http://schemas.microsoft.com/office/powerpoint/2010/main" val="2996688164"/>
       </p:ext>
     </p:extLst>
   </p:cSld>
@@ -1410,7 +1422,7 @@
             <a:fld id="{4CDA0734-6088-4A11-8A2B-97B609E3D287}" type="datetimeFigureOut">
               <a:rPr lang="en-GB" smtClean="0"/>
               <a:pPr/>
-              <a:t>17/10/2016</a:t>
+              <a:t>18/10/2016</a:t>
             </a:fld>
             <a:endParaRPr lang="en-GB"/>
           </a:p>
@@ -1552,7 +1564,7 @@
     </p:spTree>
     <p:extLst>
       <p:ext uri="{BB962C8B-B14F-4D97-AF65-F5344CB8AC3E}">
-        <p14:creationId xmlns:p14="http://schemas.microsoft.com/office/powerpoint/2010/main" xmlns="" val="628267690"/>
+        <p14:creationId xmlns:p14="http://schemas.microsoft.com/office/powerpoint/2010/main" val="628267690"/>
       </p:ext>
     </p:extLst>
   </p:cSld>
@@ -1753,7 +1765,7 @@
             <a:fld id="{4CDA0734-6088-4A11-8A2B-97B609E3D287}" type="datetimeFigureOut">
               <a:rPr lang="en-GB" smtClean="0"/>
               <a:pPr/>
-              <a:t>17/10/2016</a:t>
+              <a:t>18/10/2016</a:t>
             </a:fld>
             <a:endParaRPr lang="en-GB"/>
           </a:p>
@@ -1805,7 +1817,7 @@
     </p:spTree>
     <p:extLst>
       <p:ext uri="{BB962C8B-B14F-4D97-AF65-F5344CB8AC3E}">
-        <p14:creationId xmlns:p14="http://schemas.microsoft.com/office/powerpoint/2010/main" xmlns="" val="642880592"/>
+        <p14:creationId xmlns:p14="http://schemas.microsoft.com/office/powerpoint/2010/main" val="642880592"/>
       </p:ext>
     </p:extLst>
   </p:cSld>
@@ -2069,7 +2081,7 @@
             <a:fld id="{4CDA0734-6088-4A11-8A2B-97B609E3D287}" type="datetimeFigureOut">
               <a:rPr lang="en-GB" smtClean="0"/>
               <a:pPr/>
-              <a:t>17/10/2016</a:t>
+              <a:t>18/10/2016</a:t>
             </a:fld>
             <a:endParaRPr lang="en-GB"/>
           </a:p>
@@ -2203,7 +2215,7 @@
     </p:spTree>
     <p:extLst>
       <p:ext uri="{BB962C8B-B14F-4D97-AF65-F5344CB8AC3E}">
-        <p14:creationId xmlns:p14="http://schemas.microsoft.com/office/powerpoint/2010/main" xmlns="" val="1677234499"/>
+        <p14:creationId xmlns:p14="http://schemas.microsoft.com/office/powerpoint/2010/main" val="1677234499"/>
       </p:ext>
     </p:extLst>
   </p:cSld>
@@ -2464,7 +2476,7 @@
             <a:fld id="{4CDA0734-6088-4A11-8A2B-97B609E3D287}" type="datetimeFigureOut">
               <a:rPr lang="en-GB" smtClean="0"/>
               <a:pPr/>
-              <a:t>17/10/2016</a:t>
+              <a:t>18/10/2016</a:t>
             </a:fld>
             <a:endParaRPr lang="en-GB"/>
           </a:p>
@@ -2516,7 +2528,7 @@
     </p:spTree>
     <p:extLst>
       <p:ext uri="{BB962C8B-B14F-4D97-AF65-F5344CB8AC3E}">
-        <p14:creationId xmlns:p14="http://schemas.microsoft.com/office/powerpoint/2010/main" xmlns="" val="1214186571"/>
+        <p14:creationId xmlns:p14="http://schemas.microsoft.com/office/powerpoint/2010/main" val="1214186571"/>
       </p:ext>
     </p:extLst>
   </p:cSld>
@@ -2636,7 +2648,7 @@
             <a:fld id="{4CDA0734-6088-4A11-8A2B-97B609E3D287}" type="datetimeFigureOut">
               <a:rPr lang="en-GB" smtClean="0"/>
               <a:pPr/>
-              <a:t>17/10/2016</a:t>
+              <a:t>18/10/2016</a:t>
             </a:fld>
             <a:endParaRPr lang="en-GB"/>
           </a:p>
@@ -2688,7 +2700,7 @@
     </p:spTree>
     <p:extLst>
       <p:ext uri="{BB962C8B-B14F-4D97-AF65-F5344CB8AC3E}">
-        <p14:creationId xmlns:p14="http://schemas.microsoft.com/office/powerpoint/2010/main" xmlns="" val="333804558"/>
+        <p14:creationId xmlns:p14="http://schemas.microsoft.com/office/powerpoint/2010/main" val="333804558"/>
       </p:ext>
     </p:extLst>
   </p:cSld>
@@ -2818,7 +2830,7 @@
             <a:fld id="{4CDA0734-6088-4A11-8A2B-97B609E3D287}" type="datetimeFigureOut">
               <a:rPr lang="en-GB" smtClean="0"/>
               <a:pPr/>
-              <a:t>17/10/2016</a:t>
+              <a:t>18/10/2016</a:t>
             </a:fld>
             <a:endParaRPr lang="en-GB"/>
           </a:p>
@@ -2870,7 +2882,7 @@
     </p:spTree>
     <p:extLst>
       <p:ext uri="{BB962C8B-B14F-4D97-AF65-F5344CB8AC3E}">
-        <p14:creationId xmlns:p14="http://schemas.microsoft.com/office/powerpoint/2010/main" xmlns="" val="2904802637"/>
+        <p14:creationId xmlns:p14="http://schemas.microsoft.com/office/powerpoint/2010/main" val="2904802637"/>
       </p:ext>
     </p:extLst>
   </p:cSld>
@@ -2996,7 +3008,7 @@
             <a:fld id="{4CDA0734-6088-4A11-8A2B-97B609E3D287}" type="datetimeFigureOut">
               <a:rPr lang="en-GB" smtClean="0"/>
               <a:pPr/>
-              <a:t>17/10/2016</a:t>
+              <a:t>18/10/2016</a:t>
             </a:fld>
             <a:endParaRPr lang="en-GB"/>
           </a:p>
@@ -3048,7 +3060,7 @@
     </p:spTree>
     <p:extLst>
       <p:ext uri="{BB962C8B-B14F-4D97-AF65-F5344CB8AC3E}">
-        <p14:creationId xmlns:p14="http://schemas.microsoft.com/office/powerpoint/2010/main" xmlns="" val="1207658432"/>
+        <p14:creationId xmlns:p14="http://schemas.microsoft.com/office/powerpoint/2010/main" val="1207658432"/>
       </p:ext>
     </p:extLst>
   </p:cSld>
@@ -3245,7 +3257,7 @@
             <a:fld id="{4CDA0734-6088-4A11-8A2B-97B609E3D287}" type="datetimeFigureOut">
               <a:rPr lang="en-GB" smtClean="0"/>
               <a:pPr/>
-              <a:t>17/10/2016</a:t>
+              <a:t>18/10/2016</a:t>
             </a:fld>
             <a:endParaRPr lang="en-GB"/>
           </a:p>
@@ -3297,7 +3309,7 @@
     </p:spTree>
     <p:extLst>
       <p:ext uri="{BB962C8B-B14F-4D97-AF65-F5344CB8AC3E}">
-        <p14:creationId xmlns:p14="http://schemas.microsoft.com/office/powerpoint/2010/main" xmlns="" val="2940899993"/>
+        <p14:creationId xmlns:p14="http://schemas.microsoft.com/office/powerpoint/2010/main" val="2940899993"/>
       </p:ext>
     </p:extLst>
   </p:cSld>
@@ -3479,7 +3491,7 @@
             <a:fld id="{4CDA0734-6088-4A11-8A2B-97B609E3D287}" type="datetimeFigureOut">
               <a:rPr lang="en-GB" smtClean="0"/>
               <a:pPr/>
-              <a:t>17/10/2016</a:t>
+              <a:t>18/10/2016</a:t>
             </a:fld>
             <a:endParaRPr lang="en-GB"/>
           </a:p>
@@ -3531,7 +3543,7 @@
     </p:spTree>
     <p:extLst>
       <p:ext uri="{BB962C8B-B14F-4D97-AF65-F5344CB8AC3E}">
-        <p14:creationId xmlns:p14="http://schemas.microsoft.com/office/powerpoint/2010/main" xmlns="" val="1265992149"/>
+        <p14:creationId xmlns:p14="http://schemas.microsoft.com/office/powerpoint/2010/main" val="1265992149"/>
       </p:ext>
     </p:extLst>
   </p:cSld>
@@ -3855,7 +3867,7 @@
             <a:fld id="{4CDA0734-6088-4A11-8A2B-97B609E3D287}" type="datetimeFigureOut">
               <a:rPr lang="en-GB" smtClean="0"/>
               <a:pPr/>
-              <a:t>17/10/2016</a:t>
+              <a:t>18/10/2016</a:t>
             </a:fld>
             <a:endParaRPr lang="en-GB"/>
           </a:p>
@@ -3907,7 +3919,7 @@
     </p:spTree>
     <p:extLst>
       <p:ext uri="{BB962C8B-B14F-4D97-AF65-F5344CB8AC3E}">
-        <p14:creationId xmlns:p14="http://schemas.microsoft.com/office/powerpoint/2010/main" xmlns="" val="1711537170"/>
+        <p14:creationId xmlns:p14="http://schemas.microsoft.com/office/powerpoint/2010/main" val="1711537170"/>
       </p:ext>
     </p:extLst>
   </p:cSld>
@@ -3980,7 +3992,7 @@
             <a:fld id="{4CDA0734-6088-4A11-8A2B-97B609E3D287}" type="datetimeFigureOut">
               <a:rPr lang="en-GB" smtClean="0"/>
               <a:pPr/>
-              <a:t>17/10/2016</a:t>
+              <a:t>18/10/2016</a:t>
             </a:fld>
             <a:endParaRPr lang="en-GB"/>
           </a:p>
@@ -4032,7 +4044,7 @@
     </p:spTree>
     <p:extLst>
       <p:ext uri="{BB962C8B-B14F-4D97-AF65-F5344CB8AC3E}">
-        <p14:creationId xmlns:p14="http://schemas.microsoft.com/office/powerpoint/2010/main" xmlns="" val="3089190593"/>
+        <p14:creationId xmlns:p14="http://schemas.microsoft.com/office/powerpoint/2010/main" val="3089190593"/>
       </p:ext>
     </p:extLst>
   </p:cSld>
@@ -4077,7 +4089,7 @@
             <a:fld id="{4CDA0734-6088-4A11-8A2B-97B609E3D287}" type="datetimeFigureOut">
               <a:rPr lang="en-GB" smtClean="0"/>
               <a:pPr/>
-              <a:t>17/10/2016</a:t>
+              <a:t>18/10/2016</a:t>
             </a:fld>
             <a:endParaRPr lang="en-GB"/>
           </a:p>
@@ -4129,7 +4141,7 @@
     </p:spTree>
     <p:extLst>
       <p:ext uri="{BB962C8B-B14F-4D97-AF65-F5344CB8AC3E}">
-        <p14:creationId xmlns:p14="http://schemas.microsoft.com/office/powerpoint/2010/main" xmlns="" val="2521303672"/>
+        <p14:creationId xmlns:p14="http://schemas.microsoft.com/office/powerpoint/2010/main" val="2521303672"/>
       </p:ext>
     </p:extLst>
   </p:cSld>
@@ -4334,7 +4346,7 @@
             <a:fld id="{4CDA0734-6088-4A11-8A2B-97B609E3D287}" type="datetimeFigureOut">
               <a:rPr lang="en-GB" smtClean="0"/>
               <a:pPr/>
-              <a:t>17/10/2016</a:t>
+              <a:t>18/10/2016</a:t>
             </a:fld>
             <a:endParaRPr lang="en-GB"/>
           </a:p>
@@ -4386,7 +4398,7 @@
     </p:spTree>
     <p:extLst>
       <p:ext uri="{BB962C8B-B14F-4D97-AF65-F5344CB8AC3E}">
-        <p14:creationId xmlns:p14="http://schemas.microsoft.com/office/powerpoint/2010/main" xmlns="" val="1529297431"/>
+        <p14:creationId xmlns:p14="http://schemas.microsoft.com/office/powerpoint/2010/main" val="1529297431"/>
       </p:ext>
     </p:extLst>
   </p:cSld>
@@ -4599,7 +4611,7 @@
             <a:fld id="{4CDA0734-6088-4A11-8A2B-97B609E3D287}" type="datetimeFigureOut">
               <a:rPr lang="en-GB" smtClean="0"/>
               <a:pPr/>
-              <a:t>17/10/2016</a:t>
+              <a:t>18/10/2016</a:t>
             </a:fld>
             <a:endParaRPr lang="en-GB"/>
           </a:p>
@@ -4651,7 +4663,7 @@
     </p:spTree>
     <p:extLst>
       <p:ext uri="{BB962C8B-B14F-4D97-AF65-F5344CB8AC3E}">
-        <p14:creationId xmlns:p14="http://schemas.microsoft.com/office/powerpoint/2010/main" xmlns="" val="4047318941"/>
+        <p14:creationId xmlns:p14="http://schemas.microsoft.com/office/powerpoint/2010/main" val="4047318941"/>
       </p:ext>
     </p:extLst>
   </p:cSld>
@@ -5344,7 +5356,7 @@
             <a:fld id="{4CDA0734-6088-4A11-8A2B-97B609E3D287}" type="datetimeFigureOut">
               <a:rPr lang="en-GB" smtClean="0"/>
               <a:pPr/>
-              <a:t>17/10/2016</a:t>
+              <a:t>18/10/2016</a:t>
             </a:fld>
             <a:endParaRPr lang="en-GB"/>
           </a:p>
@@ -5430,7 +5442,7 @@
     </p:spTree>
     <p:extLst>
       <p:ext uri="{BB962C8B-B14F-4D97-AF65-F5344CB8AC3E}">
-        <p14:creationId xmlns:p14="http://schemas.microsoft.com/office/powerpoint/2010/main" xmlns="" val="4120066486"/>
+        <p14:creationId xmlns:p14="http://schemas.microsoft.com/office/powerpoint/2010/main" val="4120066486"/>
       </p:ext>
     </p:extLst>
   </p:cSld>
@@ -5945,7 +5957,7 @@
     </p:spTree>
     <p:extLst>
       <p:ext uri="{BB962C8B-B14F-4D97-AF65-F5344CB8AC3E}">
-        <p14:creationId xmlns:p14="http://schemas.microsoft.com/office/powerpoint/2010/main" xmlns="" val="384790399"/>
+        <p14:creationId xmlns:p14="http://schemas.microsoft.com/office/powerpoint/2010/main" val="384790399"/>
       </p:ext>
     </p:extLst>
   </p:cSld>
@@ -5988,10 +6000,9 @@
           <a:lstStyle/>
           <a:p>
             <a:r>
-              <a:rPr lang="en-GB" dirty="0" smtClean="0"/>
-              <a:t>Logline/ Ryan</a:t>
-            </a:r>
-            <a:endParaRPr lang="en-GB" dirty="0"/>
+              <a:rPr lang="en-GB" dirty="0"/>
+              <a:t>Logline/ Introduction Ryan</a:t>
+            </a:r>
           </a:p>
         </p:txBody>
       </p:sp>
@@ -6016,11 +6027,7 @@
             </a:r>
             <a:r>
               <a:rPr lang="en-GB"/>
-              <a:t>save </a:t>
-            </a:r>
-            <a:r>
-              <a:rPr lang="en-GB" smtClean="0"/>
-              <a:t>earth.</a:t>
+              <a:t>save earth.</a:t>
             </a:r>
             <a:endParaRPr lang="en-GB" dirty="0"/>
           </a:p>
@@ -6029,7 +6036,7 @@
     </p:spTree>
     <p:extLst>
       <p:ext uri="{BB962C8B-B14F-4D97-AF65-F5344CB8AC3E}">
-        <p14:creationId xmlns:p14="http://schemas.microsoft.com/office/powerpoint/2010/main" xmlns="" val="1925635564"/>
+        <p14:creationId xmlns:p14="http://schemas.microsoft.com/office/powerpoint/2010/main" val="1925635564"/>
       </p:ext>
     </p:extLst>
   </p:cSld>
@@ -6072,10 +6079,9 @@
           <a:lstStyle/>
           <a:p>
             <a:r>
-              <a:rPr lang="en-GB" dirty="0" smtClean="0"/>
+              <a:rPr lang="en-GB" dirty="0"/>
               <a:t>Target Audience Daniel</a:t>
             </a:r>
-            <a:endParaRPr lang="en-GB" dirty="0"/>
           </a:p>
         </p:txBody>
       </p:sp>
@@ -6100,10 +6106,9 @@
           <a:lstStyle/>
           <a:p>
             <a:r>
-              <a:rPr lang="en-GB" dirty="0" smtClean="0"/>
+              <a:rPr lang="en-GB" dirty="0"/>
               <a:t>Young Adults/Teenagers/Kids</a:t>
             </a:r>
-            <a:endParaRPr lang="en-GB" dirty="0"/>
           </a:p>
         </p:txBody>
       </p:sp>
@@ -6148,69 +6153,98 @@
           <a:lstStyle/>
           <a:p>
             <a:r>
+              <a:rPr lang="en-GB"/>
+              <a:t>Emotions </a:t>
+            </a:r>
+            <a:r>
               <a:rPr lang="en-GB" dirty="0"/>
-              <a:t>Emotions/ </a:t>
-            </a:r>
-            <a:r>
-              <a:rPr lang="en-GB" dirty="0" smtClean="0"/>
-              <a:t>Introduction Alex</a:t>
-            </a:r>
+              <a:t>Alex</a:t>
+            </a:r>
+          </a:p>
+        </p:txBody>
+      </p:sp>
+      <p:sp>
+        <p:nvSpPr>
+          <p:cNvPr id="3" name="Content Placeholder 2"/>
+          <p:cNvSpPr>
+            <a:spLocks noGrp="1"/>
+          </p:cNvSpPr>
+          <p:nvPr>
+            <p:ph idx="1"/>
+          </p:nvPr>
+        </p:nvSpPr>
+        <p:spPr/>
+        <p:txBody>
+          <a:bodyPr/>
+          <a:lstStyle/>
+          <a:p>
+            <a:r>
+              <a:rPr lang="en-GB" b="1" dirty="0" err="1"/>
+              <a:t>Monachopsis</a:t>
+            </a:r>
+            <a:r>
+              <a:rPr lang="en-GB" b="1" dirty="0"/>
+              <a:t>, the subtle but persistent feeling of being out of place</a:t>
+            </a:r>
+          </a:p>
+          <a:p>
+            <a:pPr marL="0" indent="0">
+              <a:buNone/>
+            </a:pPr>
+            <a:r>
+              <a:rPr lang="en-GB" dirty="0"/>
+              <a:t>Achieved by having subtle hints that this bookshop is out of place when player makes progress to the next puzzle</a:t>
+            </a:r>
+          </a:p>
+          <a:p>
+            <a:pPr marL="0" indent="0">
+              <a:buNone/>
+            </a:pPr>
             <a:endParaRPr lang="en-GB" dirty="0"/>
           </a:p>
-        </p:txBody>
-      </p:sp>
-      <p:sp>
-        <p:nvSpPr>
-          <p:cNvPr id="3" name="Content Placeholder 2"/>
-          <p:cNvSpPr>
-            <a:spLocks noGrp="1"/>
-          </p:cNvSpPr>
-          <p:nvPr>
-            <p:ph idx="1"/>
-          </p:nvPr>
-        </p:nvSpPr>
-        <p:spPr/>
-        <p:txBody>
-          <a:bodyPr/>
-          <a:lstStyle/>
-          <a:p>
-            <a:r>
-              <a:rPr lang="en-GB" dirty="0" err="1"/>
-              <a:t>Monachopsis</a:t>
-            </a:r>
+          <a:p>
+            <a:pPr marL="0" indent="0">
+              <a:buNone/>
+            </a:pPr>
             <a:endParaRPr lang="en-GB" dirty="0"/>
           </a:p>
           <a:p>
+            <a:r>
+              <a:rPr lang="en-GB" b="1" dirty="0" err="1"/>
+              <a:t>Vellichor</a:t>
+            </a:r>
+            <a:r>
+              <a:rPr lang="en-GB" b="1" dirty="0"/>
+              <a:t>, the strange wistfulness of used bookshops</a:t>
+            </a:r>
+          </a:p>
+          <a:p>
             <a:pPr marL="0" indent="0">
               <a:buNone/>
             </a:pPr>
             <a:r>
               <a:rPr lang="en-GB" dirty="0"/>
-              <a:t>Achieved by having subtle hints that this bookshop is out of place</a:t>
-            </a:r>
-          </a:p>
-          <a:p>
-            <a:r>
-              <a:rPr lang="en-GB" dirty="0" err="1"/>
-              <a:t>Vellichor</a:t>
-            </a:r>
+              <a:t>Achieved by showing vintage décor and artwork of bookshop. The bookshop backgrounds will change as player progresses through puzzles.</a:t>
+            </a:r>
+          </a:p>
+          <a:p>
+            <a:pPr marL="0" indent="0">
+              <a:buNone/>
+            </a:pPr>
             <a:endParaRPr lang="en-GB" dirty="0"/>
           </a:p>
           <a:p>
             <a:pPr marL="0" indent="0">
               <a:buNone/>
             </a:pPr>
-            <a:r>
-              <a:rPr lang="en-GB" dirty="0"/>
-              <a:t>Achieved by showing vintage décor and artwork of bookshop</a:t>
-            </a:r>
+            <a:endParaRPr lang="en-GB" dirty="0"/>
           </a:p>
         </p:txBody>
       </p:sp>
     </p:spTree>
     <p:extLst>
       <p:ext uri="{BB962C8B-B14F-4D97-AF65-F5344CB8AC3E}">
-        <p14:creationId xmlns:p14="http://schemas.microsoft.com/office/powerpoint/2010/main" xmlns="" val="2525450431"/>
+        <p14:creationId xmlns:p14="http://schemas.microsoft.com/office/powerpoint/2010/main" val="2525450431"/>
       </p:ext>
     </p:extLst>
   </p:cSld>
@@ -6254,13 +6288,8 @@
           <a:p>
             <a:r>
               <a:rPr lang="en-GB" dirty="0"/>
-              <a:t>What does the player do</a:t>
-            </a:r>
-            <a:r>
-              <a:rPr lang="en-GB" dirty="0" smtClean="0"/>
-              <a:t>?/ Mechanics Ryan</a:t>
-            </a:r>
-            <a:endParaRPr lang="en-GB" dirty="0"/>
+              <a:t>What does the player do?/ Mechanics Ryan</a:t>
+            </a:r>
           </a:p>
         </p:txBody>
       </p:sp>
@@ -6304,7 +6333,7 @@
     </p:spTree>
     <p:extLst>
       <p:ext uri="{BB962C8B-B14F-4D97-AF65-F5344CB8AC3E}">
-        <p14:creationId xmlns:p14="http://schemas.microsoft.com/office/powerpoint/2010/main" xmlns="" val="3361430429"/>
+        <p14:creationId xmlns:p14="http://schemas.microsoft.com/office/powerpoint/2010/main" val="3361430429"/>
       </p:ext>
     </p:extLst>
   </p:cSld>
@@ -6347,10 +6376,9 @@
           <a:lstStyle/>
           <a:p>
             <a:r>
-              <a:rPr lang="en-GB" dirty="0" smtClean="0"/>
+              <a:rPr lang="en-GB" dirty="0"/>
               <a:t>Moodboards Tom</a:t>
             </a:r>
-            <a:endParaRPr lang="en-GB" dirty="0"/>
           </a:p>
         </p:txBody>
       </p:sp>
@@ -6376,7 +6404,7 @@
     </p:spTree>
     <p:extLst>
       <p:ext uri="{BB962C8B-B14F-4D97-AF65-F5344CB8AC3E}">
-        <p14:creationId xmlns:p14="http://schemas.microsoft.com/office/powerpoint/2010/main" xmlns="" val="2445174280"/>
+        <p14:creationId xmlns:p14="http://schemas.microsoft.com/office/powerpoint/2010/main" val="2445174280"/>
       </p:ext>
     </p:extLst>
   </p:cSld>
@@ -6420,13 +6448,8 @@
           <a:p>
             <a:r>
               <a:rPr lang="en-GB" dirty="0"/>
-              <a:t>Art </a:t>
-            </a:r>
-            <a:r>
-              <a:rPr lang="en-GB" dirty="0" smtClean="0"/>
-              <a:t>Style Tom</a:t>
-            </a:r>
-            <a:endParaRPr lang="en-GB" dirty="0"/>
+              <a:t>Art Style Tom</a:t>
+            </a:r>
           </a:p>
         </p:txBody>
       </p:sp>
@@ -6464,7 +6487,173 @@
     </p:spTree>
     <p:extLst>
       <p:ext uri="{BB962C8B-B14F-4D97-AF65-F5344CB8AC3E}">
-        <p14:creationId xmlns:p14="http://schemas.microsoft.com/office/powerpoint/2010/main" xmlns="" val="2005683756"/>
+        <p14:creationId xmlns:p14="http://schemas.microsoft.com/office/powerpoint/2010/main" val="2005683756"/>
+      </p:ext>
+    </p:extLst>
+  </p:cSld>
+  <p:clrMapOvr>
+    <a:masterClrMapping/>
+  </p:clrMapOvr>
+</p:sld>
+</file>
+
+<file path=ppt/slides/slide8.xml><?xml version="1.0" encoding="utf-8"?>
+<p:sld xmlns:a="http://schemas.openxmlformats.org/drawingml/2006/main" xmlns:r="http://schemas.openxmlformats.org/officeDocument/2006/relationships" xmlns:p="http://schemas.openxmlformats.org/presentationml/2006/main">
+  <p:cSld>
+    <p:spTree>
+      <p:nvGrpSpPr>
+        <p:cNvPr id="1" name=""/>
+        <p:cNvGrpSpPr/>
+        <p:nvPr/>
+      </p:nvGrpSpPr>
+      <p:grpSpPr>
+        <a:xfrm>
+          <a:off x="0" y="0"/>
+          <a:ext cx="0" cy="0"/>
+          <a:chOff x="0" y="0"/>
+          <a:chExt cx="0" cy="0"/>
+        </a:xfrm>
+      </p:grpSpPr>
+      <p:sp>
+        <p:nvSpPr>
+          <p:cNvPr id="2" name="Title 1"/>
+          <p:cNvSpPr>
+            <a:spLocks noGrp="1"/>
+          </p:cNvSpPr>
+          <p:nvPr>
+            <p:ph type="title"/>
+          </p:nvPr>
+        </p:nvSpPr>
+        <p:spPr/>
+        <p:txBody>
+          <a:bodyPr/>
+          <a:lstStyle/>
+          <a:p>
+            <a:r>
+              <a:rPr lang="en-GB" dirty="0"/>
+              <a:t>Project management</a:t>
+            </a:r>
+          </a:p>
+        </p:txBody>
+      </p:sp>
+      <p:sp>
+        <p:nvSpPr>
+          <p:cNvPr id="3" name="Content Placeholder 2"/>
+          <p:cNvSpPr>
+            <a:spLocks noGrp="1"/>
+          </p:cNvSpPr>
+          <p:nvPr>
+            <p:ph idx="1"/>
+          </p:nvPr>
+        </p:nvSpPr>
+        <p:spPr>
+          <a:xfrm>
+            <a:off x="677334" y="1258349"/>
+            <a:ext cx="8596668" cy="5276675"/>
+          </a:xfrm>
+        </p:spPr>
+        <p:txBody>
+          <a:bodyPr/>
+          <a:lstStyle/>
+          <a:p>
+            <a:r>
+              <a:rPr lang="en-GB" dirty="0"/>
+              <a:t>Emails sent</a:t>
+            </a:r>
+          </a:p>
+          <a:p>
+            <a:pPr marL="0" indent="0">
+              <a:buNone/>
+            </a:pPr>
+            <a:r>
+              <a:rPr lang="en-GB" dirty="0"/>
+              <a:t>Alex: 7</a:t>
+            </a:r>
+          </a:p>
+          <a:p>
+            <a:pPr marL="0" indent="0">
+              <a:buNone/>
+            </a:pPr>
+            <a:r>
+              <a:rPr lang="en-GB" dirty="0"/>
+              <a:t>Ryan: 5</a:t>
+            </a:r>
+          </a:p>
+          <a:p>
+            <a:pPr marL="0" indent="0">
+              <a:buNone/>
+            </a:pPr>
+            <a:r>
+              <a:rPr lang="en-GB" dirty="0"/>
+              <a:t>Daniel: 2 </a:t>
+            </a:r>
+          </a:p>
+          <a:p>
+            <a:pPr marL="0" indent="0">
+              <a:buNone/>
+            </a:pPr>
+            <a:r>
+              <a:rPr lang="en-GB" dirty="0"/>
+              <a:t>Tom: 1</a:t>
+            </a:r>
+          </a:p>
+          <a:p>
+            <a:pPr marL="0" indent="0">
+              <a:buNone/>
+            </a:pPr>
+            <a:r>
+              <a:rPr lang="en-GB" dirty="0"/>
+              <a:t>Overall: 15</a:t>
+            </a:r>
+          </a:p>
+          <a:p>
+            <a:pPr marL="0" indent="0">
+              <a:buNone/>
+            </a:pPr>
+            <a:endParaRPr lang="en-GB" dirty="0"/>
+          </a:p>
+          <a:p>
+            <a:r>
+              <a:rPr lang="en-GB" dirty="0"/>
+              <a:t>Meetings</a:t>
+            </a:r>
+          </a:p>
+          <a:p>
+            <a:pPr marL="0" indent="0">
+              <a:buNone/>
+            </a:pPr>
+            <a:r>
+              <a:rPr lang="en-GB" dirty="0"/>
+              <a:t>1 informal meeting, 30 mins</a:t>
+            </a:r>
+          </a:p>
+          <a:p>
+            <a:pPr marL="0" indent="0">
+              <a:buNone/>
+            </a:pPr>
+            <a:endParaRPr lang="en-GB" dirty="0"/>
+          </a:p>
+          <a:p>
+            <a:r>
+              <a:rPr lang="en-GB" dirty="0"/>
+              <a:t>Hours logged</a:t>
+            </a:r>
+          </a:p>
+          <a:p>
+            <a:pPr marL="0" indent="0">
+              <a:buNone/>
+            </a:pPr>
+            <a:r>
+              <a:rPr lang="en-GB" dirty="0"/>
+              <a:t>No hours logged yet, first sprint to be set today</a:t>
+            </a:r>
+          </a:p>
+        </p:txBody>
+      </p:sp>
+    </p:spTree>
+    <p:extLst>
+      <p:ext uri="{BB962C8B-B14F-4D97-AF65-F5344CB8AC3E}">
+        <p14:creationId xmlns:p14="http://schemas.microsoft.com/office/powerpoint/2010/main" val="2670981841"/>
       </p:ext>
     </p:extLst>
   </p:cSld>
@@ -6725,7 +6914,7 @@
   <a:extraClrSchemeLst/>
   <a:extLst>
     <a:ext uri="{05A4C25C-085E-4340-85A3-A5531E510DB2}">
-      <thm15:themeFamily xmlns:thm15="http://schemas.microsoft.com/office/thememl/2012/main" xmlns="" name="Facet" id="{C0C680CD-088A-49FC-A102-D699147F32B2}" vid="{CFBC31BA-B70F-4F30-BCAA-4F3011E16C4D}"/>
+      <thm15:themeFamily xmlns:thm15="http://schemas.microsoft.com/office/thememl/2012/main" name="Facet" id="{C0C680CD-088A-49FC-A102-D699147F32B2}" vid="{CFBC31BA-B70F-4F30-BCAA-4F3011E16C4D}"/>
     </a:ext>
   </a:extLst>
 </a:theme>

--- a/Group 14.pptx
+++ b/Group 14.pptx
@@ -4,6 +4,9 @@
   <p:sldMasterIdLst>
     <p:sldMasterId id="2147483677" r:id="rId1"/>
   </p:sldMasterIdLst>
+  <p:notesMasterIdLst>
+    <p:notesMasterId r:id="rId10"/>
+  </p:notesMasterIdLst>
   <p:sldIdLst>
     <p:sldId id="256" r:id="rId2"/>
     <p:sldId id="257" r:id="rId3"/>
@@ -128,6 +131,523 @@
     </p:ext>
   </p:extLst>
 </p:presentation>
+</file>
+
+<file path=ppt/notesMasters/notesMaster1.xml><?xml version="1.0" encoding="utf-8"?>
+<p:notesMaster xmlns:a="http://schemas.openxmlformats.org/drawingml/2006/main" xmlns:r="http://schemas.openxmlformats.org/officeDocument/2006/relationships" xmlns:p="http://schemas.openxmlformats.org/presentationml/2006/main">
+  <p:cSld>
+    <p:bg>
+      <p:bgRef idx="1001">
+        <a:schemeClr val="bg1"/>
+      </p:bgRef>
+    </p:bg>
+    <p:spTree>
+      <p:nvGrpSpPr>
+        <p:cNvPr id="1" name=""/>
+        <p:cNvGrpSpPr/>
+        <p:nvPr/>
+      </p:nvGrpSpPr>
+      <p:grpSpPr>
+        <a:xfrm>
+          <a:off x="0" y="0"/>
+          <a:ext cx="0" cy="0"/>
+          <a:chOff x="0" y="0"/>
+          <a:chExt cx="0" cy="0"/>
+        </a:xfrm>
+      </p:grpSpPr>
+      <p:sp>
+        <p:nvSpPr>
+          <p:cNvPr id="2" name="Header Placeholder 1"/>
+          <p:cNvSpPr>
+            <a:spLocks noGrp="1"/>
+          </p:cNvSpPr>
+          <p:nvPr>
+            <p:ph type="hdr" sz="quarter"/>
+          </p:nvPr>
+        </p:nvSpPr>
+        <p:spPr>
+          <a:xfrm>
+            <a:off x="0" y="0"/>
+            <a:ext cx="2971800" cy="458788"/>
+          </a:xfrm>
+          <a:prstGeom prst="rect">
+            <a:avLst/>
+          </a:prstGeom>
+        </p:spPr>
+        <p:txBody>
+          <a:bodyPr vert="horz" lIns="91440" tIns="45720" rIns="91440" bIns="45720" rtlCol="0"/>
+          <a:lstStyle>
+            <a:lvl1pPr algn="l">
+              <a:defRPr sz="1200"/>
+            </a:lvl1pPr>
+          </a:lstStyle>
+          <a:p>
+            <a:endParaRPr lang="en-US"/>
+          </a:p>
+        </p:txBody>
+      </p:sp>
+      <p:sp>
+        <p:nvSpPr>
+          <p:cNvPr id="3" name="Date Placeholder 2"/>
+          <p:cNvSpPr>
+            <a:spLocks noGrp="1"/>
+          </p:cNvSpPr>
+          <p:nvPr>
+            <p:ph type="dt" idx="1"/>
+          </p:nvPr>
+        </p:nvSpPr>
+        <p:spPr>
+          <a:xfrm>
+            <a:off x="3884613" y="0"/>
+            <a:ext cx="2971800" cy="458788"/>
+          </a:xfrm>
+          <a:prstGeom prst="rect">
+            <a:avLst/>
+          </a:prstGeom>
+        </p:spPr>
+        <p:txBody>
+          <a:bodyPr vert="horz" lIns="91440" tIns="45720" rIns="91440" bIns="45720" rtlCol="0"/>
+          <a:lstStyle>
+            <a:lvl1pPr algn="r">
+              <a:defRPr sz="1200"/>
+            </a:lvl1pPr>
+          </a:lstStyle>
+          <a:p>
+            <a:fld id="{0E979622-FC95-4062-B0FB-BFF025AB3596}" type="datetimeFigureOut">
+              <a:rPr lang="en-US" smtClean="0"/>
+              <a:t>18-Oct-16</a:t>
+            </a:fld>
+            <a:endParaRPr lang="en-US"/>
+          </a:p>
+        </p:txBody>
+      </p:sp>
+      <p:sp>
+        <p:nvSpPr>
+          <p:cNvPr id="4" name="Slide Image Placeholder 3"/>
+          <p:cNvSpPr>
+            <a:spLocks noGrp="1" noRot="1" noChangeAspect="1"/>
+          </p:cNvSpPr>
+          <p:nvPr>
+            <p:ph type="sldImg" idx="2"/>
+          </p:nvPr>
+        </p:nvSpPr>
+        <p:spPr>
+          <a:xfrm>
+            <a:off x="685800" y="1143000"/>
+            <a:ext cx="5486400" cy="3086100"/>
+          </a:xfrm>
+          <a:prstGeom prst="rect">
+            <a:avLst/>
+          </a:prstGeom>
+          <a:noFill/>
+          <a:ln w="12700">
+            <a:solidFill>
+              <a:prstClr val="black"/>
+            </a:solidFill>
+          </a:ln>
+        </p:spPr>
+        <p:txBody>
+          <a:bodyPr vert="horz" lIns="91440" tIns="45720" rIns="91440" bIns="45720" rtlCol="0" anchor="ctr"/>
+          <a:lstStyle/>
+          <a:p>
+            <a:endParaRPr lang="en-US"/>
+          </a:p>
+        </p:txBody>
+      </p:sp>
+      <p:sp>
+        <p:nvSpPr>
+          <p:cNvPr id="5" name="Notes Placeholder 4"/>
+          <p:cNvSpPr>
+            <a:spLocks noGrp="1"/>
+          </p:cNvSpPr>
+          <p:nvPr>
+            <p:ph type="body" sz="quarter" idx="3"/>
+          </p:nvPr>
+        </p:nvSpPr>
+        <p:spPr>
+          <a:xfrm>
+            <a:off x="685800" y="4400550"/>
+            <a:ext cx="5486400" cy="3600450"/>
+          </a:xfrm>
+          <a:prstGeom prst="rect">
+            <a:avLst/>
+          </a:prstGeom>
+        </p:spPr>
+        <p:txBody>
+          <a:bodyPr vert="horz" lIns="91440" tIns="45720" rIns="91440" bIns="45720" rtlCol="0"/>
+          <a:lstStyle/>
+          <a:p>
+            <a:pPr lvl="0"/>
+            <a:r>
+              <a:rPr lang="en-US"/>
+              <a:t>Edit Master text styles</a:t>
+            </a:r>
+          </a:p>
+          <a:p>
+            <a:pPr lvl="1"/>
+            <a:r>
+              <a:rPr lang="en-US"/>
+              <a:t>Second level</a:t>
+            </a:r>
+          </a:p>
+          <a:p>
+            <a:pPr lvl="2"/>
+            <a:r>
+              <a:rPr lang="en-US"/>
+              <a:t>Third level</a:t>
+            </a:r>
+          </a:p>
+          <a:p>
+            <a:pPr lvl="3"/>
+            <a:r>
+              <a:rPr lang="en-US"/>
+              <a:t>Fourth level</a:t>
+            </a:r>
+          </a:p>
+          <a:p>
+            <a:pPr lvl="4"/>
+            <a:r>
+              <a:rPr lang="en-US"/>
+              <a:t>Fifth level</a:t>
+            </a:r>
+            <a:endParaRPr lang="en-US"/>
+          </a:p>
+        </p:txBody>
+      </p:sp>
+      <p:sp>
+        <p:nvSpPr>
+          <p:cNvPr id="6" name="Footer Placeholder 5"/>
+          <p:cNvSpPr>
+            <a:spLocks noGrp="1"/>
+          </p:cNvSpPr>
+          <p:nvPr>
+            <p:ph type="ftr" sz="quarter" idx="4"/>
+          </p:nvPr>
+        </p:nvSpPr>
+        <p:spPr>
+          <a:xfrm>
+            <a:off x="0" y="8685213"/>
+            <a:ext cx="2971800" cy="458787"/>
+          </a:xfrm>
+          <a:prstGeom prst="rect">
+            <a:avLst/>
+          </a:prstGeom>
+        </p:spPr>
+        <p:txBody>
+          <a:bodyPr vert="horz" lIns="91440" tIns="45720" rIns="91440" bIns="45720" rtlCol="0" anchor="b"/>
+          <a:lstStyle>
+            <a:lvl1pPr algn="l">
+              <a:defRPr sz="1200"/>
+            </a:lvl1pPr>
+          </a:lstStyle>
+          <a:p>
+            <a:endParaRPr lang="en-US"/>
+          </a:p>
+        </p:txBody>
+      </p:sp>
+      <p:sp>
+        <p:nvSpPr>
+          <p:cNvPr id="7" name="Slide Number Placeholder 6"/>
+          <p:cNvSpPr>
+            <a:spLocks noGrp="1"/>
+          </p:cNvSpPr>
+          <p:nvPr>
+            <p:ph type="sldNum" sz="quarter" idx="5"/>
+          </p:nvPr>
+        </p:nvSpPr>
+        <p:spPr>
+          <a:xfrm>
+            <a:off x="3884613" y="8685213"/>
+            <a:ext cx="2971800" cy="458787"/>
+          </a:xfrm>
+          <a:prstGeom prst="rect">
+            <a:avLst/>
+          </a:prstGeom>
+        </p:spPr>
+        <p:txBody>
+          <a:bodyPr vert="horz" lIns="91440" tIns="45720" rIns="91440" bIns="45720" rtlCol="0" anchor="b"/>
+          <a:lstStyle>
+            <a:lvl1pPr algn="r">
+              <a:defRPr sz="1200"/>
+            </a:lvl1pPr>
+          </a:lstStyle>
+          <a:p>
+            <a:fld id="{4A8F653E-C00D-47FE-A241-1FE52C2B9307}" type="slidenum">
+              <a:rPr lang="en-US" smtClean="0"/>
+              <a:t>‹#›</a:t>
+            </a:fld>
+            <a:endParaRPr lang="en-US"/>
+          </a:p>
+        </p:txBody>
+      </p:sp>
+    </p:spTree>
+    <p:extLst>
+      <p:ext uri="{BB962C8B-B14F-4D97-AF65-F5344CB8AC3E}">
+        <p14:creationId xmlns:p14="http://schemas.microsoft.com/office/powerpoint/2010/main" val="1094693689"/>
+      </p:ext>
+    </p:extLst>
+  </p:cSld>
+  <p:clrMap bg1="lt1" tx1="dk1" bg2="lt2" tx2="dk2" accent1="accent1" accent2="accent2" accent3="accent3" accent4="accent4" accent5="accent5" accent6="accent6" hlink="hlink" folHlink="folHlink"/>
+  <p:notesStyle>
+    <a:lvl1pPr marL="0" algn="l" defTabSz="914400" rtl="0" eaLnBrk="1" latinLnBrk="0" hangingPunct="1">
+      <a:defRPr sz="1200" kern="1200">
+        <a:solidFill>
+          <a:schemeClr val="tx1"/>
+        </a:solidFill>
+        <a:latin typeface="+mn-lt"/>
+        <a:ea typeface="+mn-ea"/>
+        <a:cs typeface="+mn-cs"/>
+      </a:defRPr>
+    </a:lvl1pPr>
+    <a:lvl2pPr marL="457200" algn="l" defTabSz="914400" rtl="0" eaLnBrk="1" latinLnBrk="0" hangingPunct="1">
+      <a:defRPr sz="1200" kern="1200">
+        <a:solidFill>
+          <a:schemeClr val="tx1"/>
+        </a:solidFill>
+        <a:latin typeface="+mn-lt"/>
+        <a:ea typeface="+mn-ea"/>
+        <a:cs typeface="+mn-cs"/>
+      </a:defRPr>
+    </a:lvl2pPr>
+    <a:lvl3pPr marL="914400" algn="l" defTabSz="914400" rtl="0" eaLnBrk="1" latinLnBrk="0" hangingPunct="1">
+      <a:defRPr sz="1200" kern="1200">
+        <a:solidFill>
+          <a:schemeClr val="tx1"/>
+        </a:solidFill>
+        <a:latin typeface="+mn-lt"/>
+        <a:ea typeface="+mn-ea"/>
+        <a:cs typeface="+mn-cs"/>
+      </a:defRPr>
+    </a:lvl3pPr>
+    <a:lvl4pPr marL="1371600" algn="l" defTabSz="914400" rtl="0" eaLnBrk="1" latinLnBrk="0" hangingPunct="1">
+      <a:defRPr sz="1200" kern="1200">
+        <a:solidFill>
+          <a:schemeClr val="tx1"/>
+        </a:solidFill>
+        <a:latin typeface="+mn-lt"/>
+        <a:ea typeface="+mn-ea"/>
+        <a:cs typeface="+mn-cs"/>
+      </a:defRPr>
+    </a:lvl4pPr>
+    <a:lvl5pPr marL="1828800" algn="l" defTabSz="914400" rtl="0" eaLnBrk="1" latinLnBrk="0" hangingPunct="1">
+      <a:defRPr sz="1200" kern="1200">
+        <a:solidFill>
+          <a:schemeClr val="tx1"/>
+        </a:solidFill>
+        <a:latin typeface="+mn-lt"/>
+        <a:ea typeface="+mn-ea"/>
+        <a:cs typeface="+mn-cs"/>
+      </a:defRPr>
+    </a:lvl5pPr>
+    <a:lvl6pPr marL="2286000" algn="l" defTabSz="914400" rtl="0" eaLnBrk="1" latinLnBrk="0" hangingPunct="1">
+      <a:defRPr sz="1200" kern="1200">
+        <a:solidFill>
+          <a:schemeClr val="tx1"/>
+        </a:solidFill>
+        <a:latin typeface="+mn-lt"/>
+        <a:ea typeface="+mn-ea"/>
+        <a:cs typeface="+mn-cs"/>
+      </a:defRPr>
+    </a:lvl6pPr>
+    <a:lvl7pPr marL="2743200" algn="l" defTabSz="914400" rtl="0" eaLnBrk="1" latinLnBrk="0" hangingPunct="1">
+      <a:defRPr sz="1200" kern="1200">
+        <a:solidFill>
+          <a:schemeClr val="tx1"/>
+        </a:solidFill>
+        <a:latin typeface="+mn-lt"/>
+        <a:ea typeface="+mn-ea"/>
+        <a:cs typeface="+mn-cs"/>
+      </a:defRPr>
+    </a:lvl7pPr>
+    <a:lvl8pPr marL="3200400" algn="l" defTabSz="914400" rtl="0" eaLnBrk="1" latinLnBrk="0" hangingPunct="1">
+      <a:defRPr sz="1200" kern="1200">
+        <a:solidFill>
+          <a:schemeClr val="tx1"/>
+        </a:solidFill>
+        <a:latin typeface="+mn-lt"/>
+        <a:ea typeface="+mn-ea"/>
+        <a:cs typeface="+mn-cs"/>
+      </a:defRPr>
+    </a:lvl8pPr>
+    <a:lvl9pPr marL="3657600" algn="l" defTabSz="914400" rtl="0" eaLnBrk="1" latinLnBrk="0" hangingPunct="1">
+      <a:defRPr sz="1200" kern="1200">
+        <a:solidFill>
+          <a:schemeClr val="tx1"/>
+        </a:solidFill>
+        <a:latin typeface="+mn-lt"/>
+        <a:ea typeface="+mn-ea"/>
+        <a:cs typeface="+mn-cs"/>
+      </a:defRPr>
+    </a:lvl9pPr>
+  </p:notesStyle>
+</p:notesMaster>
+</file>
+
+<file path=ppt/notesSlides/notesSlide1.xml><?xml version="1.0" encoding="utf-8"?>
+<p:notes xmlns:a="http://schemas.openxmlformats.org/drawingml/2006/main" xmlns:r="http://schemas.openxmlformats.org/officeDocument/2006/relationships" xmlns:p="http://schemas.openxmlformats.org/presentationml/2006/main">
+  <p:cSld>
+    <p:spTree>
+      <p:nvGrpSpPr>
+        <p:cNvPr id="1" name=""/>
+        <p:cNvGrpSpPr/>
+        <p:nvPr/>
+      </p:nvGrpSpPr>
+      <p:grpSpPr>
+        <a:xfrm>
+          <a:off x="0" y="0"/>
+          <a:ext cx="0" cy="0"/>
+          <a:chOff x="0" y="0"/>
+          <a:chExt cx="0" cy="0"/>
+        </a:xfrm>
+      </p:grpSpPr>
+      <p:sp>
+        <p:nvSpPr>
+          <p:cNvPr id="2" name="Slide Image Placeholder 1"/>
+          <p:cNvSpPr>
+            <a:spLocks noGrp="1" noRot="1" noChangeAspect="1"/>
+          </p:cNvSpPr>
+          <p:nvPr>
+            <p:ph type="sldImg"/>
+          </p:nvPr>
+        </p:nvSpPr>
+        <p:spPr/>
+      </p:sp>
+      <p:sp>
+        <p:nvSpPr>
+          <p:cNvPr id="3" name="Notes Placeholder 2"/>
+          <p:cNvSpPr>
+            <a:spLocks noGrp="1"/>
+          </p:cNvSpPr>
+          <p:nvPr>
+            <p:ph type="body" idx="1"/>
+          </p:nvPr>
+        </p:nvSpPr>
+        <p:spPr/>
+        <p:txBody>
+          <a:bodyPr/>
+          <a:lstStyle/>
+          <a:p>
+            <a:r>
+              <a:rPr lang="en-US" dirty="0"/>
+              <a:t>Teenagers</a:t>
+            </a:r>
+            <a:r>
+              <a:rPr lang="en-US" baseline="0" dirty="0"/>
+              <a:t> and Kids:</a:t>
+            </a:r>
+          </a:p>
+          <a:p>
+            <a:pPr marL="171450" indent="-171450">
+              <a:buFontTx/>
+              <a:buChar char="-"/>
+            </a:pPr>
+            <a:r>
+              <a:rPr lang="en-US" baseline="0" dirty="0"/>
+              <a:t>historical theme of sorting books and learning history ++</a:t>
+            </a:r>
+          </a:p>
+          <a:p>
+            <a:pPr marL="171450" indent="-171450">
+              <a:buFontTx/>
+              <a:buChar char="-"/>
+            </a:pPr>
+            <a:r>
+              <a:rPr lang="en-US" baseline="0" dirty="0"/>
+              <a:t>Educational theme can be appealing to students and kids</a:t>
+            </a:r>
+          </a:p>
+          <a:p>
+            <a:pPr marL="171450" indent="-171450">
+              <a:buFontTx/>
+              <a:buChar char="-"/>
+            </a:pPr>
+            <a:endParaRPr lang="en-US" baseline="0" dirty="0"/>
+          </a:p>
+          <a:p>
+            <a:pPr marL="0" indent="0">
+              <a:buFontTx/>
+              <a:buNone/>
+            </a:pPr>
+            <a:r>
+              <a:rPr lang="en-US" baseline="0" dirty="0"/>
+              <a:t>Young Adults &amp; Teenagers:</a:t>
+            </a:r>
+          </a:p>
+          <a:p>
+            <a:pPr marL="171450" indent="-171450">
+              <a:buFontTx/>
+              <a:buChar char="-"/>
+            </a:pPr>
+            <a:r>
+              <a:rPr lang="en-US" baseline="0" dirty="0"/>
+              <a:t>Majority of mobile players ++</a:t>
+            </a:r>
+          </a:p>
+          <a:p>
+            <a:pPr marL="171450" indent="-171450">
+              <a:buFontTx/>
+              <a:buChar char="-"/>
+            </a:pPr>
+            <a:r>
+              <a:rPr lang="en-US" baseline="0" dirty="0"/>
+              <a:t>They will find the theme of history interesting</a:t>
+            </a:r>
+          </a:p>
+          <a:p>
+            <a:pPr marL="171450" indent="-171450">
+              <a:buFontTx/>
+              <a:buChar char="-"/>
+            </a:pPr>
+            <a:r>
+              <a:rPr lang="en-US" dirty="0"/>
+              <a:t>Puzzle games go well</a:t>
+            </a:r>
+            <a:r>
+              <a:rPr lang="en-US" baseline="0" dirty="0"/>
+              <a:t> with mobile games, as they are easy to play on </a:t>
+            </a:r>
+            <a:r>
+              <a:rPr lang="en-US" baseline="0"/>
+              <a:t>mobile platforms</a:t>
+            </a:r>
+            <a:endParaRPr lang="en-US" dirty="0"/>
+          </a:p>
+        </p:txBody>
+      </p:sp>
+      <p:sp>
+        <p:nvSpPr>
+          <p:cNvPr id="4" name="Slide Number Placeholder 3"/>
+          <p:cNvSpPr>
+            <a:spLocks noGrp="1"/>
+          </p:cNvSpPr>
+          <p:nvPr>
+            <p:ph type="sldNum" sz="quarter" idx="10"/>
+          </p:nvPr>
+        </p:nvSpPr>
+        <p:spPr/>
+        <p:txBody>
+          <a:bodyPr/>
+          <a:lstStyle/>
+          <a:p>
+            <a:fld id="{4A8F653E-C00D-47FE-A241-1FE52C2B9307}" type="slidenum">
+              <a:rPr lang="en-US" smtClean="0"/>
+              <a:t>3</a:t>
+            </a:fld>
+            <a:endParaRPr lang="en-US"/>
+          </a:p>
+        </p:txBody>
+      </p:sp>
+    </p:spTree>
+    <p:extLst>
+      <p:ext uri="{BB962C8B-B14F-4D97-AF65-F5344CB8AC3E}">
+        <p14:creationId xmlns:p14="http://schemas.microsoft.com/office/powerpoint/2010/main" val="1389064531"/>
+      </p:ext>
+    </p:extLst>
+  </p:cSld>
+  <p:clrMapOvr>
+    <a:masterClrMapping/>
+  </p:clrMapOvr>
+</p:notes>
 </file>
 
 <file path=ppt/slideLayouts/slideLayout1.xml><?xml version="1.0" encoding="utf-8"?>
@@ -6106,8 +6626,35 @@
           <a:lstStyle/>
           <a:p>
             <a:r>
+              <a:rPr lang="en-GB" b="1" dirty="0"/>
+              <a:t>Teenagers &amp; Kids will find the historical theme interesting.</a:t>
+            </a:r>
+          </a:p>
+          <a:p>
+            <a:pPr marL="0" indent="0">
+              <a:buNone/>
+            </a:pPr>
+            <a:r>
               <a:rPr lang="en-GB" dirty="0"/>
-              <a:t>Young Adults/Teenagers/Kids</a:t>
+              <a:t>Young Adults and Teenagers will be interested in the historical and educational theme of sorting books chronologically.</a:t>
+            </a:r>
+          </a:p>
+          <a:p>
+            <a:endParaRPr lang="en-GB" dirty="0"/>
+          </a:p>
+          <a:p>
+            <a:r>
+              <a:rPr lang="en-GB" b="1" dirty="0"/>
+              <a:t>Young Adults &amp; Teenagers will like the puzzle genre of the game.</a:t>
+            </a:r>
+          </a:p>
+          <a:p>
+            <a:pPr marL="0" indent="0">
+              <a:buNone/>
+            </a:pPr>
+            <a:r>
+              <a:rPr lang="en-GB" dirty="0"/>
+              <a:t>Teenagers and Young Adults are the majority of mobile players. Puzzle games go well with mobile games.</a:t>
             </a:r>
           </a:p>
         </p:txBody>
@@ -6918,4 +7465,299 @@
     </a:ext>
   </a:extLst>
 </a:theme>
+</file>
+
+<file path=ppt/theme/theme2.xml><?xml version="1.0" encoding="utf-8"?>
+<a:theme xmlns:a="http://schemas.openxmlformats.org/drawingml/2006/main" name="Office Theme">
+  <a:themeElements>
+    <a:clrScheme name="Office">
+      <a:dk1>
+        <a:sysClr val="windowText" lastClr="000000"/>
+      </a:dk1>
+      <a:lt1>
+        <a:sysClr val="window" lastClr="FFFFFF"/>
+      </a:lt1>
+      <a:dk2>
+        <a:srgbClr val="44546A"/>
+      </a:dk2>
+      <a:lt2>
+        <a:srgbClr val="E7E6E6"/>
+      </a:lt2>
+      <a:accent1>
+        <a:srgbClr val="5B9BD5"/>
+      </a:accent1>
+      <a:accent2>
+        <a:srgbClr val="ED7D31"/>
+      </a:accent2>
+      <a:accent3>
+        <a:srgbClr val="A5A5A5"/>
+      </a:accent3>
+      <a:accent4>
+        <a:srgbClr val="FFC000"/>
+      </a:accent4>
+      <a:accent5>
+        <a:srgbClr val="4472C4"/>
+      </a:accent5>
+      <a:accent6>
+        <a:srgbClr val="70AD47"/>
+      </a:accent6>
+      <a:hlink>
+        <a:srgbClr val="0563C1"/>
+      </a:hlink>
+      <a:folHlink>
+        <a:srgbClr val="954F72"/>
+      </a:folHlink>
+    </a:clrScheme>
+    <a:fontScheme name="Office">
+      <a:majorFont>
+        <a:latin typeface="Calibri Light" panose="020F0302020204030204"/>
+        <a:ea typeface=""/>
+        <a:cs typeface=""/>
+        <a:font script="Jpan" typeface="游ゴシック Light"/>
+        <a:font script="Hang" typeface="맑은 고딕"/>
+        <a:font script="Hans" typeface="等线 Light"/>
+        <a:font script="Hant" typeface="新細明體"/>
+        <a:font script="Arab" typeface="Times New Roman"/>
+        <a:font script="Hebr" typeface="Times New Roman"/>
+        <a:font script="Thai" typeface="Angsana New"/>
+        <a:font script="Ethi" typeface="Nyala"/>
+        <a:font script="Beng" typeface="Vrinda"/>
+        <a:font script="Gujr" typeface="Shruti"/>
+        <a:font script="Khmr" typeface="MoolBoran"/>
+        <a:font script="Knda" typeface="Tunga"/>
+        <a:font script="Guru" typeface="Raavi"/>
+        <a:font script="Cans" typeface="Euphemia"/>
+        <a:font script="Cher" typeface="Plantagenet Cherokee"/>
+        <a:font script="Yiii" typeface="Microsoft Yi Baiti"/>
+        <a:font script="Tibt" typeface="Microsoft Himalaya"/>
+        <a:font script="Thaa" typeface="MV Boli"/>
+        <a:font script="Deva" typeface="Mangal"/>
+        <a:font script="Telu" typeface="Gautami"/>
+        <a:font script="Taml" typeface="Latha"/>
+        <a:font script="Syrc" typeface="Estrangelo Edessa"/>
+        <a:font script="Orya" typeface="Kalinga"/>
+        <a:font script="Mlym" typeface="Kartika"/>
+        <a:font script="Laoo" typeface="DokChampa"/>
+        <a:font script="Sinh" typeface="Iskoola Pota"/>
+        <a:font script="Mong" typeface="Mongolian Baiti"/>
+        <a:font script="Viet" typeface="Times New Roman"/>
+        <a:font script="Uigh" typeface="Microsoft Uighur"/>
+        <a:font script="Geor" typeface="Sylfaen"/>
+        <a:font script="Armn" typeface="Arial"/>
+        <a:font script="Bugi" typeface="Leelawadee UI"/>
+        <a:font script="Bopo" typeface="Microsoft JhengHei"/>
+        <a:font script="Java" typeface="Javanese Text"/>
+        <a:font script="Lisu" typeface="Segoe UI"/>
+        <a:font script="Mymr" typeface="Myanmar Text"/>
+        <a:font script="Nkoo" typeface="Ebrima"/>
+        <a:font script="Olck" typeface="Nirmala UI"/>
+        <a:font script="Osma" typeface="Ebrima"/>
+        <a:font script="Phag" typeface="Phagspa"/>
+        <a:font script="Syrn" typeface="Estrangelo Edessa"/>
+        <a:font script="Syrj" typeface="Estrangelo Edessa"/>
+        <a:font script="Syre" typeface="Estrangelo Edessa"/>
+        <a:font script="Sora" typeface="Nirmala UI"/>
+        <a:font script="Tale" typeface="Microsoft Tai Le"/>
+        <a:font script="Talu" typeface="Microsoft New Tai Lue"/>
+        <a:font script="Tfng" typeface="Ebrima"/>
+      </a:majorFont>
+      <a:minorFont>
+        <a:latin typeface="Calibri" panose="020F0502020204030204"/>
+        <a:ea typeface=""/>
+        <a:cs typeface=""/>
+        <a:font script="Jpan" typeface="游ゴシック"/>
+        <a:font script="Hang" typeface="맑은 고딕"/>
+        <a:font script="Hans" typeface="等线"/>
+        <a:font script="Hant" typeface="新細明體"/>
+        <a:font script="Arab" typeface="Arial"/>
+        <a:font script="Hebr" typeface="Arial"/>
+        <a:font script="Thai" typeface="Cordia New"/>
+        <a:font script="Ethi" typeface="Nyala"/>
+        <a:font script="Beng" typeface="Vrinda"/>
+        <a:font script="Gujr" typeface="Shruti"/>
+        <a:font script="Khmr" typeface="DaunPenh"/>
+        <a:font script="Knda" typeface="Tunga"/>
+        <a:font script="Guru" typeface="Raavi"/>
+        <a:font script="Cans" typeface="Euphemia"/>
+        <a:font script="Cher" typeface="Plantagenet Cherokee"/>
+        <a:font script="Yiii" typeface="Microsoft Yi Baiti"/>
+        <a:font script="Tibt" typeface="Microsoft Himalaya"/>
+        <a:font script="Thaa" typeface="MV Boli"/>
+        <a:font script="Deva" typeface="Mangal"/>
+        <a:font script="Telu" typeface="Gautami"/>
+        <a:font script="Taml" typeface="Latha"/>
+        <a:font script="Syrc" typeface="Estrangelo Edessa"/>
+        <a:font script="Orya" typeface="Kalinga"/>
+        <a:font script="Mlym" typeface="Kartika"/>
+        <a:font script="Laoo" typeface="DokChampa"/>
+        <a:font script="Sinh" typeface="Iskoola Pota"/>
+        <a:font script="Mong" typeface="Mongolian Baiti"/>
+        <a:font script="Viet" typeface="Arial"/>
+        <a:font script="Uigh" typeface="Microsoft Uighur"/>
+        <a:font script="Geor" typeface="Sylfaen"/>
+        <a:font script="Armn" typeface="Arial"/>
+        <a:font script="Bugi" typeface="Leelawadee UI"/>
+        <a:font script="Bopo" typeface="Microsoft JhengHei"/>
+        <a:font script="Java" typeface="Javanese Text"/>
+        <a:font script="Lisu" typeface="Segoe UI"/>
+        <a:font script="Mymr" typeface="Myanmar Text"/>
+        <a:font script="Nkoo" typeface="Ebrima"/>
+        <a:font script="Olck" typeface="Nirmala UI"/>
+        <a:font script="Osma" typeface="Ebrima"/>
+        <a:font script="Phag" typeface="Phagspa"/>
+        <a:font script="Syrn" typeface="Estrangelo Edessa"/>
+        <a:font script="Syrj" typeface="Estrangelo Edessa"/>
+        <a:font script="Syre" typeface="Estrangelo Edessa"/>
+        <a:font script="Sora" typeface="Nirmala UI"/>
+        <a:font script="Tale" typeface="Microsoft Tai Le"/>
+        <a:font script="Talu" typeface="Microsoft New Tai Lue"/>
+        <a:font script="Tfng" typeface="Ebrima"/>
+      </a:minorFont>
+    </a:fontScheme>
+    <a:fmtScheme name="Office">
+      <a:fillStyleLst>
+        <a:solidFill>
+          <a:schemeClr val="phClr"/>
+        </a:solidFill>
+        <a:gradFill rotWithShape="1">
+          <a:gsLst>
+            <a:gs pos="0">
+              <a:schemeClr val="phClr">
+                <a:lumMod val="110000"/>
+                <a:satMod val="105000"/>
+                <a:tint val="67000"/>
+              </a:schemeClr>
+            </a:gs>
+            <a:gs pos="50000">
+              <a:schemeClr val="phClr">
+                <a:lumMod val="105000"/>
+                <a:satMod val="103000"/>
+                <a:tint val="73000"/>
+              </a:schemeClr>
+            </a:gs>
+            <a:gs pos="100000">
+              <a:schemeClr val="phClr">
+                <a:lumMod val="105000"/>
+                <a:satMod val="109000"/>
+                <a:tint val="81000"/>
+              </a:schemeClr>
+            </a:gs>
+          </a:gsLst>
+          <a:lin ang="5400000" scaled="0"/>
+        </a:gradFill>
+        <a:gradFill rotWithShape="1">
+          <a:gsLst>
+            <a:gs pos="0">
+              <a:schemeClr val="phClr">
+                <a:satMod val="103000"/>
+                <a:lumMod val="102000"/>
+                <a:tint val="94000"/>
+              </a:schemeClr>
+            </a:gs>
+            <a:gs pos="50000">
+              <a:schemeClr val="phClr">
+                <a:satMod val="110000"/>
+                <a:lumMod val="100000"/>
+                <a:shade val="100000"/>
+              </a:schemeClr>
+            </a:gs>
+            <a:gs pos="100000">
+              <a:schemeClr val="phClr">
+                <a:lumMod val="99000"/>
+                <a:satMod val="120000"/>
+                <a:shade val="78000"/>
+              </a:schemeClr>
+            </a:gs>
+          </a:gsLst>
+          <a:lin ang="5400000" scaled="0"/>
+        </a:gradFill>
+      </a:fillStyleLst>
+      <a:lnStyleLst>
+        <a:ln w="6350" cap="flat" cmpd="sng" algn="ctr">
+          <a:solidFill>
+            <a:schemeClr val="phClr"/>
+          </a:solidFill>
+          <a:prstDash val="solid"/>
+          <a:miter lim="800000"/>
+        </a:ln>
+        <a:ln w="12700" cap="flat" cmpd="sng" algn="ctr">
+          <a:solidFill>
+            <a:schemeClr val="phClr"/>
+          </a:solidFill>
+          <a:prstDash val="solid"/>
+          <a:miter lim="800000"/>
+        </a:ln>
+        <a:ln w="19050" cap="flat" cmpd="sng" algn="ctr">
+          <a:solidFill>
+            <a:schemeClr val="phClr"/>
+          </a:solidFill>
+          <a:prstDash val="solid"/>
+          <a:miter lim="800000"/>
+        </a:ln>
+      </a:lnStyleLst>
+      <a:effectStyleLst>
+        <a:effectStyle>
+          <a:effectLst/>
+        </a:effectStyle>
+        <a:effectStyle>
+          <a:effectLst/>
+        </a:effectStyle>
+        <a:effectStyle>
+          <a:effectLst>
+            <a:outerShdw blurRad="57150" dist="19050" dir="5400000" algn="ctr" rotWithShape="0">
+              <a:srgbClr val="000000">
+                <a:alpha val="63000"/>
+              </a:srgbClr>
+            </a:outerShdw>
+          </a:effectLst>
+        </a:effectStyle>
+      </a:effectStyleLst>
+      <a:bgFillStyleLst>
+        <a:solidFill>
+          <a:schemeClr val="phClr"/>
+        </a:solidFill>
+        <a:solidFill>
+          <a:schemeClr val="phClr">
+            <a:tint val="95000"/>
+            <a:satMod val="170000"/>
+          </a:schemeClr>
+        </a:solidFill>
+        <a:gradFill rotWithShape="1">
+          <a:gsLst>
+            <a:gs pos="0">
+              <a:schemeClr val="phClr">
+                <a:tint val="93000"/>
+                <a:satMod val="150000"/>
+                <a:shade val="98000"/>
+                <a:lumMod val="102000"/>
+              </a:schemeClr>
+            </a:gs>
+            <a:gs pos="50000">
+              <a:schemeClr val="phClr">
+                <a:tint val="98000"/>
+                <a:satMod val="130000"/>
+                <a:shade val="90000"/>
+                <a:lumMod val="103000"/>
+              </a:schemeClr>
+            </a:gs>
+            <a:gs pos="100000">
+              <a:schemeClr val="phClr">
+                <a:shade val="63000"/>
+                <a:satMod val="120000"/>
+              </a:schemeClr>
+            </a:gs>
+          </a:gsLst>
+          <a:lin ang="5400000" scaled="0"/>
+        </a:gradFill>
+      </a:bgFillStyleLst>
+    </a:fmtScheme>
+  </a:themeElements>
+  <a:objectDefaults/>
+  <a:extraClrSchemeLst/>
+  <a:extLst>
+    <a:ext uri="{05A4C25C-085E-4340-85A3-A5531E510DB2}">
+      <thm15:themeFamily xmlns:thm15="http://schemas.microsoft.com/office/thememl/2012/main" name="Office Theme" id="{62F939B6-93AF-4DB8-9C6B-D6C7DFDC589F}" vid="{4A3C46E8-61CC-4603-A589-7422A47A8E4A}"/>
+    </a:ext>
+  </a:extLst>
+</a:theme>
 </file>
--- a/Group 14.pptx
+++ b/Group 14.pptx
@@ -215,7 +215,7 @@
           <a:p>
             <a:fld id="{0E979622-FC95-4062-B0FB-BFF025AB3596}" type="datetimeFigureOut">
               <a:rPr lang="en-US" smtClean="0"/>
-              <a:t>18-Oct-16</a:t>
+              <a:t>10/18/2016</a:t>
             </a:fld>
             <a:endParaRPr lang="en-US"/>
           </a:p>
@@ -310,7 +310,6 @@
               <a:rPr lang="en-US"/>
               <a:t>Fifth level</a:t>
             </a:r>
-            <a:endParaRPr lang="en-US"/>
           </a:p>
         </p:txBody>
       </p:sp>
@@ -6541,15 +6540,16 @@
           <a:bodyPr/>
           <a:lstStyle/>
           <a:p>
+            <a:pPr marL="0" indent="0">
+              <a:buNone/>
+            </a:pPr>
+            <a:endParaRPr lang="en-GB" dirty="0"/>
+          </a:p>
+          <a:p>
             <a:r>
               <a:rPr lang="en-GB" dirty="0"/>
-              <a:t>A librarian, a bookshop in space, alien bookworms trying to destroy history, Kill worms to </a:t>
-            </a:r>
-            <a:r>
-              <a:rPr lang="en-GB"/>
-              <a:t>save earth.</a:t>
-            </a:r>
-            <a:endParaRPr lang="en-GB" dirty="0"/>
+              <a:t>The history of earth is at risk when book mites that consume history invade a bookshop on the moon</a:t>
+            </a:r>
           </a:p>
         </p:txBody>
       </p:sp>
@@ -6861,15 +6861,27 @@
             </a:r>
           </a:p>
           <a:p>
+            <a:pPr marL="0" indent="0">
+              <a:buNone/>
+            </a:pPr>
+            <a:endParaRPr lang="en-GB" dirty="0"/>
+          </a:p>
+          <a:p>
             <a:r>
               <a:rPr lang="en-GB" dirty="0"/>
-              <a:t>Player will sort books in chronological order and size</a:t>
-            </a:r>
+              <a:t>Player will have to stack the books in such a way that there are no gaps in  order to trigger the secret doors that lead to the most important books in history</a:t>
+            </a:r>
+          </a:p>
+          <a:p>
+            <a:pPr marL="0" indent="0">
+              <a:buNone/>
+            </a:pPr>
+            <a:endParaRPr lang="en-GB" dirty="0"/>
           </a:p>
           <a:p>
             <a:r>
               <a:rPr lang="en-GB" dirty="0"/>
-              <a:t>The player will also shoot enemies/ worms with lasers</a:t>
+              <a:t>The player will also shoot mites/ worms with lasers to protect the books</a:t>
             </a:r>
           </a:p>
           <a:p>

--- a/Group 14.pptx
+++ b/Group 14.pptx
@@ -640,6 +640,90 @@
     <p:extLst>
       <p:ext uri="{BB962C8B-B14F-4D97-AF65-F5344CB8AC3E}">
         <p14:creationId xmlns:p14="http://schemas.microsoft.com/office/powerpoint/2010/main" val="1389064531"/>
+      </p:ext>
+    </p:extLst>
+  </p:cSld>
+  <p:clrMapOvr>
+    <a:masterClrMapping/>
+  </p:clrMapOvr>
+</p:notes>
+</file>
+
+<file path=ppt/notesSlides/notesSlide2.xml><?xml version="1.0" encoding="utf-8"?>
+<p:notes xmlns:a="http://schemas.openxmlformats.org/drawingml/2006/main" xmlns:r="http://schemas.openxmlformats.org/officeDocument/2006/relationships" xmlns:p="http://schemas.openxmlformats.org/presentationml/2006/main">
+  <p:cSld>
+    <p:spTree>
+      <p:nvGrpSpPr>
+        <p:cNvPr id="1" name=""/>
+        <p:cNvGrpSpPr/>
+        <p:nvPr/>
+      </p:nvGrpSpPr>
+      <p:grpSpPr>
+        <a:xfrm>
+          <a:off x="0" y="0"/>
+          <a:ext cx="0" cy="0"/>
+          <a:chOff x="0" y="0"/>
+          <a:chExt cx="0" cy="0"/>
+        </a:xfrm>
+      </p:grpSpPr>
+      <p:sp>
+        <p:nvSpPr>
+          <p:cNvPr id="2" name="Slide Image Placeholder 1"/>
+          <p:cNvSpPr>
+            <a:spLocks noGrp="1" noRot="1" noChangeAspect="1"/>
+          </p:cNvSpPr>
+          <p:nvPr>
+            <p:ph type="sldImg"/>
+          </p:nvPr>
+        </p:nvSpPr>
+        <p:spPr/>
+      </p:sp>
+      <p:sp>
+        <p:nvSpPr>
+          <p:cNvPr id="3" name="Notes Placeholder 2"/>
+          <p:cNvSpPr>
+            <a:spLocks noGrp="1"/>
+          </p:cNvSpPr>
+          <p:nvPr>
+            <p:ph type="body" idx="1"/>
+          </p:nvPr>
+        </p:nvSpPr>
+        <p:spPr/>
+        <p:txBody>
+          <a:bodyPr/>
+          <a:lstStyle/>
+          <a:p>
+            <a:endParaRPr lang="en-GB" dirty="0"/>
+          </a:p>
+        </p:txBody>
+      </p:sp>
+      <p:sp>
+        <p:nvSpPr>
+          <p:cNvPr id="4" name="Slide Number Placeholder 3"/>
+          <p:cNvSpPr>
+            <a:spLocks noGrp="1"/>
+          </p:cNvSpPr>
+          <p:nvPr>
+            <p:ph type="sldNum" sz="quarter" idx="10"/>
+          </p:nvPr>
+        </p:nvSpPr>
+        <p:spPr/>
+        <p:txBody>
+          <a:bodyPr/>
+          <a:lstStyle/>
+          <a:p>
+            <a:fld id="{4A8F653E-C00D-47FE-A241-1FE52C2B9307}" type="slidenum">
+              <a:rPr lang="en-US" smtClean="0"/>
+              <a:t>7</a:t>
+            </a:fld>
+            <a:endParaRPr lang="en-US"/>
+          </a:p>
+        </p:txBody>
+      </p:sp>
+    </p:spTree>
+    <p:extLst>
+      <p:ext uri="{BB962C8B-B14F-4D97-AF65-F5344CB8AC3E}">
+        <p14:creationId xmlns:p14="http://schemas.microsoft.com/office/powerpoint/2010/main" val="3455208772"/>
       </p:ext>
     </p:extLst>
   </p:cSld>
@@ -6935,28 +7019,783 @@
           <a:lstStyle/>
           <a:p>
             <a:r>
+              <a:rPr lang="en-GB" smtClean="0"/>
+              <a:t>Moodboard </a:t>
+            </a:r>
+            <a:r>
               <a:rPr lang="en-GB" dirty="0"/>
-              <a:t>Moodboards Tom</a:t>
-            </a:r>
-          </a:p>
-        </p:txBody>
-      </p:sp>
-      <p:sp>
-        <p:nvSpPr>
-          <p:cNvPr id="3" name="Content Placeholder 2"/>
-          <p:cNvSpPr>
-            <a:spLocks noGrp="1"/>
-          </p:cNvSpPr>
-          <p:nvPr>
-            <p:ph idx="1"/>
-          </p:nvPr>
-        </p:nvSpPr>
-        <p:spPr/>
-        <p:txBody>
-          <a:bodyPr/>
-          <a:lstStyle/>
-          <a:p>
-            <a:endParaRPr lang="en-GB"/>
+              <a:t>Tom</a:t>
+            </a:r>
+          </a:p>
+        </p:txBody>
+      </p:sp>
+      <p:pic>
+        <p:nvPicPr>
+          <p:cNvPr id="4" name="Picture 15" descr="Image result for winston worm"/>
+          <p:cNvPicPr>
+            <a:picLocks noChangeAspect="1" noChangeArrowheads="1"/>
+          </p:cNvPicPr>
+          <p:nvPr/>
+        </p:nvPicPr>
+        <p:blipFill>
+          <a:blip r:embed="rId2">
+            <a:extLst>
+              <a:ext uri="{28A0092B-C50C-407E-A947-70E740481C1C}">
+                <a14:useLocalDpi xmlns:a14="http://schemas.microsoft.com/office/drawing/2010/main" val="0"/>
+              </a:ext>
+            </a:extLst>
+          </a:blip>
+          <a:srcRect t="14697" b="15849"/>
+          <a:stretch>
+            <a:fillRect/>
+          </a:stretch>
+        </p:blipFill>
+        <p:spPr bwMode="auto">
+          <a:xfrm>
+            <a:off x="636419" y="3781424"/>
+            <a:ext cx="1749426" cy="1614488"/>
+          </a:xfrm>
+          <a:prstGeom prst="rect">
+            <a:avLst/>
+          </a:prstGeom>
+          <a:noFill/>
+          <a:extLst>
+            <a:ext uri="{909E8E84-426E-40DD-AFC4-6F175D3DCCD1}">
+              <a14:hiddenFill xmlns:a14="http://schemas.microsoft.com/office/drawing/2010/main">
+                <a:solidFill>
+                  <a:srgbClr val="FFFFFF"/>
+                </a:solidFill>
+              </a14:hiddenFill>
+            </a:ext>
+          </a:extLst>
+        </p:spPr>
+      </p:pic>
+      <p:pic>
+        <p:nvPicPr>
+          <p:cNvPr id="5" name="Picture 8" descr="Image result for world globe puzzle"/>
+          <p:cNvPicPr>
+            <a:picLocks noChangeAspect="1" noChangeArrowheads="1"/>
+          </p:cNvPicPr>
+          <p:nvPr/>
+        </p:nvPicPr>
+        <p:blipFill>
+          <a:blip r:embed="rId3">
+            <a:extLst>
+              <a:ext uri="{28A0092B-C50C-407E-A947-70E740481C1C}">
+                <a14:useLocalDpi xmlns:a14="http://schemas.microsoft.com/office/drawing/2010/main" val="0"/>
+              </a:ext>
+            </a:extLst>
+          </a:blip>
+          <a:srcRect/>
+          <a:stretch>
+            <a:fillRect/>
+          </a:stretch>
+        </p:blipFill>
+        <p:spPr bwMode="auto">
+          <a:xfrm>
+            <a:off x="3395495" y="1356751"/>
+            <a:ext cx="1400175" cy="1400175"/>
+          </a:xfrm>
+          <a:prstGeom prst="rect">
+            <a:avLst/>
+          </a:prstGeom>
+          <a:noFill/>
+          <a:extLst>
+            <a:ext uri="{909E8E84-426E-40DD-AFC4-6F175D3DCCD1}">
+              <a14:hiddenFill xmlns:a14="http://schemas.microsoft.com/office/drawing/2010/main">
+                <a:solidFill>
+                  <a:srgbClr val="FFFFFF"/>
+                </a:solidFill>
+              </a14:hiddenFill>
+            </a:ext>
+          </a:extLst>
+        </p:spPr>
+      </p:pic>
+      <p:pic>
+        <p:nvPicPr>
+          <p:cNvPr id="6" name="Picture 11" descr="Image result for films not in chronological order"/>
+          <p:cNvPicPr>
+            <a:picLocks noChangeAspect="1" noChangeArrowheads="1"/>
+          </p:cNvPicPr>
+          <p:nvPr/>
+        </p:nvPicPr>
+        <p:blipFill>
+          <a:blip r:embed="rId4" cstate="print">
+            <a:extLst>
+              <a:ext uri="{28A0092B-C50C-407E-A947-70E740481C1C}">
+                <a14:useLocalDpi xmlns:a14="http://schemas.microsoft.com/office/drawing/2010/main" val="0"/>
+              </a:ext>
+            </a:extLst>
+          </a:blip>
+          <a:srcRect/>
+          <a:stretch>
+            <a:fillRect/>
+          </a:stretch>
+        </p:blipFill>
+        <p:spPr bwMode="auto">
+          <a:xfrm>
+            <a:off x="6906244" y="1356852"/>
+            <a:ext cx="2482850" cy="1570038"/>
+          </a:xfrm>
+          <a:prstGeom prst="rect">
+            <a:avLst/>
+          </a:prstGeom>
+          <a:noFill/>
+          <a:extLst>
+            <a:ext uri="{909E8E84-426E-40DD-AFC4-6F175D3DCCD1}">
+              <a14:hiddenFill xmlns:a14="http://schemas.microsoft.com/office/drawing/2010/main">
+                <a:solidFill>
+                  <a:srgbClr val="FFFFFF"/>
+                </a:solidFill>
+              </a14:hiddenFill>
+            </a:ext>
+          </a:extLst>
+        </p:spPr>
+      </p:pic>
+      <p:sp>
+        <p:nvSpPr>
+          <p:cNvPr id="7" name="Text Box 12"/>
+          <p:cNvSpPr txBox="1">
+            <a:spLocks noChangeArrowheads="1"/>
+          </p:cNvSpPr>
+          <p:nvPr/>
+        </p:nvSpPr>
+        <p:spPr bwMode="auto">
+          <a:xfrm>
+            <a:off x="3629108" y="3017001"/>
+            <a:ext cx="2574925" cy="307777"/>
+          </a:xfrm>
+          <a:prstGeom prst="rect">
+            <a:avLst/>
+          </a:prstGeom>
+          <a:solidFill>
+            <a:srgbClr val="FFFFFF"/>
+          </a:solidFill>
+          <a:ln w="9525">
+            <a:solidFill>
+              <a:srgbClr val="000000"/>
+            </a:solidFill>
+            <a:miter lim="800000"/>
+            <a:headEnd/>
+            <a:tailEnd/>
+          </a:ln>
+        </p:spPr>
+        <p:txBody>
+          <a:bodyPr vert="horz" wrap="square" lIns="91440" tIns="45720" rIns="91440" bIns="45720" numCol="1" anchor="t" anchorCtr="0" compatLnSpc="1">
+            <a:prstTxWarp prst="textNoShape">
+              <a:avLst/>
+            </a:prstTxWarp>
+            <a:spAutoFit/>
+          </a:bodyPr>
+          <a:lstStyle/>
+          <a:p>
+            <a:pPr marL="0" marR="0" lvl="0" indent="0" algn="l" defTabSz="914400" rtl="0" eaLnBrk="0" fontAlgn="base" latinLnBrk="0" hangingPunct="0">
+              <a:lnSpc>
+                <a:spcPct val="100000"/>
+              </a:lnSpc>
+              <a:spcBef>
+                <a:spcPct val="0"/>
+              </a:spcBef>
+              <a:spcAft>
+                <a:spcPct val="0"/>
+              </a:spcAft>
+              <a:buClrTx/>
+              <a:buSzTx/>
+              <a:buFontTx/>
+              <a:buNone/>
+              <a:tabLst/>
+            </a:pPr>
+            <a:r>
+              <a:rPr kumimoji="0" lang="en-GB" altLang="en-US" sz="1400" b="0" i="0" u="none" strike="noStrike" cap="none" normalizeH="0" baseline="0" dirty="0" smtClean="0">
+                <a:ln>
+                  <a:noFill/>
+                </a:ln>
+                <a:solidFill>
+                  <a:schemeClr val="tx1"/>
+                </a:solidFill>
+                <a:effectLst/>
+                <a:latin typeface="Calibri" panose="020F0502020204030204" pitchFamily="34" charset="0"/>
+                <a:ea typeface="Calibri" panose="020F0502020204030204" pitchFamily="34" charset="0"/>
+                <a:cs typeface="Times New Roman" panose="02020603050405020304" pitchFamily="18" charset="0"/>
+              </a:rPr>
+              <a:t>Missing countries of the world </a:t>
+            </a:r>
+            <a:endParaRPr kumimoji="0" lang="en-GB" altLang="en-US" sz="2400" b="0" i="0" u="none" strike="noStrike" cap="none" normalizeH="0" baseline="0" dirty="0" smtClean="0">
+              <a:ln>
+                <a:noFill/>
+              </a:ln>
+              <a:solidFill>
+                <a:schemeClr val="tx1"/>
+              </a:solidFill>
+              <a:effectLst/>
+              <a:latin typeface="Arial" panose="020B0604020202020204" pitchFamily="34" charset="0"/>
+            </a:endParaRPr>
+          </a:p>
+        </p:txBody>
+      </p:sp>
+      <p:pic>
+        <p:nvPicPr>
+          <p:cNvPr id="8" name="Picture 4" descr="Image result for world globe puzzle"/>
+          <p:cNvPicPr>
+            <a:picLocks noChangeAspect="1" noChangeArrowheads="1"/>
+          </p:cNvPicPr>
+          <p:nvPr/>
+        </p:nvPicPr>
+        <p:blipFill>
+          <a:blip r:embed="rId5">
+            <a:extLst>
+              <a:ext uri="{28A0092B-C50C-407E-A947-70E740481C1C}">
+                <a14:useLocalDpi xmlns:a14="http://schemas.microsoft.com/office/drawing/2010/main" val="0"/>
+              </a:ext>
+            </a:extLst>
+          </a:blip>
+          <a:srcRect l="15344" t="6284" r="10188" b="7068"/>
+          <a:stretch>
+            <a:fillRect/>
+          </a:stretch>
+        </p:blipFill>
+        <p:spPr bwMode="auto">
+          <a:xfrm>
+            <a:off x="4986961" y="1290949"/>
+            <a:ext cx="1300162" cy="1509713"/>
+          </a:xfrm>
+          <a:prstGeom prst="rect">
+            <a:avLst/>
+          </a:prstGeom>
+          <a:noFill/>
+          <a:extLst>
+            <a:ext uri="{909E8E84-426E-40DD-AFC4-6F175D3DCCD1}">
+              <a14:hiddenFill xmlns:a14="http://schemas.microsoft.com/office/drawing/2010/main">
+                <a:solidFill>
+                  <a:srgbClr val="FFFFFF"/>
+                </a:solidFill>
+              </a14:hiddenFill>
+            </a:ext>
+          </a:extLst>
+        </p:spPr>
+      </p:pic>
+      <p:sp>
+        <p:nvSpPr>
+          <p:cNvPr id="9" name="Text Box 10"/>
+          <p:cNvSpPr txBox="1">
+            <a:spLocks noChangeArrowheads="1"/>
+          </p:cNvSpPr>
+          <p:nvPr/>
+        </p:nvSpPr>
+        <p:spPr bwMode="auto">
+          <a:xfrm>
+            <a:off x="315912" y="2822575"/>
+            <a:ext cx="2235200" cy="523220"/>
+          </a:xfrm>
+          <a:prstGeom prst="rect">
+            <a:avLst/>
+          </a:prstGeom>
+          <a:solidFill>
+            <a:srgbClr val="FFFFFF"/>
+          </a:solidFill>
+          <a:ln w="9525">
+            <a:solidFill>
+              <a:srgbClr val="000000"/>
+            </a:solidFill>
+            <a:miter lim="800000"/>
+            <a:headEnd/>
+            <a:tailEnd/>
+          </a:ln>
+        </p:spPr>
+        <p:txBody>
+          <a:bodyPr vert="horz" wrap="square" lIns="91440" tIns="45720" rIns="91440" bIns="45720" numCol="1" anchor="t" anchorCtr="0" compatLnSpc="1">
+            <a:prstTxWarp prst="textNoShape">
+              <a:avLst/>
+            </a:prstTxWarp>
+            <a:spAutoFit/>
+          </a:bodyPr>
+          <a:lstStyle/>
+          <a:p>
+            <a:pPr marL="0" marR="0" lvl="0" indent="0" algn="l" defTabSz="914400" rtl="0" eaLnBrk="0" fontAlgn="base" latinLnBrk="0" hangingPunct="0">
+              <a:lnSpc>
+                <a:spcPct val="100000"/>
+              </a:lnSpc>
+              <a:spcBef>
+                <a:spcPct val="0"/>
+              </a:spcBef>
+              <a:spcAft>
+                <a:spcPct val="0"/>
+              </a:spcAft>
+              <a:buClrTx/>
+              <a:buSzTx/>
+              <a:buFontTx/>
+              <a:buNone/>
+              <a:tabLst/>
+            </a:pPr>
+            <a:r>
+              <a:rPr kumimoji="0" lang="en-GB" altLang="en-US" sz="1400" i="0" u="none" strike="noStrike" cap="none" normalizeH="0" baseline="0" dirty="0" smtClean="0">
+                <a:ln>
+                  <a:noFill/>
+                </a:ln>
+                <a:solidFill>
+                  <a:schemeClr val="tx1"/>
+                </a:solidFill>
+                <a:effectLst/>
+                <a:latin typeface="Calibri" panose="020F0502020204030204" pitchFamily="34" charset="0"/>
+                <a:ea typeface="Calibri" panose="020F0502020204030204" pitchFamily="34" charset="0"/>
+                <a:cs typeface="Times New Roman" panose="02020603050405020304" pitchFamily="18" charset="0"/>
+              </a:rPr>
+              <a:t>The burnt slow destruction of time and history</a:t>
+            </a:r>
+            <a:endParaRPr kumimoji="0" lang="en-GB" altLang="en-US" sz="2400" i="0" u="none" strike="noStrike" cap="none" normalizeH="0" baseline="0" dirty="0" smtClean="0">
+              <a:ln>
+                <a:noFill/>
+              </a:ln>
+              <a:solidFill>
+                <a:schemeClr val="tx1"/>
+              </a:solidFill>
+              <a:effectLst/>
+              <a:latin typeface="Arial" panose="020B0604020202020204" pitchFamily="34" charset="0"/>
+            </a:endParaRPr>
+          </a:p>
+        </p:txBody>
+      </p:sp>
+      <p:pic>
+        <p:nvPicPr>
+          <p:cNvPr id="10" name="Picture 1" descr="grunge and broken clock dial isolated on white Stock Photo - 11961908"/>
+          <p:cNvPicPr>
+            <a:picLocks noChangeAspect="1" noChangeArrowheads="1"/>
+          </p:cNvPicPr>
+          <p:nvPr/>
+        </p:nvPicPr>
+        <p:blipFill>
+          <a:blip r:embed="rId6">
+            <a:extLst>
+              <a:ext uri="{28A0092B-C50C-407E-A947-70E740481C1C}">
+                <a14:useLocalDpi xmlns:a14="http://schemas.microsoft.com/office/drawing/2010/main" val="0"/>
+              </a:ext>
+            </a:extLst>
+          </a:blip>
+          <a:srcRect l="9637" t="12477" r="12929" b="10451"/>
+          <a:stretch>
+            <a:fillRect/>
+          </a:stretch>
+        </p:blipFill>
+        <p:spPr bwMode="auto">
+          <a:xfrm>
+            <a:off x="636419" y="1355955"/>
+            <a:ext cx="1363663" cy="1362075"/>
+          </a:xfrm>
+          <a:prstGeom prst="rect">
+            <a:avLst/>
+          </a:prstGeom>
+          <a:noFill/>
+          <a:extLst>
+            <a:ext uri="{909E8E84-426E-40DD-AFC4-6F175D3DCCD1}">
+              <a14:hiddenFill xmlns:a14="http://schemas.microsoft.com/office/drawing/2010/main">
+                <a:solidFill>
+                  <a:srgbClr val="FFFFFF"/>
+                </a:solidFill>
+              </a14:hiddenFill>
+            </a:ext>
+          </a:extLst>
+        </p:spPr>
+      </p:pic>
+      <p:sp>
+        <p:nvSpPr>
+          <p:cNvPr id="11" name="Text Box 7"/>
+          <p:cNvSpPr txBox="1">
+            <a:spLocks noChangeArrowheads="1"/>
+          </p:cNvSpPr>
+          <p:nvPr/>
+        </p:nvSpPr>
+        <p:spPr bwMode="auto">
+          <a:xfrm>
+            <a:off x="7637462" y="3022600"/>
+            <a:ext cx="1336675" cy="307777"/>
+          </a:xfrm>
+          <a:prstGeom prst="rect">
+            <a:avLst/>
+          </a:prstGeom>
+          <a:solidFill>
+            <a:srgbClr val="FFFFFF"/>
+          </a:solidFill>
+          <a:ln w="9525">
+            <a:solidFill>
+              <a:srgbClr val="000000"/>
+            </a:solidFill>
+            <a:miter lim="800000"/>
+            <a:headEnd/>
+            <a:tailEnd/>
+          </a:ln>
+        </p:spPr>
+        <p:txBody>
+          <a:bodyPr vert="horz" wrap="square" lIns="91440" tIns="45720" rIns="91440" bIns="45720" numCol="1" anchor="t" anchorCtr="0" compatLnSpc="1">
+            <a:prstTxWarp prst="textNoShape">
+              <a:avLst/>
+            </a:prstTxWarp>
+            <a:spAutoFit/>
+          </a:bodyPr>
+          <a:lstStyle/>
+          <a:p>
+            <a:pPr marL="0" marR="0" lvl="0" indent="0" algn="l" defTabSz="914400" rtl="0" eaLnBrk="0" fontAlgn="base" latinLnBrk="0" hangingPunct="0">
+              <a:lnSpc>
+                <a:spcPct val="100000"/>
+              </a:lnSpc>
+              <a:spcBef>
+                <a:spcPct val="0"/>
+              </a:spcBef>
+              <a:spcAft>
+                <a:spcPct val="0"/>
+              </a:spcAft>
+              <a:buClrTx/>
+              <a:buSzTx/>
+              <a:buFontTx/>
+              <a:buNone/>
+              <a:tabLst/>
+            </a:pPr>
+            <a:r>
+              <a:rPr kumimoji="0" lang="en-GB" altLang="en-US" sz="1400" b="0" i="0" u="none" strike="noStrike" cap="none" normalizeH="0" baseline="0" dirty="0" smtClean="0">
+                <a:ln>
+                  <a:noFill/>
+                </a:ln>
+                <a:solidFill>
+                  <a:schemeClr val="tx1"/>
+                </a:solidFill>
+                <a:effectLst/>
+                <a:latin typeface="Calibri" panose="020F0502020204030204" pitchFamily="34" charset="0"/>
+                <a:ea typeface="Calibri" panose="020F0502020204030204" pitchFamily="34" charset="0"/>
+                <a:cs typeface="Times New Roman" panose="02020603050405020304" pitchFamily="18" charset="0"/>
+              </a:rPr>
+              <a:t>Incorrect order  </a:t>
+            </a:r>
+            <a:endParaRPr kumimoji="0" lang="en-GB" altLang="en-US" sz="2400" b="0" i="0" u="none" strike="noStrike" cap="none" normalizeH="0" baseline="0" dirty="0" smtClean="0">
+              <a:ln>
+                <a:noFill/>
+              </a:ln>
+              <a:solidFill>
+                <a:schemeClr val="tx1"/>
+              </a:solidFill>
+              <a:effectLst/>
+              <a:latin typeface="Arial" panose="020B0604020202020204" pitchFamily="34" charset="0"/>
+            </a:endParaRPr>
+          </a:p>
+        </p:txBody>
+      </p:sp>
+      <p:sp>
+        <p:nvSpPr>
+          <p:cNvPr id="12" name="Text Box 2"/>
+          <p:cNvSpPr txBox="1">
+            <a:spLocks noChangeArrowheads="1"/>
+          </p:cNvSpPr>
+          <p:nvPr/>
+        </p:nvSpPr>
+        <p:spPr bwMode="auto">
+          <a:xfrm>
+            <a:off x="479424" y="5806278"/>
+            <a:ext cx="2071688" cy="570459"/>
+          </a:xfrm>
+          <a:prstGeom prst="rect">
+            <a:avLst/>
+          </a:prstGeom>
+          <a:solidFill>
+            <a:srgbClr val="FFFFFF"/>
+          </a:solidFill>
+          <a:ln w="9525">
+            <a:solidFill>
+              <a:srgbClr val="000000"/>
+            </a:solidFill>
+            <a:miter lim="800000"/>
+            <a:headEnd/>
+            <a:tailEnd/>
+          </a:ln>
+        </p:spPr>
+        <p:txBody>
+          <a:bodyPr vert="horz" wrap="square" lIns="91440" tIns="45720" rIns="91440" bIns="45720" numCol="1" anchor="t" anchorCtr="0" compatLnSpc="1">
+            <a:prstTxWarp prst="textNoShape">
+              <a:avLst/>
+            </a:prstTxWarp>
+          </a:bodyPr>
+          <a:lstStyle/>
+          <a:p>
+            <a:pPr marL="0" marR="0" lvl="0" indent="0" algn="l" defTabSz="914400" rtl="0" eaLnBrk="0" fontAlgn="base" latinLnBrk="0" hangingPunct="0">
+              <a:lnSpc>
+                <a:spcPct val="100000"/>
+              </a:lnSpc>
+              <a:spcBef>
+                <a:spcPct val="0"/>
+              </a:spcBef>
+              <a:spcAft>
+                <a:spcPct val="0"/>
+              </a:spcAft>
+              <a:buClrTx/>
+              <a:buSzTx/>
+              <a:buFontTx/>
+              <a:buNone/>
+              <a:tabLst/>
+            </a:pPr>
+            <a:r>
+              <a:rPr kumimoji="0" lang="en-GB" altLang="en-US" sz="1400" b="0" i="0" u="none" strike="noStrike" cap="none" normalizeH="0" baseline="0" dirty="0" smtClean="0">
+                <a:ln>
+                  <a:noFill/>
+                </a:ln>
+                <a:solidFill>
+                  <a:schemeClr val="tx1"/>
+                </a:solidFill>
+                <a:effectLst/>
+                <a:latin typeface="Calibri" panose="020F0502020204030204" pitchFamily="34" charset="0"/>
+                <a:ea typeface="Calibri" panose="020F0502020204030204" pitchFamily="34" charset="0"/>
+                <a:cs typeface="Times New Roman" panose="02020603050405020304" pitchFamily="18" charset="0"/>
+              </a:rPr>
+              <a:t>Missing segment (eaten by worm)</a:t>
+            </a:r>
+            <a:endParaRPr kumimoji="0" lang="en-GB" altLang="en-US" sz="2400" b="0" i="0" u="none" strike="noStrike" cap="none" normalizeH="0" baseline="0" dirty="0" smtClean="0">
+              <a:ln>
+                <a:noFill/>
+              </a:ln>
+              <a:solidFill>
+                <a:schemeClr val="tx1"/>
+              </a:solidFill>
+              <a:effectLst/>
+              <a:latin typeface="Arial" panose="020B0604020202020204" pitchFamily="34" charset="0"/>
+            </a:endParaRPr>
+          </a:p>
+        </p:txBody>
+      </p:sp>
+      <p:pic>
+        <p:nvPicPr>
+          <p:cNvPr id="13" name="Picture 18" descr="Image result for second hand bookshop"/>
+          <p:cNvPicPr>
+            <a:picLocks noChangeAspect="1" noChangeArrowheads="1"/>
+          </p:cNvPicPr>
+          <p:nvPr/>
+        </p:nvPicPr>
+        <p:blipFill>
+          <a:blip r:embed="rId7">
+            <a:extLst>
+              <a:ext uri="{28A0092B-C50C-407E-A947-70E740481C1C}">
+                <a14:useLocalDpi xmlns:a14="http://schemas.microsoft.com/office/drawing/2010/main" val="0"/>
+              </a:ext>
+            </a:extLst>
+          </a:blip>
+          <a:srcRect/>
+          <a:stretch>
+            <a:fillRect/>
+          </a:stretch>
+        </p:blipFill>
+        <p:spPr bwMode="auto">
+          <a:xfrm>
+            <a:off x="6906244" y="3800163"/>
+            <a:ext cx="2559050" cy="1595437"/>
+          </a:xfrm>
+          <a:prstGeom prst="rect">
+            <a:avLst/>
+          </a:prstGeom>
+          <a:noFill/>
+          <a:extLst>
+            <a:ext uri="{909E8E84-426E-40DD-AFC4-6F175D3DCCD1}">
+              <a14:hiddenFill xmlns:a14="http://schemas.microsoft.com/office/drawing/2010/main">
+                <a:solidFill>
+                  <a:srgbClr val="FFFFFF"/>
+                </a:solidFill>
+              </a14:hiddenFill>
+            </a:ext>
+          </a:extLst>
+        </p:spPr>
+      </p:pic>
+      <p:sp>
+        <p:nvSpPr>
+          <p:cNvPr id="14" name="Text Box 5"/>
+          <p:cNvSpPr txBox="1">
+            <a:spLocks noChangeArrowheads="1"/>
+          </p:cNvSpPr>
+          <p:nvPr/>
+        </p:nvSpPr>
+        <p:spPr bwMode="auto">
+          <a:xfrm>
+            <a:off x="6906245" y="5796130"/>
+            <a:ext cx="2367758" cy="493713"/>
+          </a:xfrm>
+          <a:prstGeom prst="rect">
+            <a:avLst/>
+          </a:prstGeom>
+          <a:solidFill>
+            <a:srgbClr val="FFFFFF"/>
+          </a:solidFill>
+          <a:ln w="9525">
+            <a:solidFill>
+              <a:srgbClr val="000000"/>
+            </a:solidFill>
+            <a:miter lim="800000"/>
+            <a:headEnd/>
+            <a:tailEnd/>
+          </a:ln>
+        </p:spPr>
+        <p:txBody>
+          <a:bodyPr vert="horz" wrap="square" lIns="91440" tIns="45720" rIns="91440" bIns="45720" numCol="1" anchor="t" anchorCtr="0" compatLnSpc="1">
+            <a:prstTxWarp prst="textNoShape">
+              <a:avLst/>
+            </a:prstTxWarp>
+          </a:bodyPr>
+          <a:lstStyle/>
+          <a:p>
+            <a:pPr marL="0" marR="0" lvl="0" indent="0" algn="l" defTabSz="914400" rtl="0" eaLnBrk="0" fontAlgn="base" latinLnBrk="0" hangingPunct="0">
+              <a:lnSpc>
+                <a:spcPct val="100000"/>
+              </a:lnSpc>
+              <a:spcBef>
+                <a:spcPct val="0"/>
+              </a:spcBef>
+              <a:spcAft>
+                <a:spcPct val="0"/>
+              </a:spcAft>
+              <a:buClrTx/>
+              <a:buSzTx/>
+              <a:buFontTx/>
+              <a:buNone/>
+              <a:tabLst/>
+            </a:pPr>
+            <a:r>
+              <a:rPr kumimoji="0" lang="en-GB" altLang="en-US" sz="1400" b="0" i="0" u="none" strike="noStrike" cap="none" normalizeH="0" baseline="0" dirty="0" smtClean="0">
+                <a:ln>
+                  <a:noFill/>
+                </a:ln>
+                <a:solidFill>
+                  <a:schemeClr val="tx1"/>
+                </a:solidFill>
+                <a:effectLst/>
+                <a:latin typeface="Calibri" panose="020F0502020204030204" pitchFamily="34" charset="0"/>
+                <a:ea typeface="Calibri" panose="020F0502020204030204" pitchFamily="34" charset="0"/>
+                <a:cs typeface="Times New Roman" panose="02020603050405020304" pitchFamily="18" charset="0"/>
+              </a:rPr>
+              <a:t>Unorganized chaos (no order)</a:t>
+            </a:r>
+            <a:endParaRPr kumimoji="0" lang="en-GB" altLang="en-US" sz="2400" b="0" i="0" u="none" strike="noStrike" cap="none" normalizeH="0" baseline="0" dirty="0" smtClean="0">
+              <a:ln>
+                <a:noFill/>
+              </a:ln>
+              <a:solidFill>
+                <a:schemeClr val="tx1"/>
+              </a:solidFill>
+              <a:effectLst/>
+              <a:latin typeface="Arial" panose="020B0604020202020204" pitchFamily="34" charset="0"/>
+            </a:endParaRPr>
+          </a:p>
+        </p:txBody>
+      </p:sp>
+      <p:pic>
+        <p:nvPicPr>
+          <p:cNvPr id="15" name="Picture 22" descr="Screen Shot 2015-02-06 at 17.55.07"/>
+          <p:cNvPicPr>
+            <a:picLocks noChangeAspect="1" noChangeArrowheads="1"/>
+          </p:cNvPicPr>
+          <p:nvPr/>
+        </p:nvPicPr>
+        <p:blipFill>
+          <a:blip r:embed="rId8">
+            <a:extLst>
+              <a:ext uri="{28A0092B-C50C-407E-A947-70E740481C1C}">
+                <a14:useLocalDpi xmlns:a14="http://schemas.microsoft.com/office/drawing/2010/main" val="0"/>
+              </a:ext>
+            </a:extLst>
+          </a:blip>
+          <a:srcRect t="5295" b="6142"/>
+          <a:stretch>
+            <a:fillRect/>
+          </a:stretch>
+        </p:blipFill>
+        <p:spPr bwMode="auto">
+          <a:xfrm>
+            <a:off x="3609975" y="3808412"/>
+            <a:ext cx="2844800" cy="1587500"/>
+          </a:xfrm>
+          <a:prstGeom prst="rect">
+            <a:avLst/>
+          </a:prstGeom>
+          <a:noFill/>
+          <a:extLst>
+            <a:ext uri="{909E8E84-426E-40DD-AFC4-6F175D3DCCD1}">
+              <a14:hiddenFill xmlns:a14="http://schemas.microsoft.com/office/drawing/2010/main">
+                <a:solidFill>
+                  <a:srgbClr val="FFFFFF"/>
+                </a:solidFill>
+              </a14:hiddenFill>
+            </a:ext>
+          </a:extLst>
+        </p:spPr>
+      </p:pic>
+      <p:sp>
+        <p:nvSpPr>
+          <p:cNvPr id="16" name="Text Box 1"/>
+          <p:cNvSpPr txBox="1">
+            <a:spLocks noChangeArrowheads="1"/>
+          </p:cNvSpPr>
+          <p:nvPr/>
+        </p:nvSpPr>
+        <p:spPr bwMode="auto">
+          <a:xfrm>
+            <a:off x="3759825" y="5806278"/>
+            <a:ext cx="2527297" cy="764550"/>
+          </a:xfrm>
+          <a:prstGeom prst="rect">
+            <a:avLst/>
+          </a:prstGeom>
+          <a:solidFill>
+            <a:srgbClr val="FFFFFF"/>
+          </a:solidFill>
+          <a:ln w="9525">
+            <a:solidFill>
+              <a:srgbClr val="000000"/>
+            </a:solidFill>
+            <a:miter lim="800000"/>
+            <a:headEnd/>
+            <a:tailEnd/>
+          </a:ln>
+        </p:spPr>
+        <p:txBody>
+          <a:bodyPr vert="horz" wrap="square" lIns="91440" tIns="45720" rIns="91440" bIns="45720" numCol="1" anchor="t" anchorCtr="0" compatLnSpc="1">
+            <a:prstTxWarp prst="textNoShape">
+              <a:avLst/>
+            </a:prstTxWarp>
+          </a:bodyPr>
+          <a:lstStyle/>
+          <a:p>
+            <a:pPr marL="0" marR="0" lvl="0" indent="0" algn="l" defTabSz="914400" rtl="0" eaLnBrk="0" fontAlgn="base" latinLnBrk="0" hangingPunct="0">
+              <a:lnSpc>
+                <a:spcPct val="100000"/>
+              </a:lnSpc>
+              <a:spcBef>
+                <a:spcPct val="0"/>
+              </a:spcBef>
+              <a:spcAft>
+                <a:spcPct val="0"/>
+              </a:spcAft>
+              <a:buClrTx/>
+              <a:buSzTx/>
+              <a:buFontTx/>
+              <a:buNone/>
+              <a:tabLst/>
+            </a:pPr>
+            <a:r>
+              <a:rPr kumimoji="0" lang="en-GB" altLang="en-US" sz="1400" b="0" i="0" u="none" strike="noStrike" cap="none" normalizeH="0" baseline="0" dirty="0" smtClean="0">
+                <a:ln>
+                  <a:noFill/>
+                </a:ln>
+                <a:solidFill>
+                  <a:schemeClr val="tx1"/>
+                </a:solidFill>
+                <a:effectLst/>
+                <a:latin typeface="Calibri" panose="020F0502020204030204" pitchFamily="34" charset="0"/>
+                <a:ea typeface="Calibri" panose="020F0502020204030204" pitchFamily="34" charset="0"/>
+                <a:cs typeface="Times New Roman" panose="02020603050405020304" pitchFamily="18" charset="0"/>
+              </a:rPr>
+              <a:t>Realisation you’re no longer on earth (Zathura Movie Scene)</a:t>
+            </a:r>
+            <a:endParaRPr kumimoji="0" lang="en-GB" altLang="en-US" sz="2400" b="0" i="0" u="none" strike="noStrike" cap="none" normalizeH="0" baseline="0" dirty="0" smtClean="0">
+              <a:ln>
+                <a:noFill/>
+              </a:ln>
+              <a:solidFill>
+                <a:schemeClr val="tx1"/>
+              </a:solidFill>
+              <a:effectLst/>
+              <a:latin typeface="Arial" panose="020B0604020202020204" pitchFamily="34" charset="0"/>
+            </a:endParaRPr>
           </a:p>
         </p:txBody>
       </p:sp>
@@ -6992,7 +7831,26 @@
       </p:grpSpPr>
       <p:sp>
         <p:nvSpPr>
-          <p:cNvPr id="2" name="Title 1"/>
+          <p:cNvPr id="8" name="Content Placeholder 7"/>
+          <p:cNvSpPr>
+            <a:spLocks noGrp="1"/>
+          </p:cNvSpPr>
+          <p:nvPr>
+            <p:ph idx="1"/>
+          </p:nvPr>
+        </p:nvSpPr>
+        <p:spPr/>
+        <p:txBody>
+          <a:bodyPr/>
+          <a:lstStyle/>
+          <a:p>
+            <a:endParaRPr lang="en-GB" dirty="0"/>
+          </a:p>
+        </p:txBody>
+      </p:sp>
+      <p:sp>
+        <p:nvSpPr>
+          <p:cNvPr id="9" name="Title 8"/>
           <p:cNvSpPr>
             <a:spLocks noGrp="1"/>
           </p:cNvSpPr>
@@ -7006,39 +7864,9 @@
           <a:lstStyle/>
           <a:p>
             <a:r>
-              <a:rPr lang="en-GB" dirty="0"/>
+              <a:rPr lang="en-GB" dirty="0" smtClean="0"/>
               <a:t>Art Style Tom</a:t>
             </a:r>
-          </a:p>
-        </p:txBody>
-      </p:sp>
-      <p:sp>
-        <p:nvSpPr>
-          <p:cNvPr id="3" name="Content Placeholder 2"/>
-          <p:cNvSpPr>
-            <a:spLocks noGrp="1"/>
-          </p:cNvSpPr>
-          <p:nvPr>
-            <p:ph idx="1"/>
-          </p:nvPr>
-        </p:nvSpPr>
-        <p:spPr/>
-        <p:txBody>
-          <a:bodyPr/>
-          <a:lstStyle/>
-          <a:p>
-            <a:r>
-              <a:rPr lang="en-GB" dirty="0"/>
-              <a:t>The art style is still yet to be decided</a:t>
-            </a:r>
-          </a:p>
-          <a:p>
-            <a:r>
-              <a:rPr lang="en-GB" dirty="0"/>
-              <a:t>The style will however be consistent in various assets throughout the game</a:t>
-            </a:r>
-          </a:p>
-          <a:p>
             <a:endParaRPr lang="en-GB" dirty="0"/>
           </a:p>
         </p:txBody>

--- a/Group 14.pptx
+++ b/Group 14.pptx
@@ -215,7 +215,7 @@
           <a:p>
             <a:fld id="{0E979622-FC95-4062-B0FB-BFF025AB3596}" type="datetimeFigureOut">
               <a:rPr lang="en-US" smtClean="0"/>
-              <a:t>10/18/2016</a:t>
+              <a:t>10/19/2016</a:t>
             </a:fld>
             <a:endParaRPr lang="en-US"/>
           </a:p>
@@ -1456,7 +1456,7 @@
             <a:fld id="{4CDA0734-6088-4A11-8A2B-97B609E3D287}" type="datetimeFigureOut">
               <a:rPr lang="en-GB" smtClean="0"/>
               <a:pPr/>
-              <a:t>18/10/2016</a:t>
+              <a:t>19/10/2016</a:t>
             </a:fld>
             <a:endParaRPr lang="en-GB"/>
           </a:p>
@@ -1709,7 +1709,7 @@
             <a:fld id="{4CDA0734-6088-4A11-8A2B-97B609E3D287}" type="datetimeFigureOut">
               <a:rPr lang="en-GB" smtClean="0"/>
               <a:pPr/>
-              <a:t>18/10/2016</a:t>
+              <a:t>19/10/2016</a:t>
             </a:fld>
             <a:endParaRPr lang="en-GB"/>
           </a:p>
@@ -2025,7 +2025,7 @@
             <a:fld id="{4CDA0734-6088-4A11-8A2B-97B609E3D287}" type="datetimeFigureOut">
               <a:rPr lang="en-GB" smtClean="0"/>
               <a:pPr/>
-              <a:t>18/10/2016</a:t>
+              <a:t>19/10/2016</a:t>
             </a:fld>
             <a:endParaRPr lang="en-GB"/>
           </a:p>
@@ -2368,7 +2368,7 @@
             <a:fld id="{4CDA0734-6088-4A11-8A2B-97B609E3D287}" type="datetimeFigureOut">
               <a:rPr lang="en-GB" smtClean="0"/>
               <a:pPr/>
-              <a:t>18/10/2016</a:t>
+              <a:t>19/10/2016</a:t>
             </a:fld>
             <a:endParaRPr lang="en-GB"/>
           </a:p>
@@ -2684,7 +2684,7 @@
             <a:fld id="{4CDA0734-6088-4A11-8A2B-97B609E3D287}" type="datetimeFigureOut">
               <a:rPr lang="en-GB" smtClean="0"/>
               <a:pPr/>
-              <a:t>18/10/2016</a:t>
+              <a:t>19/10/2016</a:t>
             </a:fld>
             <a:endParaRPr lang="en-GB"/>
           </a:p>
@@ -3079,7 +3079,7 @@
             <a:fld id="{4CDA0734-6088-4A11-8A2B-97B609E3D287}" type="datetimeFigureOut">
               <a:rPr lang="en-GB" smtClean="0"/>
               <a:pPr/>
-              <a:t>18/10/2016</a:t>
+              <a:t>19/10/2016</a:t>
             </a:fld>
             <a:endParaRPr lang="en-GB"/>
           </a:p>
@@ -3251,7 +3251,7 @@
             <a:fld id="{4CDA0734-6088-4A11-8A2B-97B609E3D287}" type="datetimeFigureOut">
               <a:rPr lang="en-GB" smtClean="0"/>
               <a:pPr/>
-              <a:t>18/10/2016</a:t>
+              <a:t>19/10/2016</a:t>
             </a:fld>
             <a:endParaRPr lang="en-GB"/>
           </a:p>
@@ -3433,7 +3433,7 @@
             <a:fld id="{4CDA0734-6088-4A11-8A2B-97B609E3D287}" type="datetimeFigureOut">
               <a:rPr lang="en-GB" smtClean="0"/>
               <a:pPr/>
-              <a:t>18/10/2016</a:t>
+              <a:t>19/10/2016</a:t>
             </a:fld>
             <a:endParaRPr lang="en-GB"/>
           </a:p>
@@ -3611,7 +3611,7 @@
             <a:fld id="{4CDA0734-6088-4A11-8A2B-97B609E3D287}" type="datetimeFigureOut">
               <a:rPr lang="en-GB" smtClean="0"/>
               <a:pPr/>
-              <a:t>18/10/2016</a:t>
+              <a:t>19/10/2016</a:t>
             </a:fld>
             <a:endParaRPr lang="en-GB"/>
           </a:p>
@@ -3860,7 +3860,7 @@
             <a:fld id="{4CDA0734-6088-4A11-8A2B-97B609E3D287}" type="datetimeFigureOut">
               <a:rPr lang="en-GB" smtClean="0"/>
               <a:pPr/>
-              <a:t>18/10/2016</a:t>
+              <a:t>19/10/2016</a:t>
             </a:fld>
             <a:endParaRPr lang="en-GB"/>
           </a:p>
@@ -4094,7 +4094,7 @@
             <a:fld id="{4CDA0734-6088-4A11-8A2B-97B609E3D287}" type="datetimeFigureOut">
               <a:rPr lang="en-GB" smtClean="0"/>
               <a:pPr/>
-              <a:t>18/10/2016</a:t>
+              <a:t>19/10/2016</a:t>
             </a:fld>
             <a:endParaRPr lang="en-GB"/>
           </a:p>
@@ -4470,7 +4470,7 @@
             <a:fld id="{4CDA0734-6088-4A11-8A2B-97B609E3D287}" type="datetimeFigureOut">
               <a:rPr lang="en-GB" smtClean="0"/>
               <a:pPr/>
-              <a:t>18/10/2016</a:t>
+              <a:t>19/10/2016</a:t>
             </a:fld>
             <a:endParaRPr lang="en-GB"/>
           </a:p>
@@ -4595,7 +4595,7 @@
             <a:fld id="{4CDA0734-6088-4A11-8A2B-97B609E3D287}" type="datetimeFigureOut">
               <a:rPr lang="en-GB" smtClean="0"/>
               <a:pPr/>
-              <a:t>18/10/2016</a:t>
+              <a:t>19/10/2016</a:t>
             </a:fld>
             <a:endParaRPr lang="en-GB"/>
           </a:p>
@@ -4692,7 +4692,7 @@
             <a:fld id="{4CDA0734-6088-4A11-8A2B-97B609E3D287}" type="datetimeFigureOut">
               <a:rPr lang="en-GB" smtClean="0"/>
               <a:pPr/>
-              <a:t>18/10/2016</a:t>
+              <a:t>19/10/2016</a:t>
             </a:fld>
             <a:endParaRPr lang="en-GB"/>
           </a:p>
@@ -4949,7 +4949,7 @@
             <a:fld id="{4CDA0734-6088-4A11-8A2B-97B609E3D287}" type="datetimeFigureOut">
               <a:rPr lang="en-GB" smtClean="0"/>
               <a:pPr/>
-              <a:t>18/10/2016</a:t>
+              <a:t>19/10/2016</a:t>
             </a:fld>
             <a:endParaRPr lang="en-GB"/>
           </a:p>
@@ -5214,7 +5214,7 @@
             <a:fld id="{4CDA0734-6088-4A11-8A2B-97B609E3D287}" type="datetimeFigureOut">
               <a:rPr lang="en-GB" smtClean="0"/>
               <a:pPr/>
-              <a:t>18/10/2016</a:t>
+              <a:t>19/10/2016</a:t>
             </a:fld>
             <a:endParaRPr lang="en-GB"/>
           </a:p>
@@ -5959,7 +5959,7 @@
             <a:fld id="{4CDA0734-6088-4A11-8A2B-97B609E3D287}" type="datetimeFigureOut">
               <a:rPr lang="en-GB" smtClean="0"/>
               <a:pPr/>
-              <a:t>18/10/2016</a:t>
+              <a:t>19/10/2016</a:t>
             </a:fld>
             <a:endParaRPr lang="en-GB"/>
           </a:p>
@@ -7831,7 +7831,34 @@
       </p:grpSpPr>
       <p:sp>
         <p:nvSpPr>
-          <p:cNvPr id="8" name="Content Placeholder 7"/>
+          <p:cNvPr id="5" name="Title 1"/>
+          <p:cNvSpPr>
+            <a:spLocks noGrp="1"/>
+          </p:cNvSpPr>
+          <p:nvPr>
+            <p:ph type="title"/>
+          </p:nvPr>
+        </p:nvSpPr>
+        <p:spPr>
+          <a:xfrm>
+            <a:off x="507346" y="82720"/>
+            <a:ext cx="8596668" cy="1320800"/>
+          </a:xfrm>
+        </p:spPr>
+        <p:txBody>
+          <a:bodyPr/>
+          <a:lstStyle/>
+          <a:p>
+            <a:r>
+              <a:rPr lang="en-GB" dirty="0"/>
+              <a:t>Art Style Tom</a:t>
+            </a:r>
+          </a:p>
+        </p:txBody>
+      </p:sp>
+      <p:sp>
+        <p:nvSpPr>
+          <p:cNvPr id="6" name="Content Placeholder 2"/>
           <p:cNvSpPr>
             <a:spLocks noGrp="1"/>
           </p:cNvSpPr>
@@ -7839,38 +7866,129 @@
             <p:ph idx="1"/>
           </p:nvPr>
         </p:nvSpPr>
-        <p:spPr/>
-        <p:txBody>
-          <a:bodyPr/>
-          <a:lstStyle/>
-          <a:p>
+        <p:spPr>
+          <a:xfrm>
+            <a:off x="270934" y="1063309"/>
+            <a:ext cx="8596668" cy="2807651"/>
+          </a:xfrm>
+        </p:spPr>
+        <p:txBody>
+          <a:bodyPr>
+            <a:normAutofit fontScale="85000" lnSpcReduction="20000"/>
+          </a:bodyPr>
+          <a:lstStyle/>
+          <a:p>
+            <a:r>
+              <a:rPr lang="en-GB" dirty="0"/>
+              <a:t>The art style is still yet to be </a:t>
+            </a:r>
+            <a:r>
+              <a:rPr lang="en-GB" dirty="0" smtClean="0"/>
+              <a:t>decided</a:t>
+            </a:r>
+          </a:p>
+          <a:p>
+            <a:pPr marL="0" indent="0">
+              <a:buNone/>
+            </a:pPr>
             <a:endParaRPr lang="en-GB" dirty="0"/>
           </a:p>
-        </p:txBody>
-      </p:sp>
-      <p:sp>
-        <p:nvSpPr>
-          <p:cNvPr id="9" name="Title 8"/>
-          <p:cNvSpPr>
-            <a:spLocks noGrp="1"/>
-          </p:cNvSpPr>
-          <p:nvPr>
-            <p:ph type="title"/>
-          </p:nvPr>
-        </p:nvSpPr>
-        <p:spPr/>
-        <p:txBody>
-          <a:bodyPr/>
-          <a:lstStyle/>
           <a:p>
             <a:r>
               <a:rPr lang="en-GB" dirty="0" smtClean="0"/>
-              <a:t>Art Style Tom</a:t>
-            </a:r>
+              <a:t>The Font Style chosen includes a fading effect. Thus evokes the player feeling of </a:t>
+            </a:r>
+            <a:r>
+              <a:rPr lang="en-GB" dirty="0" err="1" smtClean="0"/>
+              <a:t>vellichor</a:t>
+            </a:r>
+            <a:r>
+              <a:rPr lang="en-GB" dirty="0" smtClean="0"/>
+              <a:t>, because the font has a used and worn down look.</a:t>
+            </a:r>
+          </a:p>
+          <a:p>
             <a:endParaRPr lang="en-GB" dirty="0"/>
           </a:p>
-        </p:txBody>
-      </p:sp>
+          <a:p>
+            <a:r>
+              <a:rPr lang="en-GB" dirty="0" smtClean="0"/>
+              <a:t>As our backgrounds within the game change, when players progress through puzzles. Therefore our colour pallets will also represent that change. </a:t>
+            </a:r>
+          </a:p>
+          <a:p>
+            <a:endParaRPr lang="en-GB" dirty="0" smtClean="0"/>
+          </a:p>
+          <a:p>
+            <a:r>
+              <a:rPr lang="en-GB" dirty="0" smtClean="0"/>
+              <a:t>The colour palettes used on each background will make the player feel out of place, within the game. Therefore producing the emotion of </a:t>
+            </a:r>
+            <a:r>
+              <a:rPr lang="en-GB" dirty="0" err="1" smtClean="0"/>
+              <a:t>Monachopsis</a:t>
+            </a:r>
+            <a:r>
+              <a:rPr lang="en-GB" dirty="0" smtClean="0"/>
+              <a:t>.</a:t>
+            </a:r>
+          </a:p>
+          <a:p>
+            <a:endParaRPr lang="en-GB" dirty="0"/>
+          </a:p>
+          <a:p>
+            <a:endParaRPr lang="en-GB" dirty="0"/>
+          </a:p>
+        </p:txBody>
+      </p:sp>
+      <p:pic>
+        <p:nvPicPr>
+          <p:cNvPr id="7" name="Picture 6"/>
+          <p:cNvPicPr>
+            <a:picLocks noChangeAspect="1"/>
+          </p:cNvPicPr>
+          <p:nvPr/>
+        </p:nvPicPr>
+        <p:blipFill>
+          <a:blip r:embed="rId3"/>
+          <a:stretch>
+            <a:fillRect/>
+          </a:stretch>
+        </p:blipFill>
+        <p:spPr>
+          <a:xfrm>
+            <a:off x="5280804" y="4880670"/>
+            <a:ext cx="3849320" cy="605730"/>
+          </a:xfrm>
+          <a:prstGeom prst="rect">
+            <a:avLst/>
+          </a:prstGeom>
+        </p:spPr>
+      </p:pic>
+      <p:pic>
+        <p:nvPicPr>
+          <p:cNvPr id="10" name="Picture 9"/>
+          <p:cNvPicPr>
+            <a:picLocks noChangeAspect="1"/>
+          </p:cNvPicPr>
+          <p:nvPr/>
+        </p:nvPicPr>
+        <p:blipFill>
+          <a:blip r:embed="rId4"/>
+          <a:stretch>
+            <a:fillRect/>
+          </a:stretch>
+        </p:blipFill>
+        <p:spPr>
+          <a:xfrm>
+            <a:off x="883920" y="4191149"/>
+            <a:ext cx="3921760" cy="2269252"/>
+          </a:xfrm>
+          <a:prstGeom prst="rect">
+            <a:avLst/>
+          </a:prstGeom>
+        </p:spPr>
+      </p:pic>
     </p:spTree>
     <p:extLst>
       <p:ext uri="{BB962C8B-B14F-4D97-AF65-F5344CB8AC3E}">

--- a/Group 14.pptx
+++ b/Group 14.pptx
@@ -116,7 +116,7 @@
   </p:defaultTextStyle>
   <p:extLst>
     <p:ext uri="{EFAFB233-063F-42B5-8137-9DF3F51BA10A}">
-      <p15:sldGuideLst xmlns:p15="http://schemas.microsoft.com/office/powerpoint/2012/main">
+      <p15:sldGuideLst xmlns:p15="http://schemas.microsoft.com/office/powerpoint/2012/main" xmlns="">
         <p15:guide id="1" orient="horz" pos="2160">
           <p15:clr>
             <a:srgbClr val="A4A3A4"/>
@@ -215,6 +215,7 @@
           <a:p>
             <a:fld id="{0E979622-FC95-4062-B0FB-BFF025AB3596}" type="datetimeFigureOut">
               <a:rPr lang="en-US" smtClean="0"/>
+              <a:pPr/>
               <a:t>10/19/2016</a:t>
             </a:fld>
             <a:endParaRPr lang="en-US"/>
@@ -373,6 +374,7 @@
           <a:p>
             <a:fld id="{4A8F653E-C00D-47FE-A241-1FE52C2B9307}" type="slidenum">
               <a:rPr lang="en-US" smtClean="0"/>
+              <a:pPr/>
               <a:t>‹#›</a:t>
             </a:fld>
             <a:endParaRPr lang="en-US"/>
@@ -382,7 +384,7 @@
     </p:spTree>
     <p:extLst>
       <p:ext uri="{BB962C8B-B14F-4D97-AF65-F5344CB8AC3E}">
-        <p14:creationId xmlns:p14="http://schemas.microsoft.com/office/powerpoint/2010/main" val="1094693689"/>
+        <p14:creationId xmlns:p14="http://schemas.microsoft.com/office/powerpoint/2010/main" xmlns="" val="1094693689"/>
       </p:ext>
     </p:extLst>
   </p:cSld>
@@ -630,6 +632,7 @@
           <a:p>
             <a:fld id="{4A8F653E-C00D-47FE-A241-1FE52C2B9307}" type="slidenum">
               <a:rPr lang="en-US" smtClean="0"/>
+              <a:pPr/>
               <a:t>3</a:t>
             </a:fld>
             <a:endParaRPr lang="en-US"/>
@@ -639,7 +642,7 @@
     </p:spTree>
     <p:extLst>
       <p:ext uri="{BB962C8B-B14F-4D97-AF65-F5344CB8AC3E}">
-        <p14:creationId xmlns:p14="http://schemas.microsoft.com/office/powerpoint/2010/main" val="1389064531"/>
+        <p14:creationId xmlns:p14="http://schemas.microsoft.com/office/powerpoint/2010/main" xmlns="" val="1389064531"/>
       </p:ext>
     </p:extLst>
   </p:cSld>
@@ -714,6 +717,7 @@
           <a:p>
             <a:fld id="{4A8F653E-C00D-47FE-A241-1FE52C2B9307}" type="slidenum">
               <a:rPr lang="en-US" smtClean="0"/>
+              <a:pPr/>
               <a:t>7</a:t>
             </a:fld>
             <a:endParaRPr lang="en-US"/>
@@ -723,7 +727,7 @@
     </p:spTree>
     <p:extLst>
       <p:ext uri="{BB962C8B-B14F-4D97-AF65-F5344CB8AC3E}">
-        <p14:creationId xmlns:p14="http://schemas.microsoft.com/office/powerpoint/2010/main" val="3455208772"/>
+        <p14:creationId xmlns:p14="http://schemas.microsoft.com/office/powerpoint/2010/main" xmlns="" val="3455208772"/>
       </p:ext>
     </p:extLst>
   </p:cSld>
@@ -1508,7 +1512,7 @@
     </p:spTree>
     <p:extLst>
       <p:ext uri="{BB962C8B-B14F-4D97-AF65-F5344CB8AC3E}">
-        <p14:creationId xmlns:p14="http://schemas.microsoft.com/office/powerpoint/2010/main" val="1416213336"/>
+        <p14:creationId xmlns:p14="http://schemas.microsoft.com/office/powerpoint/2010/main" xmlns="" val="1416213336"/>
       </p:ext>
     </p:extLst>
   </p:cSld>
@@ -1761,7 +1765,7 @@
     </p:spTree>
     <p:extLst>
       <p:ext uri="{BB962C8B-B14F-4D97-AF65-F5344CB8AC3E}">
-        <p14:creationId xmlns:p14="http://schemas.microsoft.com/office/powerpoint/2010/main" val="2996688164"/>
+        <p14:creationId xmlns:p14="http://schemas.microsoft.com/office/powerpoint/2010/main" xmlns="" val="2996688164"/>
       </p:ext>
     </p:extLst>
   </p:cSld>
@@ -2167,7 +2171,7 @@
     </p:spTree>
     <p:extLst>
       <p:ext uri="{BB962C8B-B14F-4D97-AF65-F5344CB8AC3E}">
-        <p14:creationId xmlns:p14="http://schemas.microsoft.com/office/powerpoint/2010/main" val="628267690"/>
+        <p14:creationId xmlns:p14="http://schemas.microsoft.com/office/powerpoint/2010/main" xmlns="" val="628267690"/>
       </p:ext>
     </p:extLst>
   </p:cSld>
@@ -2420,7 +2424,7 @@
     </p:spTree>
     <p:extLst>
       <p:ext uri="{BB962C8B-B14F-4D97-AF65-F5344CB8AC3E}">
-        <p14:creationId xmlns:p14="http://schemas.microsoft.com/office/powerpoint/2010/main" val="642880592"/>
+        <p14:creationId xmlns:p14="http://schemas.microsoft.com/office/powerpoint/2010/main" xmlns="" val="642880592"/>
       </p:ext>
     </p:extLst>
   </p:cSld>
@@ -2818,7 +2822,7 @@
     </p:spTree>
     <p:extLst>
       <p:ext uri="{BB962C8B-B14F-4D97-AF65-F5344CB8AC3E}">
-        <p14:creationId xmlns:p14="http://schemas.microsoft.com/office/powerpoint/2010/main" val="1677234499"/>
+        <p14:creationId xmlns:p14="http://schemas.microsoft.com/office/powerpoint/2010/main" xmlns="" val="1677234499"/>
       </p:ext>
     </p:extLst>
   </p:cSld>
@@ -3131,7 +3135,7 @@
     </p:spTree>
     <p:extLst>
       <p:ext uri="{BB962C8B-B14F-4D97-AF65-F5344CB8AC3E}">
-        <p14:creationId xmlns:p14="http://schemas.microsoft.com/office/powerpoint/2010/main" val="1214186571"/>
+        <p14:creationId xmlns:p14="http://schemas.microsoft.com/office/powerpoint/2010/main" xmlns="" val="1214186571"/>
       </p:ext>
     </p:extLst>
   </p:cSld>
@@ -3303,7 +3307,7 @@
     </p:spTree>
     <p:extLst>
       <p:ext uri="{BB962C8B-B14F-4D97-AF65-F5344CB8AC3E}">
-        <p14:creationId xmlns:p14="http://schemas.microsoft.com/office/powerpoint/2010/main" val="333804558"/>
+        <p14:creationId xmlns:p14="http://schemas.microsoft.com/office/powerpoint/2010/main" xmlns="" val="333804558"/>
       </p:ext>
     </p:extLst>
   </p:cSld>
@@ -3485,7 +3489,7 @@
     </p:spTree>
     <p:extLst>
       <p:ext uri="{BB962C8B-B14F-4D97-AF65-F5344CB8AC3E}">
-        <p14:creationId xmlns:p14="http://schemas.microsoft.com/office/powerpoint/2010/main" val="2904802637"/>
+        <p14:creationId xmlns:p14="http://schemas.microsoft.com/office/powerpoint/2010/main" xmlns="" val="2904802637"/>
       </p:ext>
     </p:extLst>
   </p:cSld>
@@ -3663,7 +3667,7 @@
     </p:spTree>
     <p:extLst>
       <p:ext uri="{BB962C8B-B14F-4D97-AF65-F5344CB8AC3E}">
-        <p14:creationId xmlns:p14="http://schemas.microsoft.com/office/powerpoint/2010/main" val="1207658432"/>
+        <p14:creationId xmlns:p14="http://schemas.microsoft.com/office/powerpoint/2010/main" xmlns="" val="1207658432"/>
       </p:ext>
     </p:extLst>
   </p:cSld>
@@ -3912,7 +3916,7 @@
     </p:spTree>
     <p:extLst>
       <p:ext uri="{BB962C8B-B14F-4D97-AF65-F5344CB8AC3E}">
-        <p14:creationId xmlns:p14="http://schemas.microsoft.com/office/powerpoint/2010/main" val="2940899993"/>
+        <p14:creationId xmlns:p14="http://schemas.microsoft.com/office/powerpoint/2010/main" xmlns="" val="2940899993"/>
       </p:ext>
     </p:extLst>
   </p:cSld>
@@ -4146,7 +4150,7 @@
     </p:spTree>
     <p:extLst>
       <p:ext uri="{BB962C8B-B14F-4D97-AF65-F5344CB8AC3E}">
-        <p14:creationId xmlns:p14="http://schemas.microsoft.com/office/powerpoint/2010/main" val="1265992149"/>
+        <p14:creationId xmlns:p14="http://schemas.microsoft.com/office/powerpoint/2010/main" xmlns="" val="1265992149"/>
       </p:ext>
     </p:extLst>
   </p:cSld>
@@ -4522,7 +4526,7 @@
     </p:spTree>
     <p:extLst>
       <p:ext uri="{BB962C8B-B14F-4D97-AF65-F5344CB8AC3E}">
-        <p14:creationId xmlns:p14="http://schemas.microsoft.com/office/powerpoint/2010/main" val="1711537170"/>
+        <p14:creationId xmlns:p14="http://schemas.microsoft.com/office/powerpoint/2010/main" xmlns="" val="1711537170"/>
       </p:ext>
     </p:extLst>
   </p:cSld>
@@ -4647,7 +4651,7 @@
     </p:spTree>
     <p:extLst>
       <p:ext uri="{BB962C8B-B14F-4D97-AF65-F5344CB8AC3E}">
-        <p14:creationId xmlns:p14="http://schemas.microsoft.com/office/powerpoint/2010/main" val="3089190593"/>
+        <p14:creationId xmlns:p14="http://schemas.microsoft.com/office/powerpoint/2010/main" xmlns="" val="3089190593"/>
       </p:ext>
     </p:extLst>
   </p:cSld>
@@ -4744,7 +4748,7 @@
     </p:spTree>
     <p:extLst>
       <p:ext uri="{BB962C8B-B14F-4D97-AF65-F5344CB8AC3E}">
-        <p14:creationId xmlns:p14="http://schemas.microsoft.com/office/powerpoint/2010/main" val="2521303672"/>
+        <p14:creationId xmlns:p14="http://schemas.microsoft.com/office/powerpoint/2010/main" xmlns="" val="2521303672"/>
       </p:ext>
     </p:extLst>
   </p:cSld>
@@ -5001,7 +5005,7 @@
     </p:spTree>
     <p:extLst>
       <p:ext uri="{BB962C8B-B14F-4D97-AF65-F5344CB8AC3E}">
-        <p14:creationId xmlns:p14="http://schemas.microsoft.com/office/powerpoint/2010/main" val="1529297431"/>
+        <p14:creationId xmlns:p14="http://schemas.microsoft.com/office/powerpoint/2010/main" xmlns="" val="1529297431"/>
       </p:ext>
     </p:extLst>
   </p:cSld>
@@ -5266,7 +5270,7 @@
     </p:spTree>
     <p:extLst>
       <p:ext uri="{BB962C8B-B14F-4D97-AF65-F5344CB8AC3E}">
-        <p14:creationId xmlns:p14="http://schemas.microsoft.com/office/powerpoint/2010/main" val="4047318941"/>
+        <p14:creationId xmlns:p14="http://schemas.microsoft.com/office/powerpoint/2010/main" xmlns="" val="4047318941"/>
       </p:ext>
     </p:extLst>
   </p:cSld>
@@ -6045,7 +6049,7 @@
     </p:spTree>
     <p:extLst>
       <p:ext uri="{BB962C8B-B14F-4D97-AF65-F5344CB8AC3E}">
-        <p14:creationId xmlns:p14="http://schemas.microsoft.com/office/powerpoint/2010/main" val="4120066486"/>
+        <p14:creationId xmlns:p14="http://schemas.microsoft.com/office/powerpoint/2010/main" xmlns="" val="4120066486"/>
       </p:ext>
     </p:extLst>
   </p:cSld>
@@ -6560,7 +6564,7 @@
     </p:spTree>
     <p:extLst>
       <p:ext uri="{BB962C8B-B14F-4D97-AF65-F5344CB8AC3E}">
-        <p14:creationId xmlns:p14="http://schemas.microsoft.com/office/powerpoint/2010/main" val="384790399"/>
+        <p14:creationId xmlns:p14="http://schemas.microsoft.com/office/powerpoint/2010/main" xmlns="" val="384790399"/>
       </p:ext>
     </p:extLst>
   </p:cSld>
@@ -6604,7 +6608,7 @@
           <a:p>
             <a:r>
               <a:rPr lang="en-GB" dirty="0"/>
-              <a:t>Logline/ Introduction Ryan</a:t>
+              <a:t>Logline/ Introduction </a:t>
             </a:r>
           </a:p>
         </p:txBody>
@@ -6640,7 +6644,7 @@
     </p:spTree>
     <p:extLst>
       <p:ext uri="{BB962C8B-B14F-4D97-AF65-F5344CB8AC3E}">
-        <p14:creationId xmlns:p14="http://schemas.microsoft.com/office/powerpoint/2010/main" val="1925635564"/>
+        <p14:creationId xmlns:p14="http://schemas.microsoft.com/office/powerpoint/2010/main" xmlns="" val="1925635564"/>
       </p:ext>
     </p:extLst>
   </p:cSld>
@@ -6684,7 +6688,7 @@
           <a:p>
             <a:r>
               <a:rPr lang="en-GB" dirty="0"/>
-              <a:t>Target Audience Daniel</a:t>
+              <a:t>Target Audience </a:t>
             </a:r>
           </a:p>
         </p:txBody>
@@ -6784,12 +6788,8 @@
           <a:lstStyle/>
           <a:p>
             <a:r>
-              <a:rPr lang="en-GB"/>
+              <a:rPr lang="en-GB" dirty="0"/>
               <a:t>Emotions </a:t>
-            </a:r>
-            <a:r>
-              <a:rPr lang="en-GB" dirty="0"/>
-              <a:t>Alex</a:t>
             </a:r>
           </a:p>
         </p:txBody>
@@ -6875,7 +6875,7 @@
     </p:spTree>
     <p:extLst>
       <p:ext uri="{BB962C8B-B14F-4D97-AF65-F5344CB8AC3E}">
-        <p14:creationId xmlns:p14="http://schemas.microsoft.com/office/powerpoint/2010/main" val="2525450431"/>
+        <p14:creationId xmlns:p14="http://schemas.microsoft.com/office/powerpoint/2010/main" xmlns="" val="2525450431"/>
       </p:ext>
     </p:extLst>
   </p:cSld>
@@ -6919,7 +6919,7 @@
           <a:p>
             <a:r>
               <a:rPr lang="en-GB" dirty="0"/>
-              <a:t>What does the player do?/ Mechanics Ryan</a:t>
+              <a:t>What does the player do?/ Mechanics </a:t>
             </a:r>
           </a:p>
         </p:txBody>
@@ -6976,7 +6976,7 @@
     </p:spTree>
     <p:extLst>
       <p:ext uri="{BB962C8B-B14F-4D97-AF65-F5344CB8AC3E}">
-        <p14:creationId xmlns:p14="http://schemas.microsoft.com/office/powerpoint/2010/main" val="3361430429"/>
+        <p14:creationId xmlns:p14="http://schemas.microsoft.com/office/powerpoint/2010/main" xmlns="" val="3361430429"/>
       </p:ext>
     </p:extLst>
   </p:cSld>
@@ -7019,13 +7019,10 @@
           <a:lstStyle/>
           <a:p>
             <a:r>
-              <a:rPr lang="en-GB" smtClean="0"/>
+              <a:rPr lang="en-GB" dirty="0" smtClean="0"/>
               <a:t>Moodboard </a:t>
             </a:r>
-            <a:r>
-              <a:rPr lang="en-GB" dirty="0"/>
-              <a:t>Tom</a:t>
-            </a:r>
+            <a:endParaRPr lang="en-GB" dirty="0"/>
           </a:p>
         </p:txBody>
       </p:sp>
@@ -7038,10 +7035,10 @@
           <p:nvPr/>
         </p:nvPicPr>
         <p:blipFill>
-          <a:blip r:embed="rId2">
+          <a:blip r:embed="rId2" cstate="print">
             <a:extLst>
               <a:ext uri="{28A0092B-C50C-407E-A947-70E740481C1C}">
-                <a14:useLocalDpi xmlns:a14="http://schemas.microsoft.com/office/drawing/2010/main" val="0"/>
+                <a14:useLocalDpi xmlns:a14="http://schemas.microsoft.com/office/drawing/2010/main" xmlns="" val="0"/>
               </a:ext>
             </a:extLst>
           </a:blip>
@@ -7061,7 +7058,7 @@
           <a:noFill/>
           <a:extLst>
             <a:ext uri="{909E8E84-426E-40DD-AFC4-6F175D3DCCD1}">
-              <a14:hiddenFill xmlns:a14="http://schemas.microsoft.com/office/drawing/2010/main">
+              <a14:hiddenFill xmlns:a14="http://schemas.microsoft.com/office/drawing/2010/main" xmlns="">
                 <a:solidFill>
                   <a:srgbClr val="FFFFFF"/>
                 </a:solidFill>
@@ -7079,10 +7076,10 @@
           <p:nvPr/>
         </p:nvPicPr>
         <p:blipFill>
-          <a:blip r:embed="rId3">
+          <a:blip r:embed="rId3" cstate="print">
             <a:extLst>
               <a:ext uri="{28A0092B-C50C-407E-A947-70E740481C1C}">
-                <a14:useLocalDpi xmlns:a14="http://schemas.microsoft.com/office/drawing/2010/main" val="0"/>
+                <a14:useLocalDpi xmlns:a14="http://schemas.microsoft.com/office/drawing/2010/main" xmlns="" val="0"/>
               </a:ext>
             </a:extLst>
           </a:blip>
@@ -7102,7 +7099,7 @@
           <a:noFill/>
           <a:extLst>
             <a:ext uri="{909E8E84-426E-40DD-AFC4-6F175D3DCCD1}">
-              <a14:hiddenFill xmlns:a14="http://schemas.microsoft.com/office/drawing/2010/main">
+              <a14:hiddenFill xmlns:a14="http://schemas.microsoft.com/office/drawing/2010/main" xmlns="">
                 <a:solidFill>
                   <a:srgbClr val="FFFFFF"/>
                 </a:solidFill>
@@ -7123,7 +7120,7 @@
           <a:blip r:embed="rId4" cstate="print">
             <a:extLst>
               <a:ext uri="{28A0092B-C50C-407E-A947-70E740481C1C}">
-                <a14:useLocalDpi xmlns:a14="http://schemas.microsoft.com/office/drawing/2010/main" val="0"/>
+                <a14:useLocalDpi xmlns:a14="http://schemas.microsoft.com/office/drawing/2010/main" xmlns="" val="0"/>
               </a:ext>
             </a:extLst>
           </a:blip>
@@ -7143,7 +7140,7 @@
           <a:noFill/>
           <a:extLst>
             <a:ext uri="{909E8E84-426E-40DD-AFC4-6F175D3DCCD1}">
-              <a14:hiddenFill xmlns:a14="http://schemas.microsoft.com/office/drawing/2010/main">
+              <a14:hiddenFill xmlns:a14="http://schemas.microsoft.com/office/drawing/2010/main" xmlns="">
                 <a:solidFill>
                   <a:srgbClr val="FFFFFF"/>
                 </a:solidFill>
@@ -7242,10 +7239,10 @@
           <p:nvPr/>
         </p:nvPicPr>
         <p:blipFill>
-          <a:blip r:embed="rId5">
+          <a:blip r:embed="rId5" cstate="print">
             <a:extLst>
               <a:ext uri="{28A0092B-C50C-407E-A947-70E740481C1C}">
-                <a14:useLocalDpi xmlns:a14="http://schemas.microsoft.com/office/drawing/2010/main" val="0"/>
+                <a14:useLocalDpi xmlns:a14="http://schemas.microsoft.com/office/drawing/2010/main" xmlns="" val="0"/>
               </a:ext>
             </a:extLst>
           </a:blip>
@@ -7265,7 +7262,7 @@
           <a:noFill/>
           <a:extLst>
             <a:ext uri="{909E8E84-426E-40DD-AFC4-6F175D3DCCD1}">
-              <a14:hiddenFill xmlns:a14="http://schemas.microsoft.com/office/drawing/2010/main">
+              <a14:hiddenFill xmlns:a14="http://schemas.microsoft.com/office/drawing/2010/main" xmlns="">
                 <a:solidFill>
                   <a:srgbClr val="FFFFFF"/>
                 </a:solidFill>
@@ -7364,10 +7361,10 @@
           <p:nvPr/>
         </p:nvPicPr>
         <p:blipFill>
-          <a:blip r:embed="rId6">
+          <a:blip r:embed="rId6" cstate="print">
             <a:extLst>
               <a:ext uri="{28A0092B-C50C-407E-A947-70E740481C1C}">
-                <a14:useLocalDpi xmlns:a14="http://schemas.microsoft.com/office/drawing/2010/main" val="0"/>
+                <a14:useLocalDpi xmlns:a14="http://schemas.microsoft.com/office/drawing/2010/main" xmlns="" val="0"/>
               </a:ext>
             </a:extLst>
           </a:blip>
@@ -7387,7 +7384,7 @@
           <a:noFill/>
           <a:extLst>
             <a:ext uri="{909E8E84-426E-40DD-AFC4-6F175D3DCCD1}">
-              <a14:hiddenFill xmlns:a14="http://schemas.microsoft.com/office/drawing/2010/main">
+              <a14:hiddenFill xmlns:a14="http://schemas.microsoft.com/office/drawing/2010/main" xmlns="">
                 <a:solidFill>
                   <a:srgbClr val="FFFFFF"/>
                 </a:solidFill>
@@ -7566,10 +7563,10 @@
           <p:nvPr/>
         </p:nvPicPr>
         <p:blipFill>
-          <a:blip r:embed="rId7">
+          <a:blip r:embed="rId7" cstate="print">
             <a:extLst>
               <a:ext uri="{28A0092B-C50C-407E-A947-70E740481C1C}">
-                <a14:useLocalDpi xmlns:a14="http://schemas.microsoft.com/office/drawing/2010/main" val="0"/>
+                <a14:useLocalDpi xmlns:a14="http://schemas.microsoft.com/office/drawing/2010/main" xmlns="" val="0"/>
               </a:ext>
             </a:extLst>
           </a:blip>
@@ -7589,7 +7586,7 @@
           <a:noFill/>
           <a:extLst>
             <a:ext uri="{909E8E84-426E-40DD-AFC4-6F175D3DCCD1}">
-              <a14:hiddenFill xmlns:a14="http://schemas.microsoft.com/office/drawing/2010/main">
+              <a14:hiddenFill xmlns:a14="http://schemas.microsoft.com/office/drawing/2010/main" xmlns="">
                 <a:solidFill>
                   <a:srgbClr val="FFFFFF"/>
                 </a:solidFill>
@@ -7687,10 +7684,10 @@
           <p:nvPr/>
         </p:nvPicPr>
         <p:blipFill>
-          <a:blip r:embed="rId8">
+          <a:blip r:embed="rId8" cstate="print">
             <a:extLst>
               <a:ext uri="{28A0092B-C50C-407E-A947-70E740481C1C}">
-                <a14:useLocalDpi xmlns:a14="http://schemas.microsoft.com/office/drawing/2010/main" val="0"/>
+                <a14:useLocalDpi xmlns:a14="http://schemas.microsoft.com/office/drawing/2010/main" xmlns="" val="0"/>
               </a:ext>
             </a:extLst>
           </a:blip>
@@ -7710,7 +7707,7 @@
           <a:noFill/>
           <a:extLst>
             <a:ext uri="{909E8E84-426E-40DD-AFC4-6F175D3DCCD1}">
-              <a14:hiddenFill xmlns:a14="http://schemas.microsoft.com/office/drawing/2010/main">
+              <a14:hiddenFill xmlns:a14="http://schemas.microsoft.com/office/drawing/2010/main" xmlns="">
                 <a:solidFill>
                   <a:srgbClr val="FFFFFF"/>
                 </a:solidFill>
@@ -7802,7 +7799,7 @@
     </p:spTree>
     <p:extLst>
       <p:ext uri="{BB962C8B-B14F-4D97-AF65-F5344CB8AC3E}">
-        <p14:creationId xmlns:p14="http://schemas.microsoft.com/office/powerpoint/2010/main" val="2445174280"/>
+        <p14:creationId xmlns:p14="http://schemas.microsoft.com/office/powerpoint/2010/main" xmlns="" val="2445174280"/>
       </p:ext>
     </p:extLst>
   </p:cSld>
@@ -7851,7 +7848,7 @@
           <a:p>
             <a:r>
               <a:rPr lang="en-GB" dirty="0"/>
-              <a:t>Art Style Tom</a:t>
+              <a:t>Art Style </a:t>
             </a:r>
           </a:p>
         </p:txBody>
@@ -7950,7 +7947,7 @@
           <p:nvPr/>
         </p:nvPicPr>
         <p:blipFill>
-          <a:blip r:embed="rId3"/>
+          <a:blip r:embed="rId3" cstate="print"/>
           <a:stretch>
             <a:fillRect/>
           </a:stretch>
@@ -7974,7 +7971,7 @@
           <p:nvPr/>
         </p:nvPicPr>
         <p:blipFill>
-          <a:blip r:embed="rId4"/>
+          <a:blip r:embed="rId4" cstate="print"/>
           <a:stretch>
             <a:fillRect/>
           </a:stretch>
@@ -7992,7 +7989,7 @@
     </p:spTree>
     <p:extLst>
       <p:ext uri="{BB962C8B-B14F-4D97-AF65-F5344CB8AC3E}">
-        <p14:creationId xmlns:p14="http://schemas.microsoft.com/office/powerpoint/2010/main" val="2005683756"/>
+        <p14:creationId xmlns:p14="http://schemas.microsoft.com/office/powerpoint/2010/main" xmlns="" val="2005683756"/>
       </p:ext>
     </p:extLst>
   </p:cSld>
@@ -8099,8 +8096,13 @@
             </a:pPr>
             <a:r>
               <a:rPr lang="en-GB" dirty="0"/>
-              <a:t>Tom: 1</a:t>
-            </a:r>
+              <a:t>Tom: </a:t>
+            </a:r>
+            <a:r>
+              <a:rPr lang="en-GB" dirty="0" smtClean="0"/>
+              <a:t>4</a:t>
+            </a:r>
+            <a:endParaRPr lang="en-GB" dirty="0"/>
           </a:p>
           <a:p>
             <a:pPr marL="0" indent="0">
@@ -8108,8 +8110,13 @@
             </a:pPr>
             <a:r>
               <a:rPr lang="en-GB" dirty="0"/>
-              <a:t>Overall: 15</a:t>
-            </a:r>
+              <a:t>Overall: </a:t>
+            </a:r>
+            <a:r>
+              <a:rPr lang="en-GB" dirty="0" smtClean="0"/>
+              <a:t>18</a:t>
+            </a:r>
+            <a:endParaRPr lang="en-GB" dirty="0"/>
           </a:p>
           <a:p>
             <a:pPr marL="0" indent="0">
@@ -8158,7 +8165,7 @@
     </p:spTree>
     <p:extLst>
       <p:ext uri="{BB962C8B-B14F-4D97-AF65-F5344CB8AC3E}">
-        <p14:creationId xmlns:p14="http://schemas.microsoft.com/office/powerpoint/2010/main" val="2670981841"/>
+        <p14:creationId xmlns:p14="http://schemas.microsoft.com/office/powerpoint/2010/main" xmlns="" val="2670981841"/>
       </p:ext>
     </p:extLst>
   </p:cSld>
@@ -8419,7 +8426,7 @@
   <a:extraClrSchemeLst/>
   <a:extLst>
     <a:ext uri="{05A4C25C-085E-4340-85A3-A5531E510DB2}">
-      <thm15:themeFamily xmlns:thm15="http://schemas.microsoft.com/office/thememl/2012/main" name="Facet" id="{C0C680CD-088A-49FC-A102-D699147F32B2}" vid="{CFBC31BA-B70F-4F30-BCAA-4F3011E16C4D}"/>
+      <thm15:themeFamily xmlns:thm15="http://schemas.microsoft.com/office/thememl/2012/main" xmlns="" name="Facet" id="{C0C680CD-088A-49FC-A102-D699147F32B2}" vid="{CFBC31BA-B70F-4F30-BCAA-4F3011E16C4D}"/>
     </a:ext>
   </a:extLst>
 </a:theme>
@@ -8468,7 +8475,7 @@
     </a:clrScheme>
     <a:fontScheme name="Office">
       <a:majorFont>
-        <a:latin typeface="Calibri Light" panose="020F0302020204030204"/>
+        <a:latin typeface="Calibri Light"/>
         <a:ea typeface=""/>
         <a:cs typeface=""/>
         <a:font script="Jpan" typeface="游ゴシック Light"/>
@@ -8520,7 +8527,7 @@
         <a:font script="Tfng" typeface="Ebrima"/>
       </a:majorFont>
       <a:minorFont>
-        <a:latin typeface="Calibri" panose="020F0502020204030204"/>
+        <a:latin typeface="Calibri"/>
         <a:ea typeface=""/>
         <a:cs typeface=""/>
         <a:font script="Jpan" typeface="游ゴシック"/>
@@ -8714,7 +8721,7 @@
   <a:extraClrSchemeLst/>
   <a:extLst>
     <a:ext uri="{05A4C25C-085E-4340-85A3-A5531E510DB2}">
-      <thm15:themeFamily xmlns:thm15="http://schemas.microsoft.com/office/thememl/2012/main" name="Office Theme" id="{62F939B6-93AF-4DB8-9C6B-D6C7DFDC589F}" vid="{4A3C46E8-61CC-4603-A589-7422A47A8E4A}"/>
+      <thm15:themeFamily xmlns:thm15="http://schemas.microsoft.com/office/thememl/2012/main" xmlns="" name="Office Theme" id="{62F939B6-93AF-4DB8-9C6B-D6C7DFDC589F}" vid="{4A3C46E8-61CC-4603-A589-7422A47A8E4A}"/>
     </a:ext>
   </a:extLst>
 </a:theme>

--- a/Group 14.pptx
+++ b/Group 14.pptx
@@ -116,7 +116,7 @@
   </p:defaultTextStyle>
   <p:extLst>
     <p:ext uri="{EFAFB233-063F-42B5-8137-9DF3F51BA10A}">
-      <p15:sldGuideLst xmlns:p15="http://schemas.microsoft.com/office/powerpoint/2012/main" xmlns="">
+      <p15:sldGuideLst xmlns="" xmlns:p15="http://schemas.microsoft.com/office/powerpoint/2012/main">
         <p15:guide id="1" orient="horz" pos="2160">
           <p15:clr>
             <a:srgbClr val="A4A3A4"/>
@@ -384,7 +384,7 @@
     </p:spTree>
     <p:extLst>
       <p:ext uri="{BB962C8B-B14F-4D97-AF65-F5344CB8AC3E}">
-        <p14:creationId xmlns:p14="http://schemas.microsoft.com/office/powerpoint/2010/main" xmlns="" val="1094693689"/>
+        <p14:creationId xmlns="" xmlns:p14="http://schemas.microsoft.com/office/powerpoint/2010/main" val="1094693689"/>
       </p:ext>
     </p:extLst>
   </p:cSld>
@@ -642,7 +642,7 @@
     </p:spTree>
     <p:extLst>
       <p:ext uri="{BB962C8B-B14F-4D97-AF65-F5344CB8AC3E}">
-        <p14:creationId xmlns:p14="http://schemas.microsoft.com/office/powerpoint/2010/main" xmlns="" val="1389064531"/>
+        <p14:creationId xmlns="" xmlns:p14="http://schemas.microsoft.com/office/powerpoint/2010/main" val="1389064531"/>
       </p:ext>
     </p:extLst>
   </p:cSld>
@@ -727,7 +727,7 @@
     </p:spTree>
     <p:extLst>
       <p:ext uri="{BB962C8B-B14F-4D97-AF65-F5344CB8AC3E}">
-        <p14:creationId xmlns:p14="http://schemas.microsoft.com/office/powerpoint/2010/main" xmlns="" val="3455208772"/>
+        <p14:creationId xmlns="" xmlns:p14="http://schemas.microsoft.com/office/powerpoint/2010/main" val="3455208772"/>
       </p:ext>
     </p:extLst>
   </p:cSld>
@@ -1512,7 +1512,7 @@
     </p:spTree>
     <p:extLst>
       <p:ext uri="{BB962C8B-B14F-4D97-AF65-F5344CB8AC3E}">
-        <p14:creationId xmlns:p14="http://schemas.microsoft.com/office/powerpoint/2010/main" xmlns="" val="1416213336"/>
+        <p14:creationId xmlns="" xmlns:p14="http://schemas.microsoft.com/office/powerpoint/2010/main" val="1416213336"/>
       </p:ext>
     </p:extLst>
   </p:cSld>
@@ -1765,7 +1765,7 @@
     </p:spTree>
     <p:extLst>
       <p:ext uri="{BB962C8B-B14F-4D97-AF65-F5344CB8AC3E}">
-        <p14:creationId xmlns:p14="http://schemas.microsoft.com/office/powerpoint/2010/main" xmlns="" val="2996688164"/>
+        <p14:creationId xmlns="" xmlns:p14="http://schemas.microsoft.com/office/powerpoint/2010/main" val="2996688164"/>
       </p:ext>
     </p:extLst>
   </p:cSld>
@@ -2171,7 +2171,7 @@
     </p:spTree>
     <p:extLst>
       <p:ext uri="{BB962C8B-B14F-4D97-AF65-F5344CB8AC3E}">
-        <p14:creationId xmlns:p14="http://schemas.microsoft.com/office/powerpoint/2010/main" xmlns="" val="628267690"/>
+        <p14:creationId xmlns="" xmlns:p14="http://schemas.microsoft.com/office/powerpoint/2010/main" val="628267690"/>
       </p:ext>
     </p:extLst>
   </p:cSld>
@@ -2424,7 +2424,7 @@
     </p:spTree>
     <p:extLst>
       <p:ext uri="{BB962C8B-B14F-4D97-AF65-F5344CB8AC3E}">
-        <p14:creationId xmlns:p14="http://schemas.microsoft.com/office/powerpoint/2010/main" xmlns="" val="642880592"/>
+        <p14:creationId xmlns="" xmlns:p14="http://schemas.microsoft.com/office/powerpoint/2010/main" val="642880592"/>
       </p:ext>
     </p:extLst>
   </p:cSld>
@@ -2822,7 +2822,7 @@
     </p:spTree>
     <p:extLst>
       <p:ext uri="{BB962C8B-B14F-4D97-AF65-F5344CB8AC3E}">
-        <p14:creationId xmlns:p14="http://schemas.microsoft.com/office/powerpoint/2010/main" xmlns="" val="1677234499"/>
+        <p14:creationId xmlns="" xmlns:p14="http://schemas.microsoft.com/office/powerpoint/2010/main" val="1677234499"/>
       </p:ext>
     </p:extLst>
   </p:cSld>
@@ -3135,7 +3135,7 @@
     </p:spTree>
     <p:extLst>
       <p:ext uri="{BB962C8B-B14F-4D97-AF65-F5344CB8AC3E}">
-        <p14:creationId xmlns:p14="http://schemas.microsoft.com/office/powerpoint/2010/main" xmlns="" val="1214186571"/>
+        <p14:creationId xmlns="" xmlns:p14="http://schemas.microsoft.com/office/powerpoint/2010/main" val="1214186571"/>
       </p:ext>
     </p:extLst>
   </p:cSld>
@@ -3307,7 +3307,7 @@
     </p:spTree>
     <p:extLst>
       <p:ext uri="{BB962C8B-B14F-4D97-AF65-F5344CB8AC3E}">
-        <p14:creationId xmlns:p14="http://schemas.microsoft.com/office/powerpoint/2010/main" xmlns="" val="333804558"/>
+        <p14:creationId xmlns="" xmlns:p14="http://schemas.microsoft.com/office/powerpoint/2010/main" val="333804558"/>
       </p:ext>
     </p:extLst>
   </p:cSld>
@@ -3489,7 +3489,7 @@
     </p:spTree>
     <p:extLst>
       <p:ext uri="{BB962C8B-B14F-4D97-AF65-F5344CB8AC3E}">
-        <p14:creationId xmlns:p14="http://schemas.microsoft.com/office/powerpoint/2010/main" xmlns="" val="2904802637"/>
+        <p14:creationId xmlns="" xmlns:p14="http://schemas.microsoft.com/office/powerpoint/2010/main" val="2904802637"/>
       </p:ext>
     </p:extLst>
   </p:cSld>
@@ -3667,7 +3667,7 @@
     </p:spTree>
     <p:extLst>
       <p:ext uri="{BB962C8B-B14F-4D97-AF65-F5344CB8AC3E}">
-        <p14:creationId xmlns:p14="http://schemas.microsoft.com/office/powerpoint/2010/main" xmlns="" val="1207658432"/>
+        <p14:creationId xmlns="" xmlns:p14="http://schemas.microsoft.com/office/powerpoint/2010/main" val="1207658432"/>
       </p:ext>
     </p:extLst>
   </p:cSld>
@@ -3916,7 +3916,7 @@
     </p:spTree>
     <p:extLst>
       <p:ext uri="{BB962C8B-B14F-4D97-AF65-F5344CB8AC3E}">
-        <p14:creationId xmlns:p14="http://schemas.microsoft.com/office/powerpoint/2010/main" xmlns="" val="2940899993"/>
+        <p14:creationId xmlns="" xmlns:p14="http://schemas.microsoft.com/office/powerpoint/2010/main" val="2940899993"/>
       </p:ext>
     </p:extLst>
   </p:cSld>
@@ -4150,7 +4150,7 @@
     </p:spTree>
     <p:extLst>
       <p:ext uri="{BB962C8B-B14F-4D97-AF65-F5344CB8AC3E}">
-        <p14:creationId xmlns:p14="http://schemas.microsoft.com/office/powerpoint/2010/main" xmlns="" val="1265992149"/>
+        <p14:creationId xmlns="" xmlns:p14="http://schemas.microsoft.com/office/powerpoint/2010/main" val="1265992149"/>
       </p:ext>
     </p:extLst>
   </p:cSld>
@@ -4526,7 +4526,7 @@
     </p:spTree>
     <p:extLst>
       <p:ext uri="{BB962C8B-B14F-4D97-AF65-F5344CB8AC3E}">
-        <p14:creationId xmlns:p14="http://schemas.microsoft.com/office/powerpoint/2010/main" xmlns="" val="1711537170"/>
+        <p14:creationId xmlns="" xmlns:p14="http://schemas.microsoft.com/office/powerpoint/2010/main" val="1711537170"/>
       </p:ext>
     </p:extLst>
   </p:cSld>
@@ -4651,7 +4651,7 @@
     </p:spTree>
     <p:extLst>
       <p:ext uri="{BB962C8B-B14F-4D97-AF65-F5344CB8AC3E}">
-        <p14:creationId xmlns:p14="http://schemas.microsoft.com/office/powerpoint/2010/main" xmlns="" val="3089190593"/>
+        <p14:creationId xmlns="" xmlns:p14="http://schemas.microsoft.com/office/powerpoint/2010/main" val="3089190593"/>
       </p:ext>
     </p:extLst>
   </p:cSld>
@@ -4748,7 +4748,7 @@
     </p:spTree>
     <p:extLst>
       <p:ext uri="{BB962C8B-B14F-4D97-AF65-F5344CB8AC3E}">
-        <p14:creationId xmlns:p14="http://schemas.microsoft.com/office/powerpoint/2010/main" xmlns="" val="2521303672"/>
+        <p14:creationId xmlns="" xmlns:p14="http://schemas.microsoft.com/office/powerpoint/2010/main" val="2521303672"/>
       </p:ext>
     </p:extLst>
   </p:cSld>
@@ -5005,7 +5005,7 @@
     </p:spTree>
     <p:extLst>
       <p:ext uri="{BB962C8B-B14F-4D97-AF65-F5344CB8AC3E}">
-        <p14:creationId xmlns:p14="http://schemas.microsoft.com/office/powerpoint/2010/main" xmlns="" val="1529297431"/>
+        <p14:creationId xmlns="" xmlns:p14="http://schemas.microsoft.com/office/powerpoint/2010/main" val="1529297431"/>
       </p:ext>
     </p:extLst>
   </p:cSld>
@@ -5270,7 +5270,7 @@
     </p:spTree>
     <p:extLst>
       <p:ext uri="{BB962C8B-B14F-4D97-AF65-F5344CB8AC3E}">
-        <p14:creationId xmlns:p14="http://schemas.microsoft.com/office/powerpoint/2010/main" xmlns="" val="4047318941"/>
+        <p14:creationId xmlns="" xmlns:p14="http://schemas.microsoft.com/office/powerpoint/2010/main" val="4047318941"/>
       </p:ext>
     </p:extLst>
   </p:cSld>
@@ -6049,7 +6049,7 @@
     </p:spTree>
     <p:extLst>
       <p:ext uri="{BB962C8B-B14F-4D97-AF65-F5344CB8AC3E}">
-        <p14:creationId xmlns:p14="http://schemas.microsoft.com/office/powerpoint/2010/main" xmlns="" val="4120066486"/>
+        <p14:creationId xmlns="" xmlns:p14="http://schemas.microsoft.com/office/powerpoint/2010/main" val="4120066486"/>
       </p:ext>
     </p:extLst>
   </p:cSld>
@@ -6564,7 +6564,7 @@
     </p:spTree>
     <p:extLst>
       <p:ext uri="{BB962C8B-B14F-4D97-AF65-F5344CB8AC3E}">
-        <p14:creationId xmlns:p14="http://schemas.microsoft.com/office/powerpoint/2010/main" xmlns="" val="384790399"/>
+        <p14:creationId xmlns="" xmlns:p14="http://schemas.microsoft.com/office/powerpoint/2010/main" val="384790399"/>
       </p:ext>
     </p:extLst>
   </p:cSld>
@@ -6644,7 +6644,7 @@
     </p:spTree>
     <p:extLst>
       <p:ext uri="{BB962C8B-B14F-4D97-AF65-F5344CB8AC3E}">
-        <p14:creationId xmlns:p14="http://schemas.microsoft.com/office/powerpoint/2010/main" xmlns="" val="1925635564"/>
+        <p14:creationId xmlns="" xmlns:p14="http://schemas.microsoft.com/office/powerpoint/2010/main" val="1925635564"/>
       </p:ext>
     </p:extLst>
   </p:cSld>
@@ -6875,7 +6875,7 @@
     </p:spTree>
     <p:extLst>
       <p:ext uri="{BB962C8B-B14F-4D97-AF65-F5344CB8AC3E}">
-        <p14:creationId xmlns:p14="http://schemas.microsoft.com/office/powerpoint/2010/main" xmlns="" val="2525450431"/>
+        <p14:creationId xmlns="" xmlns:p14="http://schemas.microsoft.com/office/powerpoint/2010/main" val="2525450431"/>
       </p:ext>
     </p:extLst>
   </p:cSld>
@@ -6976,7 +6976,7 @@
     </p:spTree>
     <p:extLst>
       <p:ext uri="{BB962C8B-B14F-4D97-AF65-F5344CB8AC3E}">
-        <p14:creationId xmlns:p14="http://schemas.microsoft.com/office/powerpoint/2010/main" xmlns="" val="3361430429"/>
+        <p14:creationId xmlns="" xmlns:p14="http://schemas.microsoft.com/office/powerpoint/2010/main" val="3361430429"/>
       </p:ext>
     </p:extLst>
   </p:cSld>
@@ -7038,19 +7038,19 @@
           <a:blip r:embed="rId2" cstate="print">
             <a:extLst>
               <a:ext uri="{28A0092B-C50C-407E-A947-70E740481C1C}">
-                <a14:useLocalDpi xmlns:a14="http://schemas.microsoft.com/office/drawing/2010/main" xmlns="" val="0"/>
+                <a14:useLocalDpi xmlns="" xmlns:a14="http://schemas.microsoft.com/office/drawing/2010/main" val="0"/>
               </a:ext>
             </a:extLst>
           </a:blip>
-          <a:srcRect t="14697" b="15849"/>
+          <a:srcRect l="8921" t="14697" r="11515" b="15849"/>
           <a:stretch>
             <a:fillRect/>
           </a:stretch>
         </p:blipFill>
         <p:spPr bwMode="auto">
           <a:xfrm>
-            <a:off x="636419" y="3781424"/>
-            <a:ext cx="1749426" cy="1614488"/>
+            <a:off x="670560" y="3842384"/>
+            <a:ext cx="1391920" cy="1614488"/>
           </a:xfrm>
           <a:prstGeom prst="rect">
             <a:avLst/>
@@ -7058,7 +7058,7 @@
           <a:noFill/>
           <a:extLst>
             <a:ext uri="{909E8E84-426E-40DD-AFC4-6F175D3DCCD1}">
-              <a14:hiddenFill xmlns:a14="http://schemas.microsoft.com/office/drawing/2010/main" xmlns="">
+              <a14:hiddenFill xmlns="" xmlns:a14="http://schemas.microsoft.com/office/drawing/2010/main">
                 <a:solidFill>
                   <a:srgbClr val="FFFFFF"/>
                 </a:solidFill>
@@ -7079,7 +7079,7 @@
           <a:blip r:embed="rId3" cstate="print">
             <a:extLst>
               <a:ext uri="{28A0092B-C50C-407E-A947-70E740481C1C}">
-                <a14:useLocalDpi xmlns:a14="http://schemas.microsoft.com/office/drawing/2010/main" xmlns="" val="0"/>
+                <a14:useLocalDpi xmlns="" xmlns:a14="http://schemas.microsoft.com/office/drawing/2010/main" val="0"/>
               </a:ext>
             </a:extLst>
           </a:blip>
@@ -7090,7 +7090,7 @@
         </p:blipFill>
         <p:spPr bwMode="auto">
           <a:xfrm>
-            <a:off x="3395495" y="1356751"/>
+            <a:off x="2755415" y="1377071"/>
             <a:ext cx="1400175" cy="1400175"/>
           </a:xfrm>
           <a:prstGeom prst="rect">
@@ -7099,7 +7099,7 @@
           <a:noFill/>
           <a:extLst>
             <a:ext uri="{909E8E84-426E-40DD-AFC4-6F175D3DCCD1}">
-              <a14:hiddenFill xmlns:a14="http://schemas.microsoft.com/office/drawing/2010/main" xmlns="">
+              <a14:hiddenFill xmlns="" xmlns:a14="http://schemas.microsoft.com/office/drawing/2010/main">
                 <a:solidFill>
                   <a:srgbClr val="FFFFFF"/>
                 </a:solidFill>
@@ -7120,19 +7120,19 @@
           <a:blip r:embed="rId4" cstate="print">
             <a:extLst>
               <a:ext uri="{28A0092B-C50C-407E-A947-70E740481C1C}">
-                <a14:useLocalDpi xmlns:a14="http://schemas.microsoft.com/office/drawing/2010/main" xmlns="" val="0"/>
+                <a14:useLocalDpi xmlns="" xmlns:a14="http://schemas.microsoft.com/office/drawing/2010/main" val="0"/>
               </a:ext>
             </a:extLst>
           </a:blip>
-          <a:srcRect/>
+          <a:srcRect l="2558"/>
           <a:stretch>
             <a:fillRect/>
           </a:stretch>
         </p:blipFill>
         <p:spPr bwMode="auto">
           <a:xfrm>
-            <a:off x="6906244" y="1356852"/>
-            <a:ext cx="2482850" cy="1570038"/>
+            <a:off x="4460240" y="1306052"/>
+            <a:ext cx="2419334" cy="1570038"/>
           </a:xfrm>
           <a:prstGeom prst="rect">
             <a:avLst/>
@@ -7140,7 +7140,7 @@
           <a:noFill/>
           <a:extLst>
             <a:ext uri="{909E8E84-426E-40DD-AFC4-6F175D3DCCD1}">
-              <a14:hiddenFill xmlns:a14="http://schemas.microsoft.com/office/drawing/2010/main" xmlns="">
+              <a14:hiddenFill xmlns="" xmlns:a14="http://schemas.microsoft.com/office/drawing/2010/main">
                 <a:solidFill>
                   <a:srgbClr val="FFFFFF"/>
                 </a:solidFill>
@@ -7159,8 +7159,8 @@
         </p:nvSpPr>
         <p:spPr bwMode="auto">
           <a:xfrm>
-            <a:off x="3629108" y="3017001"/>
-            <a:ext cx="2574925" cy="307777"/>
+            <a:off x="2653749" y="2915401"/>
+            <a:ext cx="1613451" cy="523220"/>
           </a:xfrm>
           <a:prstGeom prst="rect">
             <a:avLst/>
@@ -7230,47 +7230,6 @@
           </a:p>
         </p:txBody>
       </p:sp>
-      <p:pic>
-        <p:nvPicPr>
-          <p:cNvPr id="8" name="Picture 4" descr="Image result for world globe puzzle"/>
-          <p:cNvPicPr>
-            <a:picLocks noChangeAspect="1" noChangeArrowheads="1"/>
-          </p:cNvPicPr>
-          <p:nvPr/>
-        </p:nvPicPr>
-        <p:blipFill>
-          <a:blip r:embed="rId5" cstate="print">
-            <a:extLst>
-              <a:ext uri="{28A0092B-C50C-407E-A947-70E740481C1C}">
-                <a14:useLocalDpi xmlns:a14="http://schemas.microsoft.com/office/drawing/2010/main" xmlns="" val="0"/>
-              </a:ext>
-            </a:extLst>
-          </a:blip>
-          <a:srcRect l="15344" t="6284" r="10188" b="7068"/>
-          <a:stretch>
-            <a:fillRect/>
-          </a:stretch>
-        </p:blipFill>
-        <p:spPr bwMode="auto">
-          <a:xfrm>
-            <a:off x="4986961" y="1290949"/>
-            <a:ext cx="1300162" cy="1509713"/>
-          </a:xfrm>
-          <a:prstGeom prst="rect">
-            <a:avLst/>
-          </a:prstGeom>
-          <a:noFill/>
-          <a:extLst>
-            <a:ext uri="{909E8E84-426E-40DD-AFC4-6F175D3DCCD1}">
-              <a14:hiddenFill xmlns:a14="http://schemas.microsoft.com/office/drawing/2010/main" xmlns="">
-                <a:solidFill>
-                  <a:srgbClr val="FFFFFF"/>
-                </a:solidFill>
-              </a14:hiddenFill>
-            </a:ext>
-          </a:extLst>
-        </p:spPr>
-      </p:pic>
       <p:sp>
         <p:nvSpPr>
           <p:cNvPr id="9" name="Text Box 10"/>
@@ -7281,7 +7240,7 @@
         </p:nvSpPr>
         <p:spPr bwMode="auto">
           <a:xfrm>
-            <a:off x="315912" y="2822575"/>
+            <a:off x="244792" y="2934335"/>
             <a:ext cx="2235200" cy="523220"/>
           </a:xfrm>
           <a:prstGeom prst="rect">
@@ -7361,10 +7320,10 @@
           <p:nvPr/>
         </p:nvPicPr>
         <p:blipFill>
-          <a:blip r:embed="rId6" cstate="print">
+          <a:blip r:embed="rId5" cstate="print">
             <a:extLst>
               <a:ext uri="{28A0092B-C50C-407E-A947-70E740481C1C}">
-                <a14:useLocalDpi xmlns:a14="http://schemas.microsoft.com/office/drawing/2010/main" xmlns="" val="0"/>
+                <a14:useLocalDpi xmlns="" xmlns:a14="http://schemas.microsoft.com/office/drawing/2010/main" val="0"/>
               </a:ext>
             </a:extLst>
           </a:blip>
@@ -7384,7 +7343,7 @@
           <a:noFill/>
           <a:extLst>
             <a:ext uri="{909E8E84-426E-40DD-AFC4-6F175D3DCCD1}">
-              <a14:hiddenFill xmlns:a14="http://schemas.microsoft.com/office/drawing/2010/main" xmlns="">
+              <a14:hiddenFill xmlns="" xmlns:a14="http://schemas.microsoft.com/office/drawing/2010/main">
                 <a:solidFill>
                   <a:srgbClr val="FFFFFF"/>
                 </a:solidFill>
@@ -7403,7 +7362,7 @@
         </p:nvSpPr>
         <p:spPr bwMode="auto">
           <a:xfrm>
-            <a:off x="7637462" y="3022600"/>
+            <a:off x="4792662" y="2921000"/>
             <a:ext cx="1336675" cy="307777"/>
           </a:xfrm>
           <a:prstGeom prst="rect">
@@ -7484,8 +7443,8 @@
         </p:nvSpPr>
         <p:spPr bwMode="auto">
           <a:xfrm>
-            <a:off x="479424" y="5806278"/>
-            <a:ext cx="2071688" cy="570459"/>
+            <a:off x="509904" y="5846918"/>
+            <a:ext cx="1491616" cy="570459"/>
           </a:xfrm>
           <a:prstGeom prst="rect">
             <a:avLst/>
@@ -7563,22 +7522,22 @@
           <p:nvPr/>
         </p:nvPicPr>
         <p:blipFill>
-          <a:blip r:embed="rId7" cstate="print">
+          <a:blip r:embed="rId6" cstate="print">
             <a:extLst>
               <a:ext uri="{28A0092B-C50C-407E-A947-70E740481C1C}">
-                <a14:useLocalDpi xmlns:a14="http://schemas.microsoft.com/office/drawing/2010/main" xmlns="" val="0"/>
+                <a14:useLocalDpi xmlns="" xmlns:a14="http://schemas.microsoft.com/office/drawing/2010/main" val="0"/>
               </a:ext>
             </a:extLst>
           </a:blip>
-          <a:srcRect/>
+          <a:srcRect l="13996"/>
           <a:stretch>
             <a:fillRect/>
           </a:stretch>
         </p:blipFill>
         <p:spPr bwMode="auto">
           <a:xfrm>
-            <a:off x="6906244" y="3800163"/>
-            <a:ext cx="2559050" cy="1595437"/>
+            <a:off x="4897120" y="3881443"/>
+            <a:ext cx="2200894" cy="1595437"/>
           </a:xfrm>
           <a:prstGeom prst="rect">
             <a:avLst/>
@@ -7586,7 +7545,7 @@
           <a:noFill/>
           <a:extLst>
             <a:ext uri="{909E8E84-426E-40DD-AFC4-6F175D3DCCD1}">
-              <a14:hiddenFill xmlns:a14="http://schemas.microsoft.com/office/drawing/2010/main" xmlns="">
+              <a14:hiddenFill xmlns="" xmlns:a14="http://schemas.microsoft.com/office/drawing/2010/main">
                 <a:solidFill>
                   <a:srgbClr val="FFFFFF"/>
                 </a:solidFill>
@@ -7605,8 +7564,8 @@
         </p:nvSpPr>
         <p:spPr bwMode="auto">
           <a:xfrm>
-            <a:off x="6906245" y="5796130"/>
-            <a:ext cx="2367758" cy="493713"/>
+            <a:off x="4843765" y="5857090"/>
+            <a:ext cx="2359675" cy="493713"/>
           </a:xfrm>
           <a:prstGeom prst="rect">
             <a:avLst/>
@@ -7684,22 +7643,22 @@
           <p:nvPr/>
         </p:nvPicPr>
         <p:blipFill>
-          <a:blip r:embed="rId8" cstate="print">
+          <a:blip r:embed="rId7" cstate="print">
             <a:extLst>
               <a:ext uri="{28A0092B-C50C-407E-A947-70E740481C1C}">
-                <a14:useLocalDpi xmlns:a14="http://schemas.microsoft.com/office/drawing/2010/main" xmlns="" val="0"/>
+                <a14:useLocalDpi xmlns="" xmlns:a14="http://schemas.microsoft.com/office/drawing/2010/main" val="0"/>
               </a:ext>
             </a:extLst>
           </a:blip>
-          <a:srcRect t="5295" b="6142"/>
+          <a:srcRect l="6674" t="5295" r="17969" b="6142"/>
           <a:stretch>
             <a:fillRect/>
           </a:stretch>
         </p:blipFill>
         <p:spPr bwMode="auto">
           <a:xfrm>
-            <a:off x="3609975" y="3808412"/>
-            <a:ext cx="2844800" cy="1587500"/>
+            <a:off x="2387600" y="3859212"/>
+            <a:ext cx="2143760" cy="1587500"/>
           </a:xfrm>
           <a:prstGeom prst="rect">
             <a:avLst/>
@@ -7707,7 +7666,7 @@
           <a:noFill/>
           <a:extLst>
             <a:ext uri="{909E8E84-426E-40DD-AFC4-6F175D3DCCD1}">
-              <a14:hiddenFill xmlns:a14="http://schemas.microsoft.com/office/drawing/2010/main" xmlns="">
+              <a14:hiddenFill xmlns="" xmlns:a14="http://schemas.microsoft.com/office/drawing/2010/main">
                 <a:solidFill>
                   <a:srgbClr val="FFFFFF"/>
                 </a:solidFill>
@@ -7726,8 +7685,8 @@
         </p:nvSpPr>
         <p:spPr bwMode="auto">
           <a:xfrm>
-            <a:off x="3759825" y="5806278"/>
-            <a:ext cx="2527297" cy="764550"/>
+            <a:off x="2225665" y="5846918"/>
+            <a:ext cx="2447935" cy="764550"/>
           </a:xfrm>
           <a:prstGeom prst="rect">
             <a:avLst/>
@@ -7796,10 +7755,225 @@
           </a:p>
         </p:txBody>
       </p:sp>
+      <p:pic>
+        <p:nvPicPr>
+          <p:cNvPr id="4098" name="Picture 2" descr="Image result for dusty book spines"/>
+          <p:cNvPicPr>
+            <a:picLocks noChangeAspect="1" noChangeArrowheads="1"/>
+          </p:cNvPicPr>
+          <p:nvPr/>
+        </p:nvPicPr>
+        <p:blipFill>
+          <a:blip r:embed="rId8" cstate="print"/>
+          <a:srcRect t="22778" r="12044"/>
+          <a:stretch>
+            <a:fillRect/>
+          </a:stretch>
+        </p:blipFill>
+        <p:spPr bwMode="auto">
+          <a:xfrm>
+            <a:off x="7196456" y="1304449"/>
+            <a:ext cx="2292984" cy="1509871"/>
+          </a:xfrm>
+          <a:prstGeom prst="rect">
+            <a:avLst/>
+          </a:prstGeom>
+          <a:noFill/>
+        </p:spPr>
+      </p:pic>
+      <p:pic>
+        <p:nvPicPr>
+          <p:cNvPr id="4100" name="Picture 4" descr="http://4.bp.blogspot.com/-vpe12UnExLU/UV4txcdDtoI/AAAAAAAAAT4/RMWpQrcn8SY/s1600/cobwebs.jpg"/>
+          <p:cNvPicPr>
+            <a:picLocks noChangeAspect="1" noChangeArrowheads="1"/>
+          </p:cNvPicPr>
+          <p:nvPr/>
+        </p:nvPicPr>
+        <p:blipFill>
+          <a:blip r:embed="rId9" cstate="print"/>
+          <a:srcRect l="23356" t="14590"/>
+          <a:stretch>
+            <a:fillRect/>
+          </a:stretch>
+        </p:blipFill>
+        <p:spPr bwMode="auto">
+          <a:xfrm>
+            <a:off x="7396480" y="3901440"/>
+            <a:ext cx="2190115" cy="1618933"/>
+          </a:xfrm>
+          <a:prstGeom prst="rect">
+            <a:avLst/>
+          </a:prstGeom>
+          <a:noFill/>
+        </p:spPr>
+      </p:pic>
+      <p:sp>
+        <p:nvSpPr>
+          <p:cNvPr id="18" name="Text Box 12"/>
+          <p:cNvSpPr txBox="1">
+            <a:spLocks noChangeArrowheads="1"/>
+          </p:cNvSpPr>
+          <p:nvPr/>
+        </p:nvSpPr>
+        <p:spPr bwMode="auto">
+          <a:xfrm>
+            <a:off x="7185109" y="2966201"/>
+            <a:ext cx="2365291" cy="307777"/>
+          </a:xfrm>
+          <a:prstGeom prst="rect">
+            <a:avLst/>
+          </a:prstGeom>
+          <a:solidFill>
+            <a:srgbClr val="FFFFFF"/>
+          </a:solidFill>
+          <a:ln w="9525">
+            <a:solidFill>
+              <a:srgbClr val="000000"/>
+            </a:solidFill>
+            <a:miter lim="800000"/>
+            <a:headEnd/>
+            <a:tailEnd/>
+          </a:ln>
+        </p:spPr>
+        <p:txBody>
+          <a:bodyPr vert="horz" wrap="square" lIns="91440" tIns="45720" rIns="91440" bIns="45720" numCol="1" anchor="t" anchorCtr="0" compatLnSpc="1">
+            <a:prstTxWarp prst="textNoShape">
+              <a:avLst/>
+            </a:prstTxWarp>
+            <a:spAutoFit/>
+          </a:bodyPr>
+          <a:lstStyle/>
+          <a:p>
+            <a:pPr marL="0" marR="0" lvl="0" indent="0" algn="l" defTabSz="914400" rtl="0" eaLnBrk="0" fontAlgn="base" latinLnBrk="0" hangingPunct="0">
+              <a:lnSpc>
+                <a:spcPct val="100000"/>
+              </a:lnSpc>
+              <a:spcBef>
+                <a:spcPct val="0"/>
+              </a:spcBef>
+              <a:spcAft>
+                <a:spcPct val="0"/>
+              </a:spcAft>
+              <a:buClrTx/>
+              <a:buSzTx/>
+              <a:buFontTx/>
+              <a:buNone/>
+              <a:tabLst/>
+            </a:pPr>
+            <a:r>
+              <a:rPr kumimoji="0" lang="en-GB" altLang="en-US" sz="1400" b="0" i="0" u="none" strike="noStrike" cap="none" normalizeH="0" baseline="0" dirty="0" smtClean="0">
+                <a:ln>
+                  <a:noFill/>
+                </a:ln>
+                <a:solidFill>
+                  <a:schemeClr val="tx1"/>
+                </a:solidFill>
+                <a:effectLst/>
+                <a:latin typeface="Calibri" pitchFamily="34" charset="0"/>
+              </a:rPr>
+              <a:t>Rare &amp; worn</a:t>
+            </a:r>
+            <a:r>
+              <a:rPr kumimoji="0" lang="en-GB" altLang="en-US" sz="1400" b="0" i="0" u="none" strike="noStrike" cap="none" normalizeH="0" dirty="0" smtClean="0">
+                <a:ln>
+                  <a:noFill/>
+                </a:ln>
+                <a:solidFill>
+                  <a:schemeClr val="tx1"/>
+                </a:solidFill>
+                <a:effectLst/>
+                <a:latin typeface="Calibri" pitchFamily="34" charset="0"/>
+              </a:rPr>
+              <a:t> down books</a:t>
+            </a:r>
+            <a:endParaRPr kumimoji="0" lang="en-GB" altLang="en-US" sz="1400" b="0" i="0" u="none" strike="noStrike" cap="none" normalizeH="0" baseline="0" dirty="0" smtClean="0">
+              <a:ln>
+                <a:noFill/>
+              </a:ln>
+              <a:solidFill>
+                <a:schemeClr val="tx1"/>
+              </a:solidFill>
+              <a:effectLst/>
+              <a:latin typeface="Calibri" pitchFamily="34" charset="0"/>
+            </a:endParaRPr>
+          </a:p>
+        </p:txBody>
+      </p:sp>
+      <p:sp>
+        <p:nvSpPr>
+          <p:cNvPr id="19" name="Text Box 5"/>
+          <p:cNvSpPr txBox="1">
+            <a:spLocks noChangeArrowheads="1"/>
+          </p:cNvSpPr>
+          <p:nvPr/>
+        </p:nvSpPr>
+        <p:spPr bwMode="auto">
+          <a:xfrm>
+            <a:off x="7444725" y="5877411"/>
+            <a:ext cx="2075195" cy="421790"/>
+          </a:xfrm>
+          <a:prstGeom prst="rect">
+            <a:avLst/>
+          </a:prstGeom>
+          <a:solidFill>
+            <a:srgbClr val="FFFFFF"/>
+          </a:solidFill>
+          <a:ln w="9525">
+            <a:solidFill>
+              <a:srgbClr val="000000"/>
+            </a:solidFill>
+            <a:miter lim="800000"/>
+            <a:headEnd/>
+            <a:tailEnd/>
+          </a:ln>
+        </p:spPr>
+        <p:txBody>
+          <a:bodyPr vert="horz" wrap="square" lIns="91440" tIns="45720" rIns="91440" bIns="45720" numCol="1" anchor="t" anchorCtr="0" compatLnSpc="1">
+            <a:prstTxWarp prst="textNoShape">
+              <a:avLst/>
+            </a:prstTxWarp>
+          </a:bodyPr>
+          <a:lstStyle/>
+          <a:p>
+            <a:pPr marL="0" marR="0" lvl="0" indent="0" algn="l" defTabSz="914400" rtl="0" eaLnBrk="0" fontAlgn="base" latinLnBrk="0" hangingPunct="0">
+              <a:lnSpc>
+                <a:spcPct val="100000"/>
+              </a:lnSpc>
+              <a:spcBef>
+                <a:spcPct val="0"/>
+              </a:spcBef>
+              <a:spcAft>
+                <a:spcPct val="0"/>
+              </a:spcAft>
+              <a:buClrTx/>
+              <a:buSzTx/>
+              <a:buFontTx/>
+              <a:buNone/>
+              <a:tabLst/>
+            </a:pPr>
+            <a:r>
+              <a:rPr lang="en-GB" altLang="en-US" sz="1400" dirty="0" smtClean="0">
+                <a:latin typeface="Calibri" pitchFamily="34" charset="0"/>
+              </a:rPr>
+              <a:t>Dusty &amp; ancient books</a:t>
+            </a:r>
+            <a:endParaRPr kumimoji="0" lang="en-GB" altLang="en-US" sz="1400" b="0" i="0" u="none" strike="noStrike" cap="none" normalizeH="0" baseline="0" dirty="0" smtClean="0">
+              <a:ln>
+                <a:noFill/>
+              </a:ln>
+              <a:solidFill>
+                <a:schemeClr val="tx1"/>
+              </a:solidFill>
+              <a:effectLst/>
+              <a:latin typeface="Calibri" pitchFamily="34" charset="0"/>
+            </a:endParaRPr>
+          </a:p>
+        </p:txBody>
+      </p:sp>
     </p:spTree>
     <p:extLst>
       <p:ext uri="{BB962C8B-B14F-4D97-AF65-F5344CB8AC3E}">
-        <p14:creationId xmlns:p14="http://schemas.microsoft.com/office/powerpoint/2010/main" xmlns="" val="2445174280"/>
+        <p14:creationId xmlns="" xmlns:p14="http://schemas.microsoft.com/office/powerpoint/2010/main" val="2445174280"/>
       </p:ext>
     </p:extLst>
   </p:cSld>
@@ -7989,7 +8163,7 @@
     </p:spTree>
     <p:extLst>
       <p:ext uri="{BB962C8B-B14F-4D97-AF65-F5344CB8AC3E}">
-        <p14:creationId xmlns:p14="http://schemas.microsoft.com/office/powerpoint/2010/main" xmlns="" val="2005683756"/>
+        <p14:creationId xmlns="" xmlns:p14="http://schemas.microsoft.com/office/powerpoint/2010/main" val="2005683756"/>
       </p:ext>
     </p:extLst>
   </p:cSld>
@@ -8165,7 +8339,7 @@
     </p:spTree>
     <p:extLst>
       <p:ext uri="{BB962C8B-B14F-4D97-AF65-F5344CB8AC3E}">
-        <p14:creationId xmlns:p14="http://schemas.microsoft.com/office/powerpoint/2010/main" xmlns="" val="2670981841"/>
+        <p14:creationId xmlns="" xmlns:p14="http://schemas.microsoft.com/office/powerpoint/2010/main" val="2670981841"/>
       </p:ext>
     </p:extLst>
   </p:cSld>
@@ -8426,7 +8600,7 @@
   <a:extraClrSchemeLst/>
   <a:extLst>
     <a:ext uri="{05A4C25C-085E-4340-85A3-A5531E510DB2}">
-      <thm15:themeFamily xmlns:thm15="http://schemas.microsoft.com/office/thememl/2012/main" xmlns="" name="Facet" id="{C0C680CD-088A-49FC-A102-D699147F32B2}" vid="{CFBC31BA-B70F-4F30-BCAA-4F3011E16C4D}"/>
+      <thm15:themeFamily xmlns="" xmlns:thm15="http://schemas.microsoft.com/office/thememl/2012/main" name="Facet" id="{C0C680CD-088A-49FC-A102-D699147F32B2}" vid="{CFBC31BA-B70F-4F30-BCAA-4F3011E16C4D}"/>
     </a:ext>
   </a:extLst>
 </a:theme>
@@ -8721,7 +8895,7 @@
   <a:extraClrSchemeLst/>
   <a:extLst>
     <a:ext uri="{05A4C25C-085E-4340-85A3-A5531E510DB2}">
-      <thm15:themeFamily xmlns:thm15="http://schemas.microsoft.com/office/thememl/2012/main" xmlns="" name="Office Theme" id="{62F939B6-93AF-4DB8-9C6B-D6C7DFDC589F}" vid="{4A3C46E8-61CC-4603-A589-7422A47A8E4A}"/>
+      <thm15:themeFamily xmlns="" xmlns:thm15="http://schemas.microsoft.com/office/thememl/2012/main" name="Office Theme" id="{62F939B6-93AF-4DB8-9C6B-D6C7DFDC589F}" vid="{4A3C46E8-61CC-4603-A589-7422A47A8E4A}"/>
     </a:ext>
   </a:extLst>
 </a:theme>

--- a/Group 14.pptx
+++ b/Group 14.pptx
@@ -5,7 +5,7 @@
     <p:sldMasterId id="2147483677" r:id="rId1"/>
   </p:sldMasterIdLst>
   <p:notesMasterIdLst>
-    <p:notesMasterId r:id="rId10"/>
+    <p:notesMasterId r:id="rId11"/>
   </p:notesMasterIdLst>
   <p:sldIdLst>
     <p:sldId id="256" r:id="rId2"/>
@@ -16,6 +16,7 @@
     <p:sldId id="258" r:id="rId7"/>
     <p:sldId id="260" r:id="rId8"/>
     <p:sldId id="265" r:id="rId9"/>
+    <p:sldId id="266" r:id="rId10"/>
   </p:sldIdLst>
   <p:sldSz cx="12192000" cy="6858000"/>
   <p:notesSz cx="6858000" cy="9144000"/>
@@ -116,7 +117,7 @@
   </p:defaultTextStyle>
   <p:extLst>
     <p:ext uri="{EFAFB233-063F-42B5-8137-9DF3F51BA10A}">
-      <p15:sldGuideLst xmlns="" xmlns:p15="http://schemas.microsoft.com/office/powerpoint/2012/main">
+      <p15:sldGuideLst xmlns:p15="http://schemas.microsoft.com/office/powerpoint/2012/main">
         <p15:guide id="1" orient="horz" pos="2160">
           <p15:clr>
             <a:srgbClr val="A4A3A4"/>
@@ -384,7 +385,7 @@
     </p:spTree>
     <p:extLst>
       <p:ext uri="{BB962C8B-B14F-4D97-AF65-F5344CB8AC3E}">
-        <p14:creationId xmlns="" xmlns:p14="http://schemas.microsoft.com/office/powerpoint/2010/main" val="1094693689"/>
+        <p14:creationId xmlns:p14="http://schemas.microsoft.com/office/powerpoint/2010/main" val="1094693689"/>
       </p:ext>
     </p:extLst>
   </p:cSld>
@@ -642,7 +643,7 @@
     </p:spTree>
     <p:extLst>
       <p:ext uri="{BB962C8B-B14F-4D97-AF65-F5344CB8AC3E}">
-        <p14:creationId xmlns="" xmlns:p14="http://schemas.microsoft.com/office/powerpoint/2010/main" val="1389064531"/>
+        <p14:creationId xmlns:p14="http://schemas.microsoft.com/office/powerpoint/2010/main" val="1389064531"/>
       </p:ext>
     </p:extLst>
   </p:cSld>
@@ -727,7 +728,7 @@
     </p:spTree>
     <p:extLst>
       <p:ext uri="{BB962C8B-B14F-4D97-AF65-F5344CB8AC3E}">
-        <p14:creationId xmlns="" xmlns:p14="http://schemas.microsoft.com/office/powerpoint/2010/main" val="3455208772"/>
+        <p14:creationId xmlns:p14="http://schemas.microsoft.com/office/powerpoint/2010/main" val="3455208772"/>
       </p:ext>
     </p:extLst>
   </p:cSld>
@@ -1512,7 +1513,7 @@
     </p:spTree>
     <p:extLst>
       <p:ext uri="{BB962C8B-B14F-4D97-AF65-F5344CB8AC3E}">
-        <p14:creationId xmlns="" xmlns:p14="http://schemas.microsoft.com/office/powerpoint/2010/main" val="1416213336"/>
+        <p14:creationId xmlns:p14="http://schemas.microsoft.com/office/powerpoint/2010/main" val="1416213336"/>
       </p:ext>
     </p:extLst>
   </p:cSld>
@@ -1765,7 +1766,7 @@
     </p:spTree>
     <p:extLst>
       <p:ext uri="{BB962C8B-B14F-4D97-AF65-F5344CB8AC3E}">
-        <p14:creationId xmlns="" xmlns:p14="http://schemas.microsoft.com/office/powerpoint/2010/main" val="2996688164"/>
+        <p14:creationId xmlns:p14="http://schemas.microsoft.com/office/powerpoint/2010/main" val="2996688164"/>
       </p:ext>
     </p:extLst>
   </p:cSld>
@@ -2171,7 +2172,7 @@
     </p:spTree>
     <p:extLst>
       <p:ext uri="{BB962C8B-B14F-4D97-AF65-F5344CB8AC3E}">
-        <p14:creationId xmlns="" xmlns:p14="http://schemas.microsoft.com/office/powerpoint/2010/main" val="628267690"/>
+        <p14:creationId xmlns:p14="http://schemas.microsoft.com/office/powerpoint/2010/main" val="628267690"/>
       </p:ext>
     </p:extLst>
   </p:cSld>
@@ -2424,7 +2425,7 @@
     </p:spTree>
     <p:extLst>
       <p:ext uri="{BB962C8B-B14F-4D97-AF65-F5344CB8AC3E}">
-        <p14:creationId xmlns="" xmlns:p14="http://schemas.microsoft.com/office/powerpoint/2010/main" val="642880592"/>
+        <p14:creationId xmlns:p14="http://schemas.microsoft.com/office/powerpoint/2010/main" val="642880592"/>
       </p:ext>
     </p:extLst>
   </p:cSld>
@@ -2822,7 +2823,7 @@
     </p:spTree>
     <p:extLst>
       <p:ext uri="{BB962C8B-B14F-4D97-AF65-F5344CB8AC3E}">
-        <p14:creationId xmlns="" xmlns:p14="http://schemas.microsoft.com/office/powerpoint/2010/main" val="1677234499"/>
+        <p14:creationId xmlns:p14="http://schemas.microsoft.com/office/powerpoint/2010/main" val="1677234499"/>
       </p:ext>
     </p:extLst>
   </p:cSld>
@@ -3135,7 +3136,7 @@
     </p:spTree>
     <p:extLst>
       <p:ext uri="{BB962C8B-B14F-4D97-AF65-F5344CB8AC3E}">
-        <p14:creationId xmlns="" xmlns:p14="http://schemas.microsoft.com/office/powerpoint/2010/main" val="1214186571"/>
+        <p14:creationId xmlns:p14="http://schemas.microsoft.com/office/powerpoint/2010/main" val="1214186571"/>
       </p:ext>
     </p:extLst>
   </p:cSld>
@@ -3307,7 +3308,7 @@
     </p:spTree>
     <p:extLst>
       <p:ext uri="{BB962C8B-B14F-4D97-AF65-F5344CB8AC3E}">
-        <p14:creationId xmlns="" xmlns:p14="http://schemas.microsoft.com/office/powerpoint/2010/main" val="333804558"/>
+        <p14:creationId xmlns:p14="http://schemas.microsoft.com/office/powerpoint/2010/main" val="333804558"/>
       </p:ext>
     </p:extLst>
   </p:cSld>
@@ -3489,7 +3490,7 @@
     </p:spTree>
     <p:extLst>
       <p:ext uri="{BB962C8B-B14F-4D97-AF65-F5344CB8AC3E}">
-        <p14:creationId xmlns="" xmlns:p14="http://schemas.microsoft.com/office/powerpoint/2010/main" val="2904802637"/>
+        <p14:creationId xmlns:p14="http://schemas.microsoft.com/office/powerpoint/2010/main" val="2904802637"/>
       </p:ext>
     </p:extLst>
   </p:cSld>
@@ -3667,7 +3668,7 @@
     </p:spTree>
     <p:extLst>
       <p:ext uri="{BB962C8B-B14F-4D97-AF65-F5344CB8AC3E}">
-        <p14:creationId xmlns="" xmlns:p14="http://schemas.microsoft.com/office/powerpoint/2010/main" val="1207658432"/>
+        <p14:creationId xmlns:p14="http://schemas.microsoft.com/office/powerpoint/2010/main" val="1207658432"/>
       </p:ext>
     </p:extLst>
   </p:cSld>
@@ -3916,7 +3917,7 @@
     </p:spTree>
     <p:extLst>
       <p:ext uri="{BB962C8B-B14F-4D97-AF65-F5344CB8AC3E}">
-        <p14:creationId xmlns="" xmlns:p14="http://schemas.microsoft.com/office/powerpoint/2010/main" val="2940899993"/>
+        <p14:creationId xmlns:p14="http://schemas.microsoft.com/office/powerpoint/2010/main" val="2940899993"/>
       </p:ext>
     </p:extLst>
   </p:cSld>
@@ -4150,7 +4151,7 @@
     </p:spTree>
     <p:extLst>
       <p:ext uri="{BB962C8B-B14F-4D97-AF65-F5344CB8AC3E}">
-        <p14:creationId xmlns="" xmlns:p14="http://schemas.microsoft.com/office/powerpoint/2010/main" val="1265992149"/>
+        <p14:creationId xmlns:p14="http://schemas.microsoft.com/office/powerpoint/2010/main" val="1265992149"/>
       </p:ext>
     </p:extLst>
   </p:cSld>
@@ -4526,7 +4527,7 @@
     </p:spTree>
     <p:extLst>
       <p:ext uri="{BB962C8B-B14F-4D97-AF65-F5344CB8AC3E}">
-        <p14:creationId xmlns="" xmlns:p14="http://schemas.microsoft.com/office/powerpoint/2010/main" val="1711537170"/>
+        <p14:creationId xmlns:p14="http://schemas.microsoft.com/office/powerpoint/2010/main" val="1711537170"/>
       </p:ext>
     </p:extLst>
   </p:cSld>
@@ -4651,7 +4652,7 @@
     </p:spTree>
     <p:extLst>
       <p:ext uri="{BB962C8B-B14F-4D97-AF65-F5344CB8AC3E}">
-        <p14:creationId xmlns="" xmlns:p14="http://schemas.microsoft.com/office/powerpoint/2010/main" val="3089190593"/>
+        <p14:creationId xmlns:p14="http://schemas.microsoft.com/office/powerpoint/2010/main" val="3089190593"/>
       </p:ext>
     </p:extLst>
   </p:cSld>
@@ -4748,7 +4749,7 @@
     </p:spTree>
     <p:extLst>
       <p:ext uri="{BB962C8B-B14F-4D97-AF65-F5344CB8AC3E}">
-        <p14:creationId xmlns="" xmlns:p14="http://schemas.microsoft.com/office/powerpoint/2010/main" val="2521303672"/>
+        <p14:creationId xmlns:p14="http://schemas.microsoft.com/office/powerpoint/2010/main" val="2521303672"/>
       </p:ext>
     </p:extLst>
   </p:cSld>
@@ -5005,7 +5006,7 @@
     </p:spTree>
     <p:extLst>
       <p:ext uri="{BB962C8B-B14F-4D97-AF65-F5344CB8AC3E}">
-        <p14:creationId xmlns="" xmlns:p14="http://schemas.microsoft.com/office/powerpoint/2010/main" val="1529297431"/>
+        <p14:creationId xmlns:p14="http://schemas.microsoft.com/office/powerpoint/2010/main" val="1529297431"/>
       </p:ext>
     </p:extLst>
   </p:cSld>
@@ -5270,7 +5271,7 @@
     </p:spTree>
     <p:extLst>
       <p:ext uri="{BB962C8B-B14F-4D97-AF65-F5344CB8AC3E}">
-        <p14:creationId xmlns="" xmlns:p14="http://schemas.microsoft.com/office/powerpoint/2010/main" val="4047318941"/>
+        <p14:creationId xmlns:p14="http://schemas.microsoft.com/office/powerpoint/2010/main" val="4047318941"/>
       </p:ext>
     </p:extLst>
   </p:cSld>
@@ -6049,7 +6050,7 @@
     </p:spTree>
     <p:extLst>
       <p:ext uri="{BB962C8B-B14F-4D97-AF65-F5344CB8AC3E}">
-        <p14:creationId xmlns="" xmlns:p14="http://schemas.microsoft.com/office/powerpoint/2010/main" val="4120066486"/>
+        <p14:creationId xmlns:p14="http://schemas.microsoft.com/office/powerpoint/2010/main" val="4120066486"/>
       </p:ext>
     </p:extLst>
   </p:cSld>
@@ -6564,7 +6565,7 @@
     </p:spTree>
     <p:extLst>
       <p:ext uri="{BB962C8B-B14F-4D97-AF65-F5344CB8AC3E}">
-        <p14:creationId xmlns="" xmlns:p14="http://schemas.microsoft.com/office/powerpoint/2010/main" val="384790399"/>
+        <p14:creationId xmlns:p14="http://schemas.microsoft.com/office/powerpoint/2010/main" val="384790399"/>
       </p:ext>
     </p:extLst>
   </p:cSld>
@@ -6635,8 +6636,17 @@
           </a:p>
           <a:p>
             <a:r>
+              <a:rPr lang="en-GB" b="1" dirty="0"/>
+              <a:t>The history of earth is at risk when book mites that consume history invade a bookshop on the moon</a:t>
+            </a:r>
+          </a:p>
+          <a:p>
+            <a:endParaRPr lang="en-GB" dirty="0"/>
+          </a:p>
+          <a:p>
+            <a:r>
               <a:rPr lang="en-GB" dirty="0"/>
-              <a:t>The history of earth is at risk when book mites that consume history invade a bookshop on the moon</a:t>
+              <a:t>Book mites eat books which subsequently destroy pieces of history, to stop this player must shoot mites before they eat books. The player must also organise books in chronological order.</a:t>
             </a:r>
           </a:p>
         </p:txBody>
@@ -6644,7 +6654,7 @@
     </p:spTree>
     <p:extLst>
       <p:ext uri="{BB962C8B-B14F-4D97-AF65-F5344CB8AC3E}">
-        <p14:creationId xmlns="" xmlns:p14="http://schemas.microsoft.com/office/powerpoint/2010/main" val="1925635564"/>
+        <p14:creationId xmlns:p14="http://schemas.microsoft.com/office/powerpoint/2010/main" val="1925635564"/>
       </p:ext>
     </p:extLst>
   </p:cSld>
@@ -6715,7 +6725,15 @@
           <a:p>
             <a:r>
               <a:rPr lang="en-GB" b="1" dirty="0"/>
-              <a:t>Teenagers &amp; Kids will find the historical theme interesting.</a:t>
+              <a:t>Teenagers &amp; young </a:t>
+            </a:r>
+            <a:r>
+              <a:rPr lang="en-GB" b="1" dirty="0" err="1"/>
+              <a:t>adulsts</a:t>
+            </a:r>
+            <a:r>
+              <a:rPr lang="en-GB" b="1" dirty="0"/>
+              <a:t> will find the historical theme interesting.</a:t>
             </a:r>
           </a:p>
           <a:p>
@@ -6732,17 +6750,16 @@
           </a:p>
           <a:p>
             <a:r>
-              <a:rPr lang="en-GB" b="1" dirty="0"/>
-              <a:t>Young Adults &amp; Teenagers will like the puzzle genre of the game.</a:t>
-            </a:r>
-          </a:p>
-          <a:p>
-            <a:pPr marL="0" indent="0">
-              <a:buNone/>
-            </a:pPr>
-            <a:r>
               <a:rPr lang="en-GB" dirty="0"/>
-              <a:t>Teenagers and Young Adults are the majority of mobile players. Puzzle games go well with mobile games.</a:t>
+              <a:t>In relation to the obscure sorrows, </a:t>
+            </a:r>
+            <a:r>
+              <a:rPr lang="en-GB" dirty="0" err="1"/>
+              <a:t>vellichor</a:t>
+            </a:r>
+            <a:r>
+              <a:rPr lang="en-GB" dirty="0"/>
+              <a:t> will take our target audience back to when they were young and taking books out from book stores</a:t>
             </a:r>
           </a:p>
         </p:txBody>
@@ -6875,7 +6892,7 @@
     </p:spTree>
     <p:extLst>
       <p:ext uri="{BB962C8B-B14F-4D97-AF65-F5344CB8AC3E}">
-        <p14:creationId xmlns="" xmlns:p14="http://schemas.microsoft.com/office/powerpoint/2010/main" val="2525450431"/>
+        <p14:creationId xmlns:p14="http://schemas.microsoft.com/office/powerpoint/2010/main" val="2525450431"/>
       </p:ext>
     </p:extLst>
   </p:cSld>
@@ -6971,12 +6988,21 @@
           <a:p>
             <a:endParaRPr lang="en-GB" dirty="0"/>
           </a:p>
+          <a:p>
+            <a:r>
+              <a:rPr lang="en-GB" dirty="0"/>
+              <a:t>Game will go from chaos to order through sorting the books</a:t>
+            </a:r>
+          </a:p>
+          <a:p>
+            <a:endParaRPr lang="en-GB" dirty="0"/>
+          </a:p>
         </p:txBody>
       </p:sp>
     </p:spTree>
     <p:extLst>
       <p:ext uri="{BB962C8B-B14F-4D97-AF65-F5344CB8AC3E}">
-        <p14:creationId xmlns="" xmlns:p14="http://schemas.microsoft.com/office/powerpoint/2010/main" val="3361430429"/>
+        <p14:creationId xmlns:p14="http://schemas.microsoft.com/office/powerpoint/2010/main" val="3361430429"/>
       </p:ext>
     </p:extLst>
   </p:cSld>
@@ -7019,10 +7045,9 @@
           <a:lstStyle/>
           <a:p>
             <a:r>
-              <a:rPr lang="en-GB" dirty="0" smtClean="0"/>
+              <a:rPr lang="en-GB" dirty="0"/>
               <a:t>Moodboard </a:t>
             </a:r>
-            <a:endParaRPr lang="en-GB" dirty="0"/>
           </a:p>
         </p:txBody>
       </p:sp>
@@ -7038,7 +7063,7 @@
           <a:blip r:embed="rId2" cstate="print">
             <a:extLst>
               <a:ext uri="{28A0092B-C50C-407E-A947-70E740481C1C}">
-                <a14:useLocalDpi xmlns="" xmlns:a14="http://schemas.microsoft.com/office/drawing/2010/main" val="0"/>
+                <a14:useLocalDpi xmlns:a14="http://schemas.microsoft.com/office/drawing/2010/main" val="0"/>
               </a:ext>
             </a:extLst>
           </a:blip>
@@ -7058,7 +7083,7 @@
           <a:noFill/>
           <a:extLst>
             <a:ext uri="{909E8E84-426E-40DD-AFC4-6F175D3DCCD1}">
-              <a14:hiddenFill xmlns="" xmlns:a14="http://schemas.microsoft.com/office/drawing/2010/main">
+              <a14:hiddenFill xmlns:a14="http://schemas.microsoft.com/office/drawing/2010/main">
                 <a:solidFill>
                   <a:srgbClr val="FFFFFF"/>
                 </a:solidFill>
@@ -7079,7 +7104,7 @@
           <a:blip r:embed="rId3" cstate="print">
             <a:extLst>
               <a:ext uri="{28A0092B-C50C-407E-A947-70E740481C1C}">
-                <a14:useLocalDpi xmlns="" xmlns:a14="http://schemas.microsoft.com/office/drawing/2010/main" val="0"/>
+                <a14:useLocalDpi xmlns:a14="http://schemas.microsoft.com/office/drawing/2010/main" val="0"/>
               </a:ext>
             </a:extLst>
           </a:blip>
@@ -7099,7 +7124,7 @@
           <a:noFill/>
           <a:extLst>
             <a:ext uri="{909E8E84-426E-40DD-AFC4-6F175D3DCCD1}">
-              <a14:hiddenFill xmlns="" xmlns:a14="http://schemas.microsoft.com/office/drawing/2010/main">
+              <a14:hiddenFill xmlns:a14="http://schemas.microsoft.com/office/drawing/2010/main">
                 <a:solidFill>
                   <a:srgbClr val="FFFFFF"/>
                 </a:solidFill>
@@ -7120,7 +7145,7 @@
           <a:blip r:embed="rId4" cstate="print">
             <a:extLst>
               <a:ext uri="{28A0092B-C50C-407E-A947-70E740481C1C}">
-                <a14:useLocalDpi xmlns="" xmlns:a14="http://schemas.microsoft.com/office/drawing/2010/main" val="0"/>
+                <a14:useLocalDpi xmlns:a14="http://schemas.microsoft.com/office/drawing/2010/main" val="0"/>
               </a:ext>
             </a:extLst>
           </a:blip>
@@ -7140,7 +7165,7 @@
           <a:noFill/>
           <a:extLst>
             <a:ext uri="{909E8E84-426E-40DD-AFC4-6F175D3DCCD1}">
-              <a14:hiddenFill xmlns="" xmlns:a14="http://schemas.microsoft.com/office/drawing/2010/main">
+              <a14:hiddenFill xmlns:a14="http://schemas.microsoft.com/office/drawing/2010/main">
                 <a:solidFill>
                   <a:srgbClr val="FFFFFF"/>
                 </a:solidFill>
@@ -7203,7 +7228,7 @@
               <a:tabLst/>
             </a:pPr>
             <a:r>
-              <a:rPr kumimoji="0" lang="en-GB" altLang="en-US" sz="1400" b="0" i="0" u="none" strike="noStrike" cap="none" normalizeH="0" baseline="0" dirty="0" smtClean="0">
+              <a:rPr kumimoji="0" lang="en-GB" altLang="en-US" sz="1400" b="0" i="0" u="none" strike="noStrike" cap="none" normalizeH="0" baseline="0" dirty="0">
                 <a:ln>
                   <a:noFill/>
                 </a:ln>
@@ -7217,7 +7242,7 @@
               </a:rPr>
               <a:t>Missing countries of the world </a:t>
             </a:r>
-            <a:endParaRPr kumimoji="0" lang="en-GB" altLang="en-US" sz="2400" b="0" i="0" u="none" strike="noStrike" cap="none" normalizeH="0" baseline="0" dirty="0" smtClean="0">
+            <a:endParaRPr kumimoji="0" lang="en-GB" altLang="en-US" sz="2400" b="0" i="0" u="none" strike="noStrike" cap="none" normalizeH="0" baseline="0" dirty="0">
               <a:ln>
                 <a:noFill/>
               </a:ln>
@@ -7284,7 +7309,7 @@
               <a:tabLst/>
             </a:pPr>
             <a:r>
-              <a:rPr kumimoji="0" lang="en-GB" altLang="en-US" sz="1400" i="0" u="none" strike="noStrike" cap="none" normalizeH="0" baseline="0" dirty="0" smtClean="0">
+              <a:rPr kumimoji="0" lang="en-GB" altLang="en-US" sz="1400" i="0" u="none" strike="noStrike" cap="none" normalizeH="0" baseline="0" dirty="0">
                 <a:ln>
                   <a:noFill/>
                 </a:ln>
@@ -7298,7 +7323,7 @@
               </a:rPr>
               <a:t>The burnt slow destruction of time and history</a:t>
             </a:r>
-            <a:endParaRPr kumimoji="0" lang="en-GB" altLang="en-US" sz="2400" i="0" u="none" strike="noStrike" cap="none" normalizeH="0" baseline="0" dirty="0" smtClean="0">
+            <a:endParaRPr kumimoji="0" lang="en-GB" altLang="en-US" sz="2400" i="0" u="none" strike="noStrike" cap="none" normalizeH="0" baseline="0" dirty="0">
               <a:ln>
                 <a:noFill/>
               </a:ln>
@@ -7323,7 +7348,7 @@
           <a:blip r:embed="rId5" cstate="print">
             <a:extLst>
               <a:ext uri="{28A0092B-C50C-407E-A947-70E740481C1C}">
-                <a14:useLocalDpi xmlns="" xmlns:a14="http://schemas.microsoft.com/office/drawing/2010/main" val="0"/>
+                <a14:useLocalDpi xmlns:a14="http://schemas.microsoft.com/office/drawing/2010/main" val="0"/>
               </a:ext>
             </a:extLst>
           </a:blip>
@@ -7343,7 +7368,7 @@
           <a:noFill/>
           <a:extLst>
             <a:ext uri="{909E8E84-426E-40DD-AFC4-6F175D3DCCD1}">
-              <a14:hiddenFill xmlns="" xmlns:a14="http://schemas.microsoft.com/office/drawing/2010/main">
+              <a14:hiddenFill xmlns:a14="http://schemas.microsoft.com/office/drawing/2010/main">
                 <a:solidFill>
                   <a:srgbClr val="FFFFFF"/>
                 </a:solidFill>
@@ -7406,7 +7431,7 @@
               <a:tabLst/>
             </a:pPr>
             <a:r>
-              <a:rPr kumimoji="0" lang="en-GB" altLang="en-US" sz="1400" b="0" i="0" u="none" strike="noStrike" cap="none" normalizeH="0" baseline="0" dirty="0" smtClean="0">
+              <a:rPr kumimoji="0" lang="en-GB" altLang="en-US" sz="1400" b="0" i="0" u="none" strike="noStrike" cap="none" normalizeH="0" baseline="0" dirty="0">
                 <a:ln>
                   <a:noFill/>
                 </a:ln>
@@ -7420,7 +7445,7 @@
               </a:rPr>
               <a:t>Incorrect order  </a:t>
             </a:r>
-            <a:endParaRPr kumimoji="0" lang="en-GB" altLang="en-US" sz="2400" b="0" i="0" u="none" strike="noStrike" cap="none" normalizeH="0" baseline="0" dirty="0" smtClean="0">
+            <a:endParaRPr kumimoji="0" lang="en-GB" altLang="en-US" sz="2400" b="0" i="0" u="none" strike="noStrike" cap="none" normalizeH="0" baseline="0" dirty="0">
               <a:ln>
                 <a:noFill/>
               </a:ln>
@@ -7486,7 +7511,7 @@
               <a:tabLst/>
             </a:pPr>
             <a:r>
-              <a:rPr kumimoji="0" lang="en-GB" altLang="en-US" sz="1400" b="0" i="0" u="none" strike="noStrike" cap="none" normalizeH="0" baseline="0" dirty="0" smtClean="0">
+              <a:rPr kumimoji="0" lang="en-GB" altLang="en-US" sz="1400" b="0" i="0" u="none" strike="noStrike" cap="none" normalizeH="0" baseline="0" dirty="0">
                 <a:ln>
                   <a:noFill/>
                 </a:ln>
@@ -7500,7 +7525,7 @@
               </a:rPr>
               <a:t>Missing segment (eaten by worm)</a:t>
             </a:r>
-            <a:endParaRPr kumimoji="0" lang="en-GB" altLang="en-US" sz="2400" b="0" i="0" u="none" strike="noStrike" cap="none" normalizeH="0" baseline="0" dirty="0" smtClean="0">
+            <a:endParaRPr kumimoji="0" lang="en-GB" altLang="en-US" sz="2400" b="0" i="0" u="none" strike="noStrike" cap="none" normalizeH="0" baseline="0" dirty="0">
               <a:ln>
                 <a:noFill/>
               </a:ln>
@@ -7525,7 +7550,7 @@
           <a:blip r:embed="rId6" cstate="print">
             <a:extLst>
               <a:ext uri="{28A0092B-C50C-407E-A947-70E740481C1C}">
-                <a14:useLocalDpi xmlns="" xmlns:a14="http://schemas.microsoft.com/office/drawing/2010/main" val="0"/>
+                <a14:useLocalDpi xmlns:a14="http://schemas.microsoft.com/office/drawing/2010/main" val="0"/>
               </a:ext>
             </a:extLst>
           </a:blip>
@@ -7545,7 +7570,7 @@
           <a:noFill/>
           <a:extLst>
             <a:ext uri="{909E8E84-426E-40DD-AFC4-6F175D3DCCD1}">
-              <a14:hiddenFill xmlns="" xmlns:a14="http://schemas.microsoft.com/office/drawing/2010/main">
+              <a14:hiddenFill xmlns:a14="http://schemas.microsoft.com/office/drawing/2010/main">
                 <a:solidFill>
                   <a:srgbClr val="FFFFFF"/>
                 </a:solidFill>
@@ -7607,7 +7632,7 @@
               <a:tabLst/>
             </a:pPr>
             <a:r>
-              <a:rPr kumimoji="0" lang="en-GB" altLang="en-US" sz="1400" b="0" i="0" u="none" strike="noStrike" cap="none" normalizeH="0" baseline="0" dirty="0" smtClean="0">
+              <a:rPr kumimoji="0" lang="en-GB" altLang="en-US" sz="1400" b="0" i="0" u="none" strike="noStrike" cap="none" normalizeH="0" baseline="0" dirty="0">
                 <a:ln>
                   <a:noFill/>
                 </a:ln>
@@ -7621,7 +7646,7 @@
               </a:rPr>
               <a:t>Unorganized chaos (no order)</a:t>
             </a:r>
-            <a:endParaRPr kumimoji="0" lang="en-GB" altLang="en-US" sz="2400" b="0" i="0" u="none" strike="noStrike" cap="none" normalizeH="0" baseline="0" dirty="0" smtClean="0">
+            <a:endParaRPr kumimoji="0" lang="en-GB" altLang="en-US" sz="2400" b="0" i="0" u="none" strike="noStrike" cap="none" normalizeH="0" baseline="0" dirty="0">
               <a:ln>
                 <a:noFill/>
               </a:ln>
@@ -7646,7 +7671,7 @@
           <a:blip r:embed="rId7" cstate="print">
             <a:extLst>
               <a:ext uri="{28A0092B-C50C-407E-A947-70E740481C1C}">
-                <a14:useLocalDpi xmlns="" xmlns:a14="http://schemas.microsoft.com/office/drawing/2010/main" val="0"/>
+                <a14:useLocalDpi xmlns:a14="http://schemas.microsoft.com/office/drawing/2010/main" val="0"/>
               </a:ext>
             </a:extLst>
           </a:blip>
@@ -7666,7 +7691,7 @@
           <a:noFill/>
           <a:extLst>
             <a:ext uri="{909E8E84-426E-40DD-AFC4-6F175D3DCCD1}">
-              <a14:hiddenFill xmlns="" xmlns:a14="http://schemas.microsoft.com/office/drawing/2010/main">
+              <a14:hiddenFill xmlns:a14="http://schemas.microsoft.com/office/drawing/2010/main">
                 <a:solidFill>
                   <a:srgbClr val="FFFFFF"/>
                 </a:solidFill>
@@ -7728,7 +7753,7 @@
               <a:tabLst/>
             </a:pPr>
             <a:r>
-              <a:rPr kumimoji="0" lang="en-GB" altLang="en-US" sz="1400" b="0" i="0" u="none" strike="noStrike" cap="none" normalizeH="0" baseline="0" dirty="0" smtClean="0">
+              <a:rPr kumimoji="0" lang="en-GB" altLang="en-US" sz="1400" b="0" i="0" u="none" strike="noStrike" cap="none" normalizeH="0" baseline="0" dirty="0">
                 <a:ln>
                   <a:noFill/>
                 </a:ln>
@@ -7742,7 +7767,7 @@
               </a:rPr>
               <a:t>Realisation you’re no longer on earth (Zathura Movie Scene)</a:t>
             </a:r>
-            <a:endParaRPr kumimoji="0" lang="en-GB" altLang="en-US" sz="2400" b="0" i="0" u="none" strike="noStrike" cap="none" normalizeH="0" baseline="0" dirty="0" smtClean="0">
+            <a:endParaRPr kumimoji="0" lang="en-GB" altLang="en-US" sz="2400" b="0" i="0" u="none" strike="noStrike" cap="none" normalizeH="0" baseline="0" dirty="0">
               <a:ln>
                 <a:noFill/>
               </a:ln>
@@ -7861,7 +7886,7 @@
               <a:tabLst/>
             </a:pPr>
             <a:r>
-              <a:rPr kumimoji="0" lang="en-GB" altLang="en-US" sz="1400" b="0" i="0" u="none" strike="noStrike" cap="none" normalizeH="0" baseline="0" dirty="0" smtClean="0">
+              <a:rPr kumimoji="0" lang="en-GB" altLang="en-US" sz="1400" b="0" i="0" u="none" strike="noStrike" cap="none" normalizeH="0" baseline="0" dirty="0">
                 <a:ln>
                   <a:noFill/>
                 </a:ln>
@@ -7874,7 +7899,7 @@
               <a:t>Rare &amp; worn</a:t>
             </a:r>
             <a:r>
-              <a:rPr kumimoji="0" lang="en-GB" altLang="en-US" sz="1400" b="0" i="0" u="none" strike="noStrike" cap="none" normalizeH="0" dirty="0" smtClean="0">
+              <a:rPr kumimoji="0" lang="en-GB" altLang="en-US" sz="1400" b="0" i="0" u="none" strike="noStrike" cap="none" normalizeH="0" dirty="0">
                 <a:ln>
                   <a:noFill/>
                 </a:ln>
@@ -7886,7 +7911,7 @@
               </a:rPr>
               <a:t> down books</a:t>
             </a:r>
-            <a:endParaRPr kumimoji="0" lang="en-GB" altLang="en-US" sz="1400" b="0" i="0" u="none" strike="noStrike" cap="none" normalizeH="0" baseline="0" dirty="0" smtClean="0">
+            <a:endParaRPr kumimoji="0" lang="en-GB" altLang="en-US" sz="1400" b="0" i="0" u="none" strike="noStrike" cap="none" normalizeH="0" baseline="0" dirty="0">
               <a:ln>
                 <a:noFill/>
               </a:ln>
@@ -7952,12 +7977,12 @@
               <a:tabLst/>
             </a:pPr>
             <a:r>
-              <a:rPr lang="en-GB" altLang="en-US" sz="1400" dirty="0" smtClean="0">
+              <a:rPr lang="en-GB" altLang="en-US" sz="1400" dirty="0">
                 <a:latin typeface="Calibri" pitchFamily="34" charset="0"/>
               </a:rPr>
               <a:t>Dusty &amp; ancient books</a:t>
             </a:r>
-            <a:endParaRPr kumimoji="0" lang="en-GB" altLang="en-US" sz="1400" b="0" i="0" u="none" strike="noStrike" cap="none" normalizeH="0" baseline="0" dirty="0" smtClean="0">
+            <a:endParaRPr kumimoji="0" lang="en-GB" altLang="en-US" sz="1400" b="0" i="0" u="none" strike="noStrike" cap="none" normalizeH="0" baseline="0" dirty="0">
               <a:ln>
                 <a:noFill/>
               </a:ln>
@@ -7973,7 +7998,7 @@
     </p:spTree>
     <p:extLst>
       <p:ext uri="{BB962C8B-B14F-4D97-AF65-F5344CB8AC3E}">
-        <p14:creationId xmlns="" xmlns:p14="http://schemas.microsoft.com/office/powerpoint/2010/main" val="2445174280"/>
+        <p14:creationId xmlns:p14="http://schemas.microsoft.com/office/powerpoint/2010/main" val="2445174280"/>
       </p:ext>
     </p:extLst>
   </p:cSld>
@@ -8045,17 +8070,13 @@
         </p:spPr>
         <p:txBody>
           <a:bodyPr>
-            <a:normAutofit fontScale="85000" lnSpcReduction="20000"/>
+            <a:normAutofit fontScale="92500" lnSpcReduction="20000"/>
           </a:bodyPr>
           <a:lstStyle/>
           <a:p>
             <a:r>
               <a:rPr lang="en-GB" dirty="0"/>
-              <a:t>The art style is still yet to be </a:t>
-            </a:r>
-            <a:r>
-              <a:rPr lang="en-GB" dirty="0" smtClean="0"/>
-              <a:t>decided</a:t>
+              <a:t>The art style is still yet to be finalised</a:t>
             </a:r>
           </a:p>
           <a:p>
@@ -8066,16 +8087,14 @@
           </a:p>
           <a:p>
             <a:r>
-              <a:rPr lang="en-GB" dirty="0" smtClean="0"/>
-              <a:t>The Font Style chosen includes a fading effect. Thus evokes the player feeling of </a:t>
-            </a:r>
-            <a:r>
-              <a:rPr lang="en-GB" dirty="0" err="1" smtClean="0"/>
-              <a:t>vellichor</a:t>
-            </a:r>
-            <a:r>
-              <a:rPr lang="en-GB" dirty="0" smtClean="0"/>
-              <a:t>, because the font has a used and worn down look.</a:t>
+              <a:rPr lang="en-GB" dirty="0"/>
+              <a:t>The Font Style chosen includes a fading effect to go in with the style of desaturated colour palette </a:t>
+            </a:r>
+          </a:p>
+          <a:p>
+            <a:r>
+              <a:rPr lang="en-GB" dirty="0"/>
+              <a:t>As our backgrounds within the game change, when players progress through puzzles. Therefore our colour pallets will also represent that change. </a:t>
             </a:r>
           </a:p>
           <a:p>
@@ -8083,59 +8102,15 @@
           </a:p>
           <a:p>
             <a:r>
-              <a:rPr lang="en-GB" dirty="0" smtClean="0"/>
-              <a:t>As our backgrounds within the game change, when players progress through puzzles. Therefore our colour pallets will also represent that change. </a:t>
-            </a:r>
-          </a:p>
-          <a:p>
-            <a:endParaRPr lang="en-GB" dirty="0" smtClean="0"/>
-          </a:p>
-          <a:p>
-            <a:r>
-              <a:rPr lang="en-GB" dirty="0" smtClean="0"/>
-              <a:t>The colour palettes used on each background will make the player feel out of place, within the game. Therefore producing the emotion of </a:t>
-            </a:r>
-            <a:r>
-              <a:rPr lang="en-GB" dirty="0" err="1" smtClean="0"/>
-              <a:t>Monachopsis</a:t>
-            </a:r>
-            <a:r>
-              <a:rPr lang="en-GB" dirty="0" smtClean="0"/>
-              <a:t>.</a:t>
+              <a:rPr lang="en-GB" dirty="0"/>
+              <a:t>The colour palette used will be a monochromatic palette that will slowly degrade in saturation as the player progresses through each puzzle</a:t>
             </a:r>
           </a:p>
           <a:p>
             <a:endParaRPr lang="en-GB" dirty="0"/>
           </a:p>
-          <a:p>
-            <a:endParaRPr lang="en-GB" dirty="0"/>
-          </a:p>
-        </p:txBody>
-      </p:sp>
-      <p:pic>
-        <p:nvPicPr>
-          <p:cNvPr id="7" name="Picture 6"/>
-          <p:cNvPicPr>
-            <a:picLocks noChangeAspect="1"/>
-          </p:cNvPicPr>
-          <p:nvPr/>
-        </p:nvPicPr>
-        <p:blipFill>
-          <a:blip r:embed="rId3" cstate="print"/>
-          <a:stretch>
-            <a:fillRect/>
-          </a:stretch>
-        </p:blipFill>
-        <p:spPr>
-          <a:xfrm>
-            <a:off x="5280804" y="4880670"/>
-            <a:ext cx="3849320" cy="605730"/>
-          </a:xfrm>
-          <a:prstGeom prst="rect">
-            <a:avLst/>
-          </a:prstGeom>
-        </p:spPr>
-      </p:pic>
+        </p:txBody>
+      </p:sp>
       <p:pic>
         <p:nvPicPr>
           <p:cNvPr id="10" name="Picture 9"/>
@@ -8145,7 +8120,7 @@
           <p:nvPr/>
         </p:nvPicPr>
         <p:blipFill>
-          <a:blip r:embed="rId4" cstate="print"/>
+          <a:blip r:embed="rId3" cstate="print"/>
           <a:stretch>
             <a:fillRect/>
           </a:stretch>
@@ -8160,10 +8135,51 @@
           </a:prstGeom>
         </p:spPr>
       </p:pic>
+      <p:pic>
+        <p:nvPicPr>
+          <p:cNvPr id="1026" name="Picture 2" descr="Image result for monochromatic"/>
+          <p:cNvPicPr>
+            <a:picLocks noChangeAspect="1" noChangeArrowheads="1"/>
+          </p:cNvPicPr>
+          <p:nvPr/>
+        </p:nvPicPr>
+        <p:blipFill>
+          <a:blip r:embed="rId4" cstate="print">
+            <a:extLst>
+              <a:ext uri="{28A0092B-C50C-407E-A947-70E740481C1C}">
+                <a14:useLocalDpi xmlns:a14="http://schemas.microsoft.com/office/drawing/2010/main" val="0"/>
+              </a:ext>
+            </a:extLst>
+          </a:blip>
+          <a:srcRect/>
+          <a:stretch>
+            <a:fillRect/>
+          </a:stretch>
+        </p:blipFill>
+        <p:spPr bwMode="auto">
+          <a:xfrm>
+            <a:off x="4948555" y="4191149"/>
+            <a:ext cx="2979709" cy="1874031"/>
+          </a:xfrm>
+          <a:prstGeom prst="rect">
+            <a:avLst/>
+          </a:prstGeom>
+          <a:noFill/>
+          <a:extLst>
+            <a:ext uri="{909E8E84-426E-40DD-AFC4-6F175D3DCCD1}">
+              <a14:hiddenFill xmlns:a14="http://schemas.microsoft.com/office/drawing/2010/main">
+                <a:solidFill>
+                  <a:srgbClr val="FFFFFF"/>
+                </a:solidFill>
+              </a14:hiddenFill>
+            </a:ext>
+          </a:extLst>
+        </p:spPr>
+      </p:pic>
     </p:spTree>
     <p:extLst>
       <p:ext uri="{BB962C8B-B14F-4D97-AF65-F5344CB8AC3E}">
-        <p14:creationId xmlns="" xmlns:p14="http://schemas.microsoft.com/office/powerpoint/2010/main" val="2005683756"/>
+        <p14:creationId xmlns:p14="http://schemas.microsoft.com/office/powerpoint/2010/main" val="2005683756"/>
       </p:ext>
     </p:extLst>
   </p:cSld>
@@ -8270,13 +8286,8 @@
             </a:pPr>
             <a:r>
               <a:rPr lang="en-GB" dirty="0"/>
-              <a:t>Tom: </a:t>
-            </a:r>
-            <a:r>
-              <a:rPr lang="en-GB" dirty="0" smtClean="0"/>
-              <a:t>4</a:t>
-            </a:r>
-            <a:endParaRPr lang="en-GB" dirty="0"/>
+              <a:t>Tom: 4</a:t>
+            </a:r>
           </a:p>
           <a:p>
             <a:pPr marL="0" indent="0">
@@ -8284,13 +8295,8 @@
             </a:pPr>
             <a:r>
               <a:rPr lang="en-GB" dirty="0"/>
-              <a:t>Overall: </a:t>
-            </a:r>
-            <a:r>
-              <a:rPr lang="en-GB" dirty="0" smtClean="0"/>
-              <a:t>18</a:t>
-            </a:r>
-            <a:endParaRPr lang="en-GB" dirty="0"/>
+              <a:t>Overall: 18</a:t>
+            </a:r>
           </a:p>
           <a:p>
             <a:pPr marL="0" indent="0">
@@ -8339,7 +8345,65 @@
     </p:spTree>
     <p:extLst>
       <p:ext uri="{BB962C8B-B14F-4D97-AF65-F5344CB8AC3E}">
-        <p14:creationId xmlns="" xmlns:p14="http://schemas.microsoft.com/office/powerpoint/2010/main" val="2670981841"/>
+        <p14:creationId xmlns:p14="http://schemas.microsoft.com/office/powerpoint/2010/main" val="2670981841"/>
+      </p:ext>
+    </p:extLst>
+  </p:cSld>
+  <p:clrMapOvr>
+    <a:masterClrMapping/>
+  </p:clrMapOvr>
+</p:sld>
+</file>
+
+<file path=ppt/slides/slide9.xml><?xml version="1.0" encoding="utf-8"?>
+<p:sld xmlns:a="http://schemas.openxmlformats.org/drawingml/2006/main" xmlns:r="http://schemas.openxmlformats.org/officeDocument/2006/relationships" xmlns:p="http://schemas.openxmlformats.org/presentationml/2006/main">
+  <p:cSld>
+    <p:spTree>
+      <p:nvGrpSpPr>
+        <p:cNvPr id="1" name=""/>
+        <p:cNvGrpSpPr/>
+        <p:nvPr/>
+      </p:nvGrpSpPr>
+      <p:grpSpPr>
+        <a:xfrm>
+          <a:off x="0" y="0"/>
+          <a:ext cx="0" cy="0"/>
+          <a:chOff x="0" y="0"/>
+          <a:chExt cx="0" cy="0"/>
+        </a:xfrm>
+      </p:grpSpPr>
+      <p:sp>
+        <p:nvSpPr>
+          <p:cNvPr id="2" name="Title 1"/>
+          <p:cNvSpPr>
+            <a:spLocks noGrp="1"/>
+          </p:cNvSpPr>
+          <p:nvPr>
+            <p:ph type="title"/>
+          </p:nvPr>
+        </p:nvSpPr>
+        <p:spPr>
+          <a:xfrm>
+            <a:off x="1082581" y="2802082"/>
+            <a:ext cx="8596668" cy="1320800"/>
+          </a:xfrm>
+        </p:spPr>
+        <p:txBody>
+          <a:bodyPr/>
+          <a:lstStyle/>
+          <a:p>
+            <a:pPr algn="ctr"/>
+            <a:r>
+              <a:rPr lang="en-GB" dirty="0"/>
+              <a:t>Questions</a:t>
+            </a:r>
+          </a:p>
+        </p:txBody>
+      </p:sp>
+    </p:spTree>
+    <p:extLst>
+      <p:ext uri="{BB962C8B-B14F-4D97-AF65-F5344CB8AC3E}">
+        <p14:creationId xmlns:p14="http://schemas.microsoft.com/office/powerpoint/2010/main" val="3333049873"/>
       </p:ext>
     </p:extLst>
   </p:cSld>
@@ -8600,7 +8664,7 @@
   <a:extraClrSchemeLst/>
   <a:extLst>
     <a:ext uri="{05A4C25C-085E-4340-85A3-A5531E510DB2}">
-      <thm15:themeFamily xmlns="" xmlns:thm15="http://schemas.microsoft.com/office/thememl/2012/main" name="Facet" id="{C0C680CD-088A-49FC-A102-D699147F32B2}" vid="{CFBC31BA-B70F-4F30-BCAA-4F3011E16C4D}"/>
+      <thm15:themeFamily xmlns:thm15="http://schemas.microsoft.com/office/thememl/2012/main" name="Facet" id="{C0C680CD-088A-49FC-A102-D699147F32B2}" vid="{CFBC31BA-B70F-4F30-BCAA-4F3011E16C4D}"/>
     </a:ext>
   </a:extLst>
 </a:theme>
@@ -8895,7 +8959,7 @@
   <a:extraClrSchemeLst/>
   <a:extLst>
     <a:ext uri="{05A4C25C-085E-4340-85A3-A5531E510DB2}">
-      <thm15:themeFamily xmlns="" xmlns:thm15="http://schemas.microsoft.com/office/thememl/2012/main" name="Office Theme" id="{62F939B6-93AF-4DB8-9C6B-D6C7DFDC589F}" vid="{4A3C46E8-61CC-4603-A589-7422A47A8E4A}"/>
+      <thm15:themeFamily xmlns:thm15="http://schemas.microsoft.com/office/thememl/2012/main" name="Office Theme" id="{62F939B6-93AF-4DB8-9C6B-D6C7DFDC589F}" vid="{4A3C46E8-61CC-4603-A589-7422A47A8E4A}"/>
     </a:ext>
   </a:extLst>
 </a:theme>

--- a/Group 14.pptx
+++ b/Group 14.pptx
@@ -6506,7 +6506,14 @@
           <a:p>
             <a:r>
               <a:rPr lang="en-GB" dirty="0"/>
-              <a:t>Group 14</a:t>
+              <a:t>Group 14 </a:t>
+            </a:r>
+            <a:br>
+              <a:rPr lang="en-GB" dirty="0"/>
+            </a:br>
+            <a:r>
+              <a:rPr lang="en-GB" dirty="0"/>
+              <a:t>(WIP) Game Title</a:t>
             </a:r>
           </a:p>
         </p:txBody>
@@ -6720,20 +6727,47 @@
           </a:xfrm>
         </p:spPr>
         <p:txBody>
-          <a:bodyPr/>
+          <a:bodyPr>
+            <a:normAutofit lnSpcReduction="10000"/>
+          </a:bodyPr>
           <a:lstStyle/>
           <a:p>
             <a:r>
               <a:rPr lang="en-GB" b="1" dirty="0"/>
-              <a:t>Teenagers &amp; young </a:t>
-            </a:r>
-            <a:r>
-              <a:rPr lang="en-GB" b="1" dirty="0" err="1"/>
-              <a:t>adulsts</a:t>
-            </a:r>
+              <a:t>Male children and teenagers</a:t>
+            </a:r>
+          </a:p>
+          <a:p>
+            <a:r>
+              <a:rPr lang="en-GB" dirty="0"/>
+              <a:t>Ages 8- 16</a:t>
+            </a:r>
+          </a:p>
+          <a:p>
+            <a:pPr marL="0" indent="0">
+              <a:buNone/>
+            </a:pPr>
+            <a:r>
+              <a:rPr lang="en-GB" dirty="0"/>
+              <a:t>Like puzzle games </a:t>
+            </a:r>
+          </a:p>
+          <a:p>
+            <a:pPr marL="0" indent="0">
+              <a:buNone/>
+            </a:pPr>
+            <a:r>
+              <a:rPr lang="en-GB" dirty="0"/>
+              <a:t>Educational for children</a:t>
+            </a:r>
+          </a:p>
+          <a:p>
+            <a:endParaRPr lang="en-GB" b="1" dirty="0"/>
+          </a:p>
+          <a:p>
             <a:r>
               <a:rPr lang="en-GB" b="1" dirty="0"/>
-              <a:t> will find the historical theme interesting.</a:t>
+              <a:t>Teenagers &amp; young adults will find the historical theme interesting.</a:t>
             </a:r>
           </a:p>
           <a:p>
@@ -6746,6 +6780,9 @@
             </a:r>
           </a:p>
           <a:p>
+            <a:pPr marL="0" indent="0">
+              <a:buNone/>
+            </a:pPr>
             <a:endParaRPr lang="en-GB" dirty="0"/>
           </a:p>
           <a:p>
@@ -6755,7 +6792,7 @@
             </a:r>
             <a:r>
               <a:rPr lang="en-GB" dirty="0" err="1"/>
-              <a:t>vellichor</a:t>
+              <a:t>Vellichor</a:t>
             </a:r>
             <a:r>
               <a:rPr lang="en-GB" dirty="0"/>
